--- a/unasp valley - powerpoint.pptx
+++ b/unasp valley - powerpoint.pptx
@@ -5,20 +5,21 @@
     <p:sldMasterId id="2147483648" r:id="rId1"/>
   </p:sldMasterIdLst>
   <p:notesMasterIdLst>
-    <p:notesMasterId r:id="rId13"/>
+    <p:notesMasterId r:id="rId14"/>
   </p:notesMasterIdLst>
   <p:sldIdLst>
     <p:sldId id="256" r:id="rId2"/>
     <p:sldId id="257" r:id="rId3"/>
-    <p:sldId id="258" r:id="rId4"/>
-    <p:sldId id="259" r:id="rId5"/>
-    <p:sldId id="262" r:id="rId6"/>
-    <p:sldId id="260" r:id="rId7"/>
-    <p:sldId id="261" r:id="rId8"/>
-    <p:sldId id="263" r:id="rId9"/>
-    <p:sldId id="264" r:id="rId10"/>
-    <p:sldId id="265" r:id="rId11"/>
-    <p:sldId id="266" r:id="rId12"/>
+    <p:sldId id="267" r:id="rId4"/>
+    <p:sldId id="258" r:id="rId5"/>
+    <p:sldId id="259" r:id="rId6"/>
+    <p:sldId id="262" r:id="rId7"/>
+    <p:sldId id="260" r:id="rId8"/>
+    <p:sldId id="261" r:id="rId9"/>
+    <p:sldId id="263" r:id="rId10"/>
+    <p:sldId id="264" r:id="rId11"/>
+    <p:sldId id="265" r:id="rId12"/>
+    <p:sldId id="266" r:id="rId13"/>
   </p:sldIdLst>
   <p:sldSz cx="12192000" cy="6858000"/>
   <p:notesSz cx="6858000" cy="9144000"/>
@@ -4567,6 +4568,45 @@
           </a:prstGeom>
         </p:spPr>
       </p:pic>
+      <p:sp>
+        <p:nvSpPr>
+          <p:cNvPr id="8" name="CaixaDeTexto 7">
+            <a:extLst>
+              <a:ext uri="{FF2B5EF4-FFF2-40B4-BE49-F238E27FC236}">
+                <a16:creationId xmlns:a16="http://schemas.microsoft.com/office/drawing/2014/main" id="{7FE98E01-51EC-C4B1-CBEC-9263AE134F47}"/>
+              </a:ext>
+            </a:extLst>
+          </p:cNvPr>
+          <p:cNvSpPr txBox="1"/>
+          <p:nvPr/>
+        </p:nvSpPr>
+        <p:spPr>
+          <a:xfrm>
+            <a:off x="4066550" y="6459143"/>
+            <a:ext cx="4993507" cy="369332"/>
+          </a:xfrm>
+          <a:prstGeom prst="rect">
+            <a:avLst/>
+          </a:prstGeom>
+          <a:noFill/>
+        </p:spPr>
+        <p:txBody>
+          <a:bodyPr wrap="square" rtlCol="0">
+            <a:spAutoFit/>
+          </a:bodyPr>
+          <a:lstStyle/>
+          <a:p>
+            <a:r>
+              <a:rPr lang="pt-BR" dirty="0">
+                <a:solidFill>
+                  <a:schemeClr val="bg1"/>
+                </a:solidFill>
+              </a:rPr>
+              <a:t>https://github.com/bruninhaout/unasp-valley</a:t>
+            </a:r>
+          </a:p>
+        </p:txBody>
+      </p:sp>
     </p:spTree>
     <p:extLst>
       <p:ext uri="{BB962C8B-B14F-4D97-AF65-F5344CB8AC3E}">
@@ -4628,7 +4668,7 @@
           <p:cNvPr id="3" name="Imagem 2" descr="Imagem de vídeo game&#10;&#10;Descrição gerada automaticamente com confiança baixa">
             <a:extLst>
               <a:ext uri="{FF2B5EF4-FFF2-40B4-BE49-F238E27FC236}">
-                <a16:creationId xmlns:a16="http://schemas.microsoft.com/office/drawing/2014/main" id="{5DCABC5A-43E3-73E7-4625-8CCB84DE6121}"/>
+                <a16:creationId xmlns:a16="http://schemas.microsoft.com/office/drawing/2014/main" id="{5BC48584-B514-460D-9F86-B1F82436414F}"/>
               </a:ext>
             </a:extLst>
           </p:cNvPr>
@@ -4663,7 +4703,7 @@
           <p:cNvPr id="4" name="Imagem 3" descr="Imagem de vídeo game&#10;&#10;Descrição gerada automaticamente com confiança baixa">
             <a:extLst>
               <a:ext uri="{FF2B5EF4-FFF2-40B4-BE49-F238E27FC236}">
-                <a16:creationId xmlns:a16="http://schemas.microsoft.com/office/drawing/2014/main" id="{ABA7E7B9-9BC2-5C9F-0B14-A8A9AAC85A7F}"/>
+                <a16:creationId xmlns:a16="http://schemas.microsoft.com/office/drawing/2014/main" id="{F6A27985-9D35-D762-7EEF-5DB5A8F27C31}"/>
               </a:ext>
             </a:extLst>
           </p:cNvPr>
@@ -4728,6 +4768,906 @@
               </a:rPr>
               <a:pPr/>
               <a:t>10</a:t>
+            </a:fld>
+            <a:endParaRPr lang="pt-BR" sz="4000" dirty="0">
+              <a:solidFill>
+                <a:srgbClr val="FFC000"/>
+              </a:solidFill>
+              <a:latin typeface="Stardew Valley" pitchFamily="2" charset="0"/>
+            </a:endParaRPr>
+          </a:p>
+        </p:txBody>
+      </p:sp>
+      <p:pic>
+        <p:nvPicPr>
+          <p:cNvPr id="11" name="Imagem 10">
+            <a:extLst>
+              <a:ext uri="{FF2B5EF4-FFF2-40B4-BE49-F238E27FC236}">
+                <a16:creationId xmlns:a16="http://schemas.microsoft.com/office/drawing/2014/main" id="{8DD6721F-40C6-CA91-F8C7-CD8A2163DD7F}"/>
+              </a:ext>
+            </a:extLst>
+          </p:cNvPr>
+          <p:cNvPicPr>
+            <a:picLocks noChangeAspect="1"/>
+          </p:cNvPicPr>
+          <p:nvPr/>
+        </p:nvPicPr>
+        <p:blipFill rotWithShape="1">
+          <a:blip r:embed="rId4">
+            <a:extLst>
+              <a:ext uri="{28A0092B-C50C-407E-A947-70E740481C1C}">
+                <a14:useLocalDpi xmlns:a14="http://schemas.microsoft.com/office/drawing/2010/main" val="0"/>
+              </a:ext>
+            </a:extLst>
+          </a:blip>
+          <a:srcRect l="13913" r="48264"/>
+          <a:stretch/>
+        </p:blipFill>
+        <p:spPr>
+          <a:xfrm>
+            <a:off x="3476625" y="4976183"/>
+            <a:ext cx="5363788" cy="1431537"/>
+          </a:xfrm>
+          <a:prstGeom prst="rect">
+            <a:avLst/>
+          </a:prstGeom>
+        </p:spPr>
+      </p:pic>
+      <p:pic>
+        <p:nvPicPr>
+          <p:cNvPr id="12" name="Imagem 11" descr="Desenho de uma árvore&#10;&#10;Descrição gerada automaticamente com confiança baixa">
+            <a:extLst>
+              <a:ext uri="{FF2B5EF4-FFF2-40B4-BE49-F238E27FC236}">
+                <a16:creationId xmlns:a16="http://schemas.microsoft.com/office/drawing/2014/main" id="{4AEF4CDB-1A90-4F02-A3DB-49C86114CD85}"/>
+              </a:ext>
+            </a:extLst>
+          </p:cNvPr>
+          <p:cNvPicPr>
+            <a:picLocks noChangeAspect="1"/>
+          </p:cNvPicPr>
+          <p:nvPr/>
+        </p:nvPicPr>
+        <p:blipFill rotWithShape="1">
+          <a:blip r:embed="rId5">
+            <a:extLst>
+              <a:ext uri="{28A0092B-C50C-407E-A947-70E740481C1C}">
+                <a14:useLocalDpi xmlns:a14="http://schemas.microsoft.com/office/drawing/2010/main" val="0"/>
+              </a:ext>
+            </a:extLst>
+          </a:blip>
+          <a:srcRect t="28190" r="74962" b="27410"/>
+          <a:stretch/>
+        </p:blipFill>
+        <p:spPr>
+          <a:xfrm>
+            <a:off x="7881830" y="5282472"/>
+            <a:ext cx="564372" cy="1000800"/>
+          </a:xfrm>
+          <a:prstGeom prst="rect">
+            <a:avLst/>
+          </a:prstGeom>
+        </p:spPr>
+      </p:pic>
+      <p:pic>
+        <p:nvPicPr>
+          <p:cNvPr id="13" name="Imagem 12" descr="Desenho de uma árvore&#10;&#10;Descrição gerada automaticamente com confiança baixa">
+            <a:extLst>
+              <a:ext uri="{FF2B5EF4-FFF2-40B4-BE49-F238E27FC236}">
+                <a16:creationId xmlns:a16="http://schemas.microsoft.com/office/drawing/2014/main" id="{2F7B8BF0-EFE7-156C-6521-85A190E24A3D}"/>
+              </a:ext>
+            </a:extLst>
+          </p:cNvPr>
+          <p:cNvPicPr>
+            <a:picLocks noChangeAspect="1"/>
+          </p:cNvPicPr>
+          <p:nvPr/>
+        </p:nvPicPr>
+        <p:blipFill rotWithShape="1">
+          <a:blip r:embed="rId5">
+            <a:extLst>
+              <a:ext uri="{28A0092B-C50C-407E-A947-70E740481C1C}">
+                <a14:useLocalDpi xmlns:a14="http://schemas.microsoft.com/office/drawing/2010/main" val="0"/>
+              </a:ext>
+            </a:extLst>
+          </a:blip>
+          <a:srcRect l="25400" t="28190" r="49562" b="27410"/>
+          <a:stretch/>
+        </p:blipFill>
+        <p:spPr>
+          <a:xfrm>
+            <a:off x="6543697" y="5282472"/>
+            <a:ext cx="564372" cy="1000800"/>
+          </a:xfrm>
+          <a:prstGeom prst="rect">
+            <a:avLst/>
+          </a:prstGeom>
+        </p:spPr>
+      </p:pic>
+      <p:pic>
+        <p:nvPicPr>
+          <p:cNvPr id="14" name="Imagem 13" descr="Desenho de uma árvore&#10;&#10;Descrição gerada automaticamente com confiança baixa">
+            <a:extLst>
+              <a:ext uri="{FF2B5EF4-FFF2-40B4-BE49-F238E27FC236}">
+                <a16:creationId xmlns:a16="http://schemas.microsoft.com/office/drawing/2014/main" id="{1931D4EE-573E-8385-9909-D750690913D7}"/>
+              </a:ext>
+            </a:extLst>
+          </p:cNvPr>
+          <p:cNvPicPr>
+            <a:picLocks noChangeAspect="1"/>
+          </p:cNvPicPr>
+          <p:nvPr/>
+        </p:nvPicPr>
+        <p:blipFill rotWithShape="1">
+          <a:blip r:embed="rId5">
+            <a:extLst>
+              <a:ext uri="{28A0092B-C50C-407E-A947-70E740481C1C}">
+                <a14:useLocalDpi xmlns:a14="http://schemas.microsoft.com/office/drawing/2010/main" val="0"/>
+              </a:ext>
+            </a:extLst>
+          </a:blip>
+          <a:srcRect l="50200" t="27790" r="24762" b="27810"/>
+          <a:stretch/>
+        </p:blipFill>
+        <p:spPr>
+          <a:xfrm>
+            <a:off x="3867151" y="5263422"/>
+            <a:ext cx="564652" cy="1001296"/>
+          </a:xfrm>
+          <a:prstGeom prst="rect">
+            <a:avLst/>
+          </a:prstGeom>
+        </p:spPr>
+      </p:pic>
+      <p:pic>
+        <p:nvPicPr>
+          <p:cNvPr id="15" name="Imagem 14" descr="Desenho de uma árvore&#10;&#10;Descrição gerada automaticamente com confiança baixa">
+            <a:extLst>
+              <a:ext uri="{FF2B5EF4-FFF2-40B4-BE49-F238E27FC236}">
+                <a16:creationId xmlns:a16="http://schemas.microsoft.com/office/drawing/2014/main" id="{5F8A9FB8-2A7B-A0EA-3DCD-45D235C1CF05}"/>
+              </a:ext>
+            </a:extLst>
+          </p:cNvPr>
+          <p:cNvPicPr>
+            <a:picLocks noChangeAspect="1"/>
+          </p:cNvPicPr>
+          <p:nvPr/>
+        </p:nvPicPr>
+        <p:blipFill rotWithShape="1">
+          <a:blip r:embed="rId5">
+            <a:extLst>
+              <a:ext uri="{28A0092B-C50C-407E-A947-70E740481C1C}">
+                <a14:useLocalDpi xmlns:a14="http://schemas.microsoft.com/office/drawing/2010/main" val="0"/>
+              </a:ext>
+            </a:extLst>
+          </a:blip>
+          <a:srcRect l="74962" t="27800" b="27800"/>
+          <a:stretch/>
+        </p:blipFill>
+        <p:spPr>
+          <a:xfrm>
+            <a:off x="5205564" y="5263422"/>
+            <a:ext cx="564372" cy="1000800"/>
+          </a:xfrm>
+          <a:prstGeom prst="rect">
+            <a:avLst/>
+          </a:prstGeom>
+        </p:spPr>
+      </p:pic>
+      <p:sp>
+        <p:nvSpPr>
+          <p:cNvPr id="18" name="CaixaDeTexto 17">
+            <a:extLst>
+              <a:ext uri="{FF2B5EF4-FFF2-40B4-BE49-F238E27FC236}">
+                <a16:creationId xmlns:a16="http://schemas.microsoft.com/office/drawing/2014/main" id="{0B05445D-5418-FF42-E122-747D20817A58}"/>
+              </a:ext>
+            </a:extLst>
+          </p:cNvPr>
+          <p:cNvSpPr txBox="1"/>
+          <p:nvPr/>
+        </p:nvSpPr>
+        <p:spPr>
+          <a:xfrm>
+            <a:off x="6283625" y="5184222"/>
+            <a:ext cx="1080000" cy="1080000"/>
+          </a:xfrm>
+          <a:prstGeom prst="rect">
+            <a:avLst/>
+          </a:prstGeom>
+          <a:solidFill>
+            <a:srgbClr val="DEEBF7">
+              <a:alpha val="28000"/>
+            </a:srgbClr>
+          </a:solidFill>
+          <a:ln>
+            <a:noFill/>
+          </a:ln>
+        </p:spPr>
+        <p:txBody>
+          <a:bodyPr wrap="square" rtlCol="0">
+            <a:spAutoFit/>
+          </a:bodyPr>
+          <a:lstStyle/>
+          <a:p>
+            <a:endParaRPr lang="pt-BR" dirty="0"/>
+          </a:p>
+        </p:txBody>
+      </p:sp>
+      <p:pic>
+        <p:nvPicPr>
+          <p:cNvPr id="17" name="Imagem 16" descr="Tela de jogo de vídeo game&#10;&#10;Descrição gerada automaticamente com confiança baixa">
+            <a:extLst>
+              <a:ext uri="{FF2B5EF4-FFF2-40B4-BE49-F238E27FC236}">
+                <a16:creationId xmlns:a16="http://schemas.microsoft.com/office/drawing/2014/main" id="{A13BE8C8-BB86-0594-A0DA-E05777BFB4E2}"/>
+              </a:ext>
+            </a:extLst>
+          </p:cNvPr>
+          <p:cNvPicPr>
+            <a:picLocks noChangeAspect="1"/>
+          </p:cNvPicPr>
+          <p:nvPr/>
+        </p:nvPicPr>
+        <p:blipFill rotWithShape="1">
+          <a:blip r:embed="rId6">
+            <a:extLst>
+              <a:ext uri="{28A0092B-C50C-407E-A947-70E740481C1C}">
+                <a14:useLocalDpi xmlns:a14="http://schemas.microsoft.com/office/drawing/2010/main" val="0"/>
+              </a:ext>
+            </a:extLst>
+          </a:blip>
+          <a:srcRect l="2538" t="50323" r="49957" b="2085"/>
+          <a:stretch/>
+        </p:blipFill>
+        <p:spPr>
+          <a:xfrm>
+            <a:off x="6156433" y="5070907"/>
+            <a:ext cx="1334384" cy="1336813"/>
+          </a:xfrm>
+          <a:prstGeom prst="rect">
+            <a:avLst/>
+          </a:prstGeom>
+        </p:spPr>
+      </p:pic>
+      <p:grpSp>
+        <p:nvGrpSpPr>
+          <p:cNvPr id="19" name="Agrupar 18">
+            <a:extLst>
+              <a:ext uri="{FF2B5EF4-FFF2-40B4-BE49-F238E27FC236}">
+                <a16:creationId xmlns:a16="http://schemas.microsoft.com/office/drawing/2014/main" id="{C0189603-1168-CDD3-29AA-EE755309B99A}"/>
+              </a:ext>
+            </a:extLst>
+          </p:cNvPr>
+          <p:cNvGrpSpPr/>
+          <p:nvPr/>
+        </p:nvGrpSpPr>
+        <p:grpSpPr>
+          <a:xfrm>
+            <a:off x="2668634" y="-3317425"/>
+            <a:ext cx="6979770" cy="1483656"/>
+            <a:chOff x="1941204" y="3033610"/>
+            <a:chExt cx="8878263" cy="2084995"/>
+          </a:xfrm>
+        </p:grpSpPr>
+        <p:pic>
+          <p:nvPicPr>
+            <p:cNvPr id="20" name="Imagem 19" descr="Texto&#10;&#10;Descrição gerada automaticamente">
+              <a:extLst>
+                <a:ext uri="{FF2B5EF4-FFF2-40B4-BE49-F238E27FC236}">
+                  <a16:creationId xmlns:a16="http://schemas.microsoft.com/office/drawing/2014/main" id="{029E2C4F-ACDA-CD55-CB5A-3DB8C42EE4A8}"/>
+                </a:ext>
+              </a:extLst>
+            </p:cNvPr>
+            <p:cNvPicPr>
+              <a:picLocks noChangeAspect="1"/>
+            </p:cNvPicPr>
+            <p:nvPr/>
+          </p:nvPicPr>
+          <p:blipFill>
+            <a:blip r:embed="rId7">
+              <a:extLst>
+                <a:ext uri="{28A0092B-C50C-407E-A947-70E740481C1C}">
+                  <a14:useLocalDpi xmlns:a14="http://schemas.microsoft.com/office/drawing/2010/main" val="0"/>
+                </a:ext>
+              </a:extLst>
+            </a:blip>
+            <a:stretch>
+              <a:fillRect/>
+            </a:stretch>
+          </p:blipFill>
+          <p:spPr>
+            <a:xfrm>
+              <a:off x="1941204" y="3033610"/>
+              <a:ext cx="8878263" cy="2084995"/>
+            </a:xfrm>
+            <a:prstGeom prst="rect">
+              <a:avLst/>
+            </a:prstGeom>
+          </p:spPr>
+        </p:pic>
+        <p:sp>
+          <p:nvSpPr>
+            <p:cNvPr id="21" name="CaixaDeTexto 20">
+              <a:extLst>
+                <a:ext uri="{FF2B5EF4-FFF2-40B4-BE49-F238E27FC236}">
+                  <a16:creationId xmlns:a16="http://schemas.microsoft.com/office/drawing/2014/main" id="{9BEDCF66-7B6F-3F65-861D-5D5B78FAF193}"/>
+                </a:ext>
+              </a:extLst>
+            </p:cNvPr>
+            <p:cNvSpPr txBox="1"/>
+            <p:nvPr/>
+          </p:nvSpPr>
+          <p:spPr>
+            <a:xfrm>
+              <a:off x="2786743" y="3425112"/>
+              <a:ext cx="7271657" cy="1075365"/>
+            </a:xfrm>
+            <a:prstGeom prst="rect">
+              <a:avLst/>
+            </a:prstGeom>
+            <a:solidFill>
+              <a:srgbClr val="F7B55E"/>
+            </a:solidFill>
+            <a:ln>
+              <a:noFill/>
+            </a:ln>
+          </p:spPr>
+          <p:txBody>
+            <a:bodyPr wrap="square" rtlCol="0">
+              <a:spAutoFit/>
+            </a:bodyPr>
+            <a:lstStyle/>
+            <a:p>
+              <a:endParaRPr lang="pt-BR" dirty="0"/>
+            </a:p>
+          </p:txBody>
+        </p:sp>
+      </p:grpSp>
+      <p:grpSp>
+        <p:nvGrpSpPr>
+          <p:cNvPr id="23" name="Agrupar 22">
+            <a:extLst>
+              <a:ext uri="{FF2B5EF4-FFF2-40B4-BE49-F238E27FC236}">
+                <a16:creationId xmlns:a16="http://schemas.microsoft.com/office/drawing/2014/main" id="{A73EC45B-25A6-098D-CEB5-249CAB6A0819}"/>
+              </a:ext>
+            </a:extLst>
+          </p:cNvPr>
+          <p:cNvGrpSpPr/>
+          <p:nvPr/>
+        </p:nvGrpSpPr>
+        <p:grpSpPr>
+          <a:xfrm>
+            <a:off x="2668634" y="2340425"/>
+            <a:ext cx="6979770" cy="1483656"/>
+            <a:chOff x="1941204" y="3033610"/>
+            <a:chExt cx="8878263" cy="2084995"/>
+          </a:xfrm>
+        </p:grpSpPr>
+        <p:pic>
+          <p:nvPicPr>
+            <p:cNvPr id="24" name="Imagem 23" descr="Texto&#10;&#10;Descrição gerada automaticamente">
+              <a:extLst>
+                <a:ext uri="{FF2B5EF4-FFF2-40B4-BE49-F238E27FC236}">
+                  <a16:creationId xmlns:a16="http://schemas.microsoft.com/office/drawing/2014/main" id="{9BB797BC-A716-83E5-3B25-323BA0F96793}"/>
+                </a:ext>
+              </a:extLst>
+            </p:cNvPr>
+            <p:cNvPicPr>
+              <a:picLocks noChangeAspect="1"/>
+            </p:cNvPicPr>
+            <p:nvPr/>
+          </p:nvPicPr>
+          <p:blipFill>
+            <a:blip r:embed="rId7">
+              <a:extLst>
+                <a:ext uri="{28A0092B-C50C-407E-A947-70E740481C1C}">
+                  <a14:useLocalDpi xmlns:a14="http://schemas.microsoft.com/office/drawing/2010/main" val="0"/>
+                </a:ext>
+              </a:extLst>
+            </a:blip>
+            <a:stretch>
+              <a:fillRect/>
+            </a:stretch>
+          </p:blipFill>
+          <p:spPr>
+            <a:xfrm>
+              <a:off x="1941204" y="3033610"/>
+              <a:ext cx="8878263" cy="2084995"/>
+            </a:xfrm>
+            <a:prstGeom prst="rect">
+              <a:avLst/>
+            </a:prstGeom>
+          </p:spPr>
+        </p:pic>
+        <p:sp>
+          <p:nvSpPr>
+            <p:cNvPr id="25" name="CaixaDeTexto 24">
+              <a:extLst>
+                <a:ext uri="{FF2B5EF4-FFF2-40B4-BE49-F238E27FC236}">
+                  <a16:creationId xmlns:a16="http://schemas.microsoft.com/office/drawing/2014/main" id="{F65A2C7E-8A68-93F1-3BB5-F79ECC97552C}"/>
+                </a:ext>
+              </a:extLst>
+            </p:cNvPr>
+            <p:cNvSpPr txBox="1"/>
+            <p:nvPr/>
+          </p:nvSpPr>
+          <p:spPr>
+            <a:xfrm>
+              <a:off x="2786743" y="3425112"/>
+              <a:ext cx="7271657" cy="1075365"/>
+            </a:xfrm>
+            <a:prstGeom prst="rect">
+              <a:avLst/>
+            </a:prstGeom>
+            <a:solidFill>
+              <a:srgbClr val="F7B55E"/>
+            </a:solidFill>
+            <a:ln>
+              <a:noFill/>
+            </a:ln>
+          </p:spPr>
+          <p:txBody>
+            <a:bodyPr wrap="square" rtlCol="0">
+              <a:spAutoFit/>
+            </a:bodyPr>
+            <a:lstStyle/>
+            <a:p>
+              <a:endParaRPr lang="pt-BR" dirty="0"/>
+            </a:p>
+          </p:txBody>
+        </p:sp>
+      </p:grpSp>
+      <p:grpSp>
+        <p:nvGrpSpPr>
+          <p:cNvPr id="27" name="Agrupar 26">
+            <a:extLst>
+              <a:ext uri="{FF2B5EF4-FFF2-40B4-BE49-F238E27FC236}">
+                <a16:creationId xmlns:a16="http://schemas.microsoft.com/office/drawing/2014/main" id="{2DDA752B-57C9-3583-4C52-B30B5947C464}"/>
+              </a:ext>
+            </a:extLst>
+          </p:cNvPr>
+          <p:cNvGrpSpPr/>
+          <p:nvPr/>
+        </p:nvGrpSpPr>
+        <p:grpSpPr>
+          <a:xfrm>
+            <a:off x="2687684" y="8360225"/>
+            <a:ext cx="6979770" cy="1483656"/>
+            <a:chOff x="1941204" y="3033610"/>
+            <a:chExt cx="8878263" cy="2084995"/>
+          </a:xfrm>
+        </p:grpSpPr>
+        <p:pic>
+          <p:nvPicPr>
+            <p:cNvPr id="28" name="Imagem 27" descr="Texto&#10;&#10;Descrição gerada automaticamente">
+              <a:extLst>
+                <a:ext uri="{FF2B5EF4-FFF2-40B4-BE49-F238E27FC236}">
+                  <a16:creationId xmlns:a16="http://schemas.microsoft.com/office/drawing/2014/main" id="{D055B1C6-E299-462B-C057-20A48C35E228}"/>
+                </a:ext>
+              </a:extLst>
+            </p:cNvPr>
+            <p:cNvPicPr>
+              <a:picLocks noChangeAspect="1"/>
+            </p:cNvPicPr>
+            <p:nvPr/>
+          </p:nvPicPr>
+          <p:blipFill>
+            <a:blip r:embed="rId7">
+              <a:extLst>
+                <a:ext uri="{28A0092B-C50C-407E-A947-70E740481C1C}">
+                  <a14:useLocalDpi xmlns:a14="http://schemas.microsoft.com/office/drawing/2010/main" val="0"/>
+                </a:ext>
+              </a:extLst>
+            </a:blip>
+            <a:stretch>
+              <a:fillRect/>
+            </a:stretch>
+          </p:blipFill>
+          <p:spPr>
+            <a:xfrm>
+              <a:off x="1941204" y="3033610"/>
+              <a:ext cx="8878263" cy="2084995"/>
+            </a:xfrm>
+            <a:prstGeom prst="rect">
+              <a:avLst/>
+            </a:prstGeom>
+          </p:spPr>
+        </p:pic>
+        <p:sp>
+          <p:nvSpPr>
+            <p:cNvPr id="29" name="CaixaDeTexto 28">
+              <a:extLst>
+                <a:ext uri="{FF2B5EF4-FFF2-40B4-BE49-F238E27FC236}">
+                  <a16:creationId xmlns:a16="http://schemas.microsoft.com/office/drawing/2014/main" id="{0D407692-34A5-BD07-4899-FE410C08AF86}"/>
+                </a:ext>
+              </a:extLst>
+            </p:cNvPr>
+            <p:cNvSpPr txBox="1"/>
+            <p:nvPr/>
+          </p:nvSpPr>
+          <p:spPr>
+            <a:xfrm>
+              <a:off x="2786743" y="3425112"/>
+              <a:ext cx="7271657" cy="1075365"/>
+            </a:xfrm>
+            <a:prstGeom prst="rect">
+              <a:avLst/>
+            </a:prstGeom>
+            <a:solidFill>
+              <a:srgbClr val="F7B55E"/>
+            </a:solidFill>
+            <a:ln>
+              <a:noFill/>
+            </a:ln>
+          </p:spPr>
+          <p:txBody>
+            <a:bodyPr wrap="square" rtlCol="0">
+              <a:spAutoFit/>
+            </a:bodyPr>
+            <a:lstStyle/>
+            <a:p>
+              <a:endParaRPr lang="pt-BR" dirty="0"/>
+            </a:p>
+          </p:txBody>
+        </p:sp>
+      </p:grpSp>
+      <p:pic>
+        <p:nvPicPr>
+          <p:cNvPr id="5" name="Imagem 4" descr="Desenho de rosto de pessoa visto de perto&#10;&#10;Descrição gerada automaticamente com confiança média">
+            <a:extLst>
+              <a:ext uri="{FF2B5EF4-FFF2-40B4-BE49-F238E27FC236}">
+                <a16:creationId xmlns:a16="http://schemas.microsoft.com/office/drawing/2014/main" id="{5BEBC63C-B413-63EF-FF3F-97F59243BE9F}"/>
+              </a:ext>
+            </a:extLst>
+          </p:cNvPr>
+          <p:cNvPicPr>
+            <a:picLocks noChangeAspect="1"/>
+          </p:cNvPicPr>
+          <p:nvPr/>
+        </p:nvPicPr>
+        <p:blipFill>
+          <a:blip r:embed="rId8">
+            <a:extLst>
+              <a:ext uri="{28A0092B-C50C-407E-A947-70E740481C1C}">
+                <a14:useLocalDpi xmlns:a14="http://schemas.microsoft.com/office/drawing/2010/main" val="0"/>
+              </a:ext>
+            </a:extLst>
+          </a:blip>
+          <a:stretch>
+            <a:fillRect/>
+          </a:stretch>
+        </p:blipFill>
+        <p:spPr>
+          <a:xfrm>
+            <a:off x="9304531" y="4899702"/>
+            <a:ext cx="1983724" cy="1983724"/>
+          </a:xfrm>
+          <a:prstGeom prst="rect">
+            <a:avLst/>
+          </a:prstGeom>
+        </p:spPr>
+      </p:pic>
+      <p:pic>
+        <p:nvPicPr>
+          <p:cNvPr id="7" name="Imagem 6" descr="Desenho de personagem de desenho animado&#10;&#10;Descrição gerada automaticamente com confiança média">
+            <a:extLst>
+              <a:ext uri="{FF2B5EF4-FFF2-40B4-BE49-F238E27FC236}">
+                <a16:creationId xmlns:a16="http://schemas.microsoft.com/office/drawing/2014/main" id="{01274FFD-8E78-B31F-D7A0-0E1D04205567}"/>
+              </a:ext>
+            </a:extLst>
+          </p:cNvPr>
+          <p:cNvPicPr>
+            <a:picLocks noChangeAspect="1"/>
+          </p:cNvPicPr>
+          <p:nvPr/>
+        </p:nvPicPr>
+        <p:blipFill>
+          <a:blip r:embed="rId9">
+            <a:extLst>
+              <a:ext uri="{28A0092B-C50C-407E-A947-70E740481C1C}">
+                <a14:useLocalDpi xmlns:a14="http://schemas.microsoft.com/office/drawing/2010/main" val="0"/>
+              </a:ext>
+            </a:extLst>
+          </a:blip>
+          <a:stretch>
+            <a:fillRect/>
+          </a:stretch>
+        </p:blipFill>
+        <p:spPr>
+          <a:xfrm>
+            <a:off x="971178" y="4874400"/>
+            <a:ext cx="1983600" cy="1983600"/>
+          </a:xfrm>
+          <a:prstGeom prst="rect">
+            <a:avLst/>
+          </a:prstGeom>
+        </p:spPr>
+      </p:pic>
+      <p:pic>
+        <p:nvPicPr>
+          <p:cNvPr id="8" name="Imagem 7" descr="Desenho de rosto de pessoa&#10;&#10;Descrição gerada automaticamente com confiança média">
+            <a:extLst>
+              <a:ext uri="{FF2B5EF4-FFF2-40B4-BE49-F238E27FC236}">
+                <a16:creationId xmlns:a16="http://schemas.microsoft.com/office/drawing/2014/main" id="{D8739FE2-2EFF-53D6-4766-F2C6015B6EB6}"/>
+              </a:ext>
+            </a:extLst>
+          </p:cNvPr>
+          <p:cNvPicPr>
+            <a:picLocks noChangeAspect="1"/>
+          </p:cNvPicPr>
+          <p:nvPr/>
+        </p:nvPicPr>
+        <p:blipFill>
+          <a:blip r:embed="rId10">
+            <a:extLst>
+              <a:ext uri="{28A0092B-C50C-407E-A947-70E740481C1C}">
+                <a14:useLocalDpi xmlns:a14="http://schemas.microsoft.com/office/drawing/2010/main" val="0"/>
+              </a:ext>
+            </a:extLst>
+          </a:blip>
+          <a:stretch>
+            <a:fillRect/>
+          </a:stretch>
+        </p:blipFill>
+        <p:spPr>
+          <a:xfrm>
+            <a:off x="793032" y="7528726"/>
+            <a:ext cx="1983600" cy="1983600"/>
+          </a:xfrm>
+          <a:prstGeom prst="rect">
+            <a:avLst/>
+          </a:prstGeom>
+        </p:spPr>
+      </p:pic>
+      <p:pic>
+        <p:nvPicPr>
+          <p:cNvPr id="9" name="Imagem 8">
+            <a:extLst>
+              <a:ext uri="{FF2B5EF4-FFF2-40B4-BE49-F238E27FC236}">
+                <a16:creationId xmlns:a16="http://schemas.microsoft.com/office/drawing/2014/main" id="{F2610D61-A8BD-4E2B-3C5F-A94DEE03536E}"/>
+              </a:ext>
+            </a:extLst>
+          </p:cNvPr>
+          <p:cNvPicPr>
+            <a:picLocks noChangeAspect="1"/>
+          </p:cNvPicPr>
+          <p:nvPr/>
+        </p:nvPicPr>
+        <p:blipFill>
+          <a:blip r:embed="rId11"/>
+          <a:stretch>
+            <a:fillRect/>
+          </a:stretch>
+        </p:blipFill>
+        <p:spPr>
+          <a:xfrm>
+            <a:off x="3668520" y="-3987194"/>
+            <a:ext cx="5084505" cy="1286367"/>
+          </a:xfrm>
+          <a:prstGeom prst="rect">
+            <a:avLst/>
+          </a:prstGeom>
+        </p:spPr>
+      </p:pic>
+      <p:pic>
+        <p:nvPicPr>
+          <p:cNvPr id="10" name="Imagem 9">
+            <a:extLst>
+              <a:ext uri="{FF2B5EF4-FFF2-40B4-BE49-F238E27FC236}">
+                <a16:creationId xmlns:a16="http://schemas.microsoft.com/office/drawing/2014/main" id="{A8729773-1F10-5446-934C-D53DD31988F3}"/>
+              </a:ext>
+            </a:extLst>
+          </p:cNvPr>
+          <p:cNvPicPr>
+            <a:picLocks noChangeAspect="1"/>
+          </p:cNvPicPr>
+          <p:nvPr/>
+        </p:nvPicPr>
+        <p:blipFill>
+          <a:blip r:embed="rId12"/>
+          <a:stretch>
+            <a:fillRect/>
+          </a:stretch>
+        </p:blipFill>
+        <p:spPr>
+          <a:xfrm>
+            <a:off x="3852305" y="2430153"/>
+            <a:ext cx="5456393" cy="1286367"/>
+          </a:xfrm>
+          <a:prstGeom prst="rect">
+            <a:avLst/>
+          </a:prstGeom>
+        </p:spPr>
+      </p:pic>
+      <p:pic>
+        <p:nvPicPr>
+          <p:cNvPr id="16" name="Imagem 15">
+            <a:extLst>
+              <a:ext uri="{FF2B5EF4-FFF2-40B4-BE49-F238E27FC236}">
+                <a16:creationId xmlns:a16="http://schemas.microsoft.com/office/drawing/2014/main" id="{4A0141CD-75D4-3D1F-002A-E80CF753BB13}"/>
+              </a:ext>
+            </a:extLst>
+          </p:cNvPr>
+          <p:cNvPicPr>
+            <a:picLocks noChangeAspect="1"/>
+          </p:cNvPicPr>
+          <p:nvPr/>
+        </p:nvPicPr>
+        <p:blipFill>
+          <a:blip r:embed="rId13"/>
+          <a:stretch>
+            <a:fillRect/>
+          </a:stretch>
+        </p:blipFill>
+        <p:spPr>
+          <a:xfrm>
+            <a:off x="4182717" y="10122469"/>
+            <a:ext cx="5456393" cy="1286367"/>
+          </a:xfrm>
+          <a:prstGeom prst="rect">
+            <a:avLst/>
+          </a:prstGeom>
+        </p:spPr>
+      </p:pic>
+    </p:spTree>
+    <p:extLst>
+      <p:ext uri="{BB962C8B-B14F-4D97-AF65-F5344CB8AC3E}">
+        <p14:creationId xmlns:p14="http://schemas.microsoft.com/office/powerpoint/2010/main" val="2731996659"/>
+      </p:ext>
+    </p:extLst>
+  </p:cSld>
+  <p:clrMapOvr>
+    <a:masterClrMapping/>
+  </p:clrMapOvr>
+  <mc:AlternateContent xmlns:mc="http://schemas.openxmlformats.org/markup-compatibility/2006" xmlns:p159="http://schemas.microsoft.com/office/powerpoint/2015/09/main">
+    <mc:Choice Requires="p159">
+      <p:transition xmlns:p14="http://schemas.microsoft.com/office/powerpoint/2010/main" spd="slow" p14:dur="2000">
+        <p159:morph option="byObject"/>
+      </p:transition>
+    </mc:Choice>
+    <mc:Fallback xmlns="">
+      <p:transition spd="slow">
+        <p:fade/>
+      </p:transition>
+    </mc:Fallback>
+  </mc:AlternateContent>
+</p:sld>
+</file>
+
+<file path=ppt/slides/slide11.xml><?xml version="1.0" encoding="utf-8"?>
+<p:sld xmlns:a="http://schemas.openxmlformats.org/drawingml/2006/main" xmlns:r="http://schemas.openxmlformats.org/officeDocument/2006/relationships" xmlns:p="http://schemas.openxmlformats.org/presentationml/2006/main">
+  <p:cSld>
+    <p:bg>
+      <p:bgPr>
+        <a:blipFill dpi="0" rotWithShape="1">
+          <a:blip r:embed="rId2">
+            <a:lum/>
+          </a:blip>
+          <a:srcRect/>
+          <a:stretch>
+            <a:fillRect/>
+          </a:stretch>
+        </a:blipFill>
+        <a:effectLst/>
+      </p:bgPr>
+    </p:bg>
+    <p:spTree>
+      <p:nvGrpSpPr>
+        <p:cNvPr id="1" name=""/>
+        <p:cNvGrpSpPr/>
+        <p:nvPr/>
+      </p:nvGrpSpPr>
+      <p:grpSpPr>
+        <a:xfrm>
+          <a:off x="0" y="0"/>
+          <a:ext cx="0" cy="0"/>
+          <a:chOff x="0" y="0"/>
+          <a:chExt cx="0" cy="0"/>
+        </a:xfrm>
+      </p:grpSpPr>
+      <p:pic>
+        <p:nvPicPr>
+          <p:cNvPr id="3" name="Imagem 2" descr="Imagem de vídeo game&#10;&#10;Descrição gerada automaticamente com confiança baixa">
+            <a:extLst>
+              <a:ext uri="{FF2B5EF4-FFF2-40B4-BE49-F238E27FC236}">
+                <a16:creationId xmlns:a16="http://schemas.microsoft.com/office/drawing/2014/main" id="{5DCABC5A-43E3-73E7-4625-8CCB84DE6121}"/>
+              </a:ext>
+            </a:extLst>
+          </p:cNvPr>
+          <p:cNvPicPr>
+            <a:picLocks noChangeAspect="1"/>
+          </p:cNvPicPr>
+          <p:nvPr/>
+        </p:nvPicPr>
+        <p:blipFill rotWithShape="1">
+          <a:blip r:embed="rId3">
+            <a:extLst>
+              <a:ext uri="{28A0092B-C50C-407E-A947-70E740481C1C}">
+                <a14:useLocalDpi xmlns:a14="http://schemas.microsoft.com/office/drawing/2010/main" val="0"/>
+              </a:ext>
+            </a:extLst>
+          </a:blip>
+          <a:srcRect t="54496" r="67021" b="30509"/>
+          <a:stretch/>
+        </p:blipFill>
+        <p:spPr>
+          <a:xfrm>
+            <a:off x="-41728" y="3293159"/>
+            <a:ext cx="4034545" cy="3590267"/>
+          </a:xfrm>
+          <a:prstGeom prst="rect">
+            <a:avLst/>
+          </a:prstGeom>
+        </p:spPr>
+      </p:pic>
+      <p:pic>
+        <p:nvPicPr>
+          <p:cNvPr id="4" name="Imagem 3" descr="Imagem de vídeo game&#10;&#10;Descrição gerada automaticamente com confiança baixa">
+            <a:extLst>
+              <a:ext uri="{FF2B5EF4-FFF2-40B4-BE49-F238E27FC236}">
+                <a16:creationId xmlns:a16="http://schemas.microsoft.com/office/drawing/2014/main" id="{ABA7E7B9-9BC2-5C9F-0B14-A8A9AAC85A7F}"/>
+              </a:ext>
+            </a:extLst>
+          </p:cNvPr>
+          <p:cNvPicPr>
+            <a:picLocks noChangeAspect="1"/>
+          </p:cNvPicPr>
+          <p:nvPr/>
+        </p:nvPicPr>
+        <p:blipFill rotWithShape="1">
+          <a:blip r:embed="rId3">
+            <a:extLst>
+              <a:ext uri="{28A0092B-C50C-407E-A947-70E740481C1C}">
+                <a14:useLocalDpi xmlns:a14="http://schemas.microsoft.com/office/drawing/2010/main" val="0"/>
+              </a:ext>
+            </a:extLst>
+          </a:blip>
+          <a:srcRect l="66830" t="54077" r="191" b="30661"/>
+          <a:stretch/>
+        </p:blipFill>
+        <p:spPr>
+          <a:xfrm>
+            <a:off x="8157455" y="3229361"/>
+            <a:ext cx="4034545" cy="3654065"/>
+          </a:xfrm>
+          <a:prstGeom prst="rect">
+            <a:avLst/>
+          </a:prstGeom>
+        </p:spPr>
+      </p:pic>
+      <p:sp>
+        <p:nvSpPr>
+          <p:cNvPr id="2" name="Espaço Reservado para Número de Slide 1">
+            <a:extLst>
+              <a:ext uri="{FF2B5EF4-FFF2-40B4-BE49-F238E27FC236}">
+                <a16:creationId xmlns:a16="http://schemas.microsoft.com/office/drawing/2014/main" id="{468F0C50-CC9C-4AA7-183D-F62642E01453}"/>
+              </a:ext>
+            </a:extLst>
+          </p:cNvPr>
+          <p:cNvSpPr>
+            <a:spLocks noGrp="1"/>
+          </p:cNvSpPr>
+          <p:nvPr>
+            <p:ph type="sldNum" sz="quarter" idx="12"/>
+          </p:nvPr>
+        </p:nvSpPr>
+        <p:spPr>
+          <a:xfrm>
+            <a:off x="9201150" y="6308725"/>
+            <a:ext cx="2743200" cy="365125"/>
+          </a:xfrm>
+        </p:spPr>
+        <p:txBody>
+          <a:bodyPr vert="horz" lIns="91440" tIns="45720" rIns="91440" bIns="45720" rtlCol="0" anchor="ctr"/>
+          <a:lstStyle/>
+          <a:p>
+            <a:fld id="{3CCB0E57-07C7-4201-932D-E8A25CD1446D}" type="slidenum">
+              <a:rPr lang="pt-BR" sz="4000">
+                <a:solidFill>
+                  <a:srgbClr val="FFC000"/>
+                </a:solidFill>
+                <a:latin typeface="Stardew Valley" pitchFamily="2" charset="0"/>
+              </a:rPr>
+              <a:pPr/>
+              <a:t>11</a:t>
             </a:fld>
             <a:endParaRPr lang="pt-BR" sz="4000">
               <a:solidFill>
@@ -5470,7 +6410,7 @@
 </p:sld>
 </file>
 
-<file path=ppt/slides/slide11.xml><?xml version="1.0" encoding="utf-8"?>
+<file path=ppt/slides/slide12.xml><?xml version="1.0" encoding="utf-8"?>
 <p:sld xmlns:a="http://schemas.openxmlformats.org/drawingml/2006/main" xmlns:r="http://schemas.openxmlformats.org/officeDocument/2006/relationships" xmlns:p="http://schemas.openxmlformats.org/presentationml/2006/main">
   <p:cSld>
     <p:bg>
@@ -5524,7 +6464,7 @@
           <a:p>
             <a:fld id="{3CCB0E57-07C7-4201-932D-E8A25CD1446D}" type="slidenum">
               <a:rPr lang="pt-BR" smtClean="0"/>
-              <a:t>11</a:t>
+              <a:t>12</a:t>
             </a:fld>
             <a:endParaRPr lang="pt-BR"/>
           </a:p>
@@ -7015,6 +7955,762 @@
           </a:prstGeom>
         </p:spPr>
       </p:pic>
+      <p:pic>
+        <p:nvPicPr>
+          <p:cNvPr id="5" name="Picture 4" descr="Pixel Keyboard Keys - for UI by Dream Mix">
+            <a:extLst>
+              <a:ext uri="{FF2B5EF4-FFF2-40B4-BE49-F238E27FC236}">
+                <a16:creationId xmlns:a16="http://schemas.microsoft.com/office/drawing/2014/main" id="{5D903B77-C371-7582-0D87-DB63E71A4A0C}"/>
+              </a:ext>
+            </a:extLst>
+          </p:cNvPr>
+          <p:cNvPicPr>
+            <a:picLocks noChangeAspect="1" noChangeArrowheads="1"/>
+          </p:cNvPicPr>
+          <p:nvPr/>
+        </p:nvPicPr>
+        <p:blipFill rotWithShape="1">
+          <a:blip r:embed="rId22">
+            <a:extLst>
+              <a:ext uri="{BEBA8EAE-BF5A-486C-A8C5-ECC9F3942E4B}">
+                <a14:imgProps xmlns:a14="http://schemas.microsoft.com/office/drawing/2010/main">
+                  <a14:imgLayer r:embed="rId23">
+                    <a14:imgEffect>
+                      <a14:backgroundRemoval t="3933" b="14888" l="4433" r="47660">
+                        <a14:foregroundMark x1="6404" y1="12500" x2="11207" y2="6742"/>
+                        <a14:foregroundMark x1="11207" y1="6742" x2="7882" y2="11517"/>
+                        <a14:foregroundMark x1="30049" y1="11517" x2="30049" y2="12921"/>
+                        <a14:foregroundMark x1="41010" y1="11236" x2="41010" y2="11376"/>
+                        <a14:foregroundMark x1="45936" y1="12079" x2="46305" y2="5899"/>
+                        <a14:foregroundMark x1="41995" y1="8146" x2="44335" y2="8427"/>
+                        <a14:foregroundMark x1="47783" y1="12079" x2="47783" y2="8567"/>
+                        <a14:foregroundMark x1="43350" y1="6461" x2="44089" y2="6461"/>
+                        <a14:foregroundMark x1="30788" y1="7584" x2="33621" y2="8567"/>
+                        <a14:foregroundMark x1="32143" y1="6320" x2="31281" y2="6320"/>
+                        <a14:foregroundMark x1="18719" y1="7022" x2="21182" y2="6882"/>
+                        <a14:foregroundMark x1="4433" y1="11798" x2="4557" y2="7303"/>
+                      </a14:backgroundRemoval>
+                    </a14:imgEffect>
+                  </a14:imgLayer>
+                </a14:imgProps>
+              </a:ext>
+              <a:ext uri="{28A0092B-C50C-407E-A947-70E740481C1C}">
+                <a14:useLocalDpi xmlns:a14="http://schemas.microsoft.com/office/drawing/2010/main" val="0"/>
+              </a:ext>
+            </a:extLst>
+          </a:blip>
+          <a:srcRect l="26366" t="2569" r="62052" b="83488"/>
+          <a:stretch/>
+        </p:blipFill>
+        <p:spPr bwMode="auto">
+          <a:xfrm>
+            <a:off x="1737795" y="-1851137"/>
+            <a:ext cx="895778" cy="945572"/>
+          </a:xfrm>
+          <a:prstGeom prst="rect">
+            <a:avLst/>
+          </a:prstGeom>
+          <a:noFill/>
+          <a:extLst>
+            <a:ext uri="{909E8E84-426E-40DD-AFC4-6F175D3DCCD1}">
+              <a14:hiddenFill xmlns:a14="http://schemas.microsoft.com/office/drawing/2010/main">
+                <a:solidFill>
+                  <a:srgbClr val="FFFFFF"/>
+                </a:solidFill>
+              </a14:hiddenFill>
+            </a:ext>
+          </a:extLst>
+        </p:spPr>
+      </p:pic>
+      <p:pic>
+        <p:nvPicPr>
+          <p:cNvPr id="20" name="Picture 4" descr="Pixel Keyboard Keys - for UI by Dream Mix">
+            <a:extLst>
+              <a:ext uri="{FF2B5EF4-FFF2-40B4-BE49-F238E27FC236}">
+                <a16:creationId xmlns:a16="http://schemas.microsoft.com/office/drawing/2014/main" id="{5D05695A-644F-9802-6B6D-0D31ECC6A42A}"/>
+              </a:ext>
+            </a:extLst>
+          </p:cNvPr>
+          <p:cNvPicPr>
+            <a:picLocks noChangeAspect="1" noChangeArrowheads="1"/>
+          </p:cNvPicPr>
+          <p:nvPr/>
+        </p:nvPicPr>
+        <p:blipFill rotWithShape="1">
+          <a:blip r:embed="rId22">
+            <a:extLst>
+              <a:ext uri="{BEBA8EAE-BF5A-486C-A8C5-ECC9F3942E4B}">
+                <a14:imgProps xmlns:a14="http://schemas.microsoft.com/office/drawing/2010/main">
+                  <a14:imgLayer r:embed="rId23">
+                    <a14:imgEffect>
+                      <a14:backgroundRemoval t="3933" b="14888" l="4433" r="47660">
+                        <a14:foregroundMark x1="6404" y1="12500" x2="11207" y2="6742"/>
+                        <a14:foregroundMark x1="11207" y1="6742" x2="7882" y2="11517"/>
+                        <a14:foregroundMark x1="30049" y1="11517" x2="30049" y2="12921"/>
+                        <a14:foregroundMark x1="41010" y1="11236" x2="41010" y2="11376"/>
+                        <a14:foregroundMark x1="45936" y1="12079" x2="46305" y2="5899"/>
+                        <a14:foregroundMark x1="41995" y1="8146" x2="44335" y2="8427"/>
+                        <a14:foregroundMark x1="47783" y1="12079" x2="47783" y2="8567"/>
+                        <a14:foregroundMark x1="43350" y1="6461" x2="44089" y2="6461"/>
+                        <a14:foregroundMark x1="30788" y1="7584" x2="33621" y2="8567"/>
+                        <a14:foregroundMark x1="32143" y1="6320" x2="31281" y2="6320"/>
+                        <a14:foregroundMark x1="18719" y1="7022" x2="21182" y2="6882"/>
+                        <a14:foregroundMark x1="4433" y1="11798" x2="4557" y2="7303"/>
+                      </a14:backgroundRemoval>
+                    </a14:imgEffect>
+                  </a14:imgLayer>
+                </a14:imgProps>
+              </a:ext>
+              <a:ext uri="{28A0092B-C50C-407E-A947-70E740481C1C}">
+                <a14:useLocalDpi xmlns:a14="http://schemas.microsoft.com/office/drawing/2010/main" val="0"/>
+              </a:ext>
+            </a:extLst>
+          </a:blip>
+          <a:srcRect l="13377" t="2569" r="74335" b="83488"/>
+          <a:stretch/>
+        </p:blipFill>
+        <p:spPr bwMode="auto">
+          <a:xfrm>
+            <a:off x="2609351" y="-1871561"/>
+            <a:ext cx="950401" cy="945572"/>
+          </a:xfrm>
+          <a:prstGeom prst="rect">
+            <a:avLst/>
+          </a:prstGeom>
+          <a:noFill/>
+          <a:extLst>
+            <a:ext uri="{909E8E84-426E-40DD-AFC4-6F175D3DCCD1}">
+              <a14:hiddenFill xmlns:a14="http://schemas.microsoft.com/office/drawing/2010/main">
+                <a:solidFill>
+                  <a:srgbClr val="FFFFFF"/>
+                </a:solidFill>
+              </a14:hiddenFill>
+            </a:ext>
+          </a:extLst>
+        </p:spPr>
+      </p:pic>
+      <p:pic>
+        <p:nvPicPr>
+          <p:cNvPr id="21" name="Picture 4" descr="Pixel Keyboard Keys - for UI by Dream Mix">
+            <a:extLst>
+              <a:ext uri="{FF2B5EF4-FFF2-40B4-BE49-F238E27FC236}">
+                <a16:creationId xmlns:a16="http://schemas.microsoft.com/office/drawing/2014/main" id="{2FABA025-DCAD-9C10-E523-B0D6861C6DB0}"/>
+              </a:ext>
+            </a:extLst>
+          </p:cNvPr>
+          <p:cNvPicPr>
+            <a:picLocks noChangeAspect="1" noChangeArrowheads="1"/>
+          </p:cNvPicPr>
+          <p:nvPr/>
+        </p:nvPicPr>
+        <p:blipFill rotWithShape="1">
+          <a:blip r:embed="rId22">
+            <a:extLst>
+              <a:ext uri="{BEBA8EAE-BF5A-486C-A8C5-ECC9F3942E4B}">
+                <a14:imgProps xmlns:a14="http://schemas.microsoft.com/office/drawing/2010/main">
+                  <a14:imgLayer r:embed="rId23">
+                    <a14:imgEffect>
+                      <a14:backgroundRemoval t="3933" b="14888" l="4433" r="47660">
+                        <a14:foregroundMark x1="6404" y1="12500" x2="11207" y2="6742"/>
+                        <a14:foregroundMark x1="11207" y1="6742" x2="7882" y2="11517"/>
+                        <a14:foregroundMark x1="30049" y1="11517" x2="30049" y2="12921"/>
+                        <a14:foregroundMark x1="41010" y1="11236" x2="41010" y2="11376"/>
+                        <a14:foregroundMark x1="45936" y1="12079" x2="46305" y2="5899"/>
+                        <a14:foregroundMark x1="41995" y1="8146" x2="44335" y2="8427"/>
+                        <a14:foregroundMark x1="47783" y1="12079" x2="47783" y2="8567"/>
+                        <a14:foregroundMark x1="43350" y1="6461" x2="44089" y2="6461"/>
+                        <a14:foregroundMark x1="30788" y1="7584" x2="33621" y2="8567"/>
+                        <a14:foregroundMark x1="32143" y1="6320" x2="31281" y2="6320"/>
+                        <a14:foregroundMark x1="18719" y1="7022" x2="21182" y2="6882"/>
+                        <a14:foregroundMark x1="4433" y1="11798" x2="4557" y2="7303"/>
+                      </a14:backgroundRemoval>
+                    </a14:imgEffect>
+                  </a14:imgLayer>
+                </a14:imgProps>
+              </a:ext>
+              <a:ext uri="{28A0092B-C50C-407E-A947-70E740481C1C}">
+                <a14:useLocalDpi xmlns:a14="http://schemas.microsoft.com/office/drawing/2010/main" val="0"/>
+              </a:ext>
+            </a:extLst>
+          </a:blip>
+          <a:srcRect l="38006" t="2569" r="50698" b="83488"/>
+          <a:stretch/>
+        </p:blipFill>
+        <p:spPr bwMode="auto">
+          <a:xfrm>
+            <a:off x="3622998" y="-1871561"/>
+            <a:ext cx="873621" cy="945572"/>
+          </a:xfrm>
+          <a:prstGeom prst="rect">
+            <a:avLst/>
+          </a:prstGeom>
+          <a:noFill/>
+          <a:extLst>
+            <a:ext uri="{909E8E84-426E-40DD-AFC4-6F175D3DCCD1}">
+              <a14:hiddenFill xmlns:a14="http://schemas.microsoft.com/office/drawing/2010/main">
+                <a:solidFill>
+                  <a:srgbClr val="FFFFFF"/>
+                </a:solidFill>
+              </a14:hiddenFill>
+            </a:ext>
+          </a:extLst>
+        </p:spPr>
+      </p:pic>
+      <p:pic>
+        <p:nvPicPr>
+          <p:cNvPr id="24" name="Picture 4" descr="Pixel Keyboard Keys - for UI by Dream Mix">
+            <a:extLst>
+              <a:ext uri="{FF2B5EF4-FFF2-40B4-BE49-F238E27FC236}">
+                <a16:creationId xmlns:a16="http://schemas.microsoft.com/office/drawing/2014/main" id="{04294CC9-9276-B8EE-7366-0C31404EA07C}"/>
+              </a:ext>
+            </a:extLst>
+          </p:cNvPr>
+          <p:cNvPicPr>
+            <a:picLocks noChangeAspect="1" noChangeArrowheads="1"/>
+          </p:cNvPicPr>
+          <p:nvPr/>
+        </p:nvPicPr>
+        <p:blipFill rotWithShape="1">
+          <a:blip r:embed="rId22">
+            <a:extLst>
+              <a:ext uri="{BEBA8EAE-BF5A-486C-A8C5-ECC9F3942E4B}">
+                <a14:imgProps xmlns:a14="http://schemas.microsoft.com/office/drawing/2010/main">
+                  <a14:imgLayer r:embed="rId23">
+                    <a14:imgEffect>
+                      <a14:backgroundRemoval t="3933" b="14888" l="4433" r="47660">
+                        <a14:foregroundMark x1="6404" y1="12500" x2="11207" y2="6742"/>
+                        <a14:foregroundMark x1="11207" y1="6742" x2="7882" y2="11517"/>
+                        <a14:foregroundMark x1="30049" y1="11517" x2="30049" y2="12921"/>
+                        <a14:foregroundMark x1="41010" y1="11236" x2="41010" y2="11376"/>
+                        <a14:foregroundMark x1="45936" y1="12079" x2="46305" y2="5899"/>
+                        <a14:foregroundMark x1="41995" y1="8146" x2="44335" y2="8427"/>
+                        <a14:foregroundMark x1="47783" y1="12079" x2="47783" y2="8567"/>
+                        <a14:foregroundMark x1="43350" y1="6461" x2="44089" y2="6461"/>
+                        <a14:foregroundMark x1="30788" y1="7584" x2="33621" y2="8567"/>
+                        <a14:foregroundMark x1="32143" y1="6320" x2="31281" y2="6320"/>
+                        <a14:foregroundMark x1="18719" y1="7022" x2="21182" y2="6882"/>
+                        <a14:foregroundMark x1="4433" y1="11798" x2="4557" y2="7303"/>
+                      </a14:backgroundRemoval>
+                    </a14:imgEffect>
+                  </a14:imgLayer>
+                </a14:imgProps>
+              </a:ext>
+              <a:ext uri="{28A0092B-C50C-407E-A947-70E740481C1C}">
+                <a14:useLocalDpi xmlns:a14="http://schemas.microsoft.com/office/drawing/2010/main" val="0"/>
+              </a:ext>
+            </a:extLst>
+          </a:blip>
+          <a:srcRect l="2785" t="2569" r="86245" b="83488"/>
+          <a:stretch/>
+        </p:blipFill>
+        <p:spPr bwMode="auto">
+          <a:xfrm>
+            <a:off x="2691129" y="-4573656"/>
+            <a:ext cx="848525" cy="945572"/>
+          </a:xfrm>
+          <a:prstGeom prst="rect">
+            <a:avLst/>
+          </a:prstGeom>
+          <a:noFill/>
+          <a:extLst>
+            <a:ext uri="{909E8E84-426E-40DD-AFC4-6F175D3DCCD1}">
+              <a14:hiddenFill xmlns:a14="http://schemas.microsoft.com/office/drawing/2010/main">
+                <a:solidFill>
+                  <a:srgbClr val="FFFFFF"/>
+                </a:solidFill>
+              </a14:hiddenFill>
+            </a:ext>
+          </a:extLst>
+        </p:spPr>
+      </p:pic>
+      <p:pic>
+        <p:nvPicPr>
+          <p:cNvPr id="26" name="Picture 4" descr="Pixel Keyboard Keys - for UI by Dream Mix">
+            <a:extLst>
+              <a:ext uri="{FF2B5EF4-FFF2-40B4-BE49-F238E27FC236}">
+                <a16:creationId xmlns:a16="http://schemas.microsoft.com/office/drawing/2014/main" id="{EC50BB50-13E1-E19A-DD79-143343729D6D}"/>
+              </a:ext>
+            </a:extLst>
+          </p:cNvPr>
+          <p:cNvPicPr>
+            <a:picLocks noChangeAspect="1" noChangeArrowheads="1"/>
+          </p:cNvPicPr>
+          <p:nvPr/>
+        </p:nvPicPr>
+        <p:blipFill rotWithShape="1">
+          <a:blip r:embed="rId24">
+            <a:extLst>
+              <a:ext uri="{BEBA8EAE-BF5A-486C-A8C5-ECC9F3942E4B}">
+                <a14:imgProps xmlns:a14="http://schemas.microsoft.com/office/drawing/2010/main">
+                  <a14:imgLayer r:embed="rId23">
+                    <a14:imgEffect>
+                      <a14:backgroundRemoval t="31180" b="41152" l="51108" r="71675">
+                        <a14:foregroundMark x1="65887" y1="40871" x2="68227" y2="40871"/>
+                        <a14:foregroundMark x1="71798" y1="37921" x2="71798" y2="36236"/>
+                        <a14:foregroundMark x1="67857" y1="31601" x2="65764" y2="31320"/>
+                        <a14:foregroundMark x1="56158" y1="33287" x2="57512" y2="38343"/>
+                        <a14:foregroundMark x1="51601" y1="32865" x2="51601" y2="34410"/>
+                        <a14:foregroundMark x1="51108" y1="35253" x2="51108" y2="37219"/>
+                        <a14:foregroundMark x1="53202" y1="40590" x2="57512" y2="40730"/>
+                      </a14:backgroundRemoval>
+                    </a14:imgEffect>
+                  </a14:imgLayer>
+                </a14:imgProps>
+              </a:ext>
+              <a:ext uri="{28A0092B-C50C-407E-A947-70E740481C1C}">
+                <a14:useLocalDpi xmlns:a14="http://schemas.microsoft.com/office/drawing/2010/main" val="0"/>
+              </a:ext>
+            </a:extLst>
+          </a:blip>
+          <a:srcRect l="61723" t="30768" r="26712" b="57569"/>
+          <a:stretch/>
+        </p:blipFill>
+        <p:spPr bwMode="auto">
+          <a:xfrm>
+            <a:off x="10030132" y="-1821596"/>
+            <a:ext cx="894448" cy="790973"/>
+          </a:xfrm>
+          <a:prstGeom prst="rect">
+            <a:avLst/>
+          </a:prstGeom>
+          <a:noFill/>
+          <a:extLst>
+            <a:ext uri="{909E8E84-426E-40DD-AFC4-6F175D3DCCD1}">
+              <a14:hiddenFill xmlns:a14="http://schemas.microsoft.com/office/drawing/2010/main">
+                <a:solidFill>
+                  <a:srgbClr val="FFFFFF"/>
+                </a:solidFill>
+              </a14:hiddenFill>
+            </a:ext>
+          </a:extLst>
+        </p:spPr>
+      </p:pic>
+      <p:pic>
+        <p:nvPicPr>
+          <p:cNvPr id="28" name="Picture 4" descr="Pixel Keyboard Keys - for UI by Dream Mix">
+            <a:extLst>
+              <a:ext uri="{FF2B5EF4-FFF2-40B4-BE49-F238E27FC236}">
+                <a16:creationId xmlns:a16="http://schemas.microsoft.com/office/drawing/2014/main" id="{E2ACF0AD-5D4B-584C-55BF-C269330D0792}"/>
+              </a:ext>
+            </a:extLst>
+          </p:cNvPr>
+          <p:cNvPicPr>
+            <a:picLocks noChangeAspect="1" noChangeArrowheads="1"/>
+          </p:cNvPicPr>
+          <p:nvPr/>
+        </p:nvPicPr>
+        <p:blipFill rotWithShape="1">
+          <a:blip r:embed="rId24">
+            <a:extLst>
+              <a:ext uri="{BEBA8EAE-BF5A-486C-A8C5-ECC9F3942E4B}">
+                <a14:imgProps xmlns:a14="http://schemas.microsoft.com/office/drawing/2010/main">
+                  <a14:imgLayer r:embed="rId23">
+                    <a14:imgEffect>
+                      <a14:backgroundRemoval t="31180" b="41152" l="51108" r="71675">
+                        <a14:foregroundMark x1="65887" y1="40871" x2="68227" y2="40871"/>
+                        <a14:foregroundMark x1="71798" y1="37921" x2="71798" y2="36236"/>
+                        <a14:foregroundMark x1="67857" y1="31601" x2="65764" y2="31320"/>
+                        <a14:foregroundMark x1="56158" y1="33287" x2="57512" y2="38343"/>
+                        <a14:foregroundMark x1="51601" y1="32865" x2="51601" y2="34410"/>
+                        <a14:foregroundMark x1="51108" y1="35253" x2="51108" y2="37219"/>
+                        <a14:foregroundMark x1="53202" y1="40590" x2="57512" y2="40730"/>
+                      </a14:backgroundRemoval>
+                    </a14:imgEffect>
+                  </a14:imgLayer>
+                </a14:imgProps>
+              </a:ext>
+              <a:ext uri="{28A0092B-C50C-407E-A947-70E740481C1C}">
+                <a14:useLocalDpi xmlns:a14="http://schemas.microsoft.com/office/drawing/2010/main" val="0"/>
+              </a:ext>
+            </a:extLst>
+          </a:blip>
+          <a:srcRect l="50159" t="30768" r="38593" b="57569"/>
+          <a:stretch/>
+        </p:blipFill>
+        <p:spPr bwMode="auto">
+          <a:xfrm>
+            <a:off x="6980170" y="-1832373"/>
+            <a:ext cx="869985" cy="790973"/>
+          </a:xfrm>
+          <a:prstGeom prst="rect">
+            <a:avLst/>
+          </a:prstGeom>
+          <a:noFill/>
+          <a:extLst>
+            <a:ext uri="{909E8E84-426E-40DD-AFC4-6F175D3DCCD1}">
+              <a14:hiddenFill xmlns:a14="http://schemas.microsoft.com/office/drawing/2010/main">
+                <a:solidFill>
+                  <a:srgbClr val="FFFFFF"/>
+                </a:solidFill>
+              </a14:hiddenFill>
+            </a:ext>
+          </a:extLst>
+        </p:spPr>
+      </p:pic>
+      <p:pic>
+        <p:nvPicPr>
+          <p:cNvPr id="30" name="Imagem 29">
+            <a:extLst>
+              <a:ext uri="{FF2B5EF4-FFF2-40B4-BE49-F238E27FC236}">
+                <a16:creationId xmlns:a16="http://schemas.microsoft.com/office/drawing/2014/main" id="{7BF6D879-17D7-2DA9-C42B-A7FB76264194}"/>
+              </a:ext>
+            </a:extLst>
+          </p:cNvPr>
+          <p:cNvPicPr>
+            <a:picLocks noChangeAspect="1"/>
+          </p:cNvPicPr>
+          <p:nvPr/>
+        </p:nvPicPr>
+        <p:blipFill>
+          <a:blip r:embed="rId25"/>
+          <a:stretch>
+            <a:fillRect/>
+          </a:stretch>
+        </p:blipFill>
+        <p:spPr>
+          <a:xfrm>
+            <a:off x="1990610" y="-6030621"/>
+            <a:ext cx="2341067" cy="1286367"/>
+          </a:xfrm>
+          <a:prstGeom prst="rect">
+            <a:avLst/>
+          </a:prstGeom>
+        </p:spPr>
+      </p:pic>
+      <p:pic>
+        <p:nvPicPr>
+          <p:cNvPr id="35" name="Imagem 34">
+            <a:extLst>
+              <a:ext uri="{FF2B5EF4-FFF2-40B4-BE49-F238E27FC236}">
+                <a16:creationId xmlns:a16="http://schemas.microsoft.com/office/drawing/2014/main" id="{9A52CF3F-17A7-3067-DB12-339C3D723B21}"/>
+              </a:ext>
+            </a:extLst>
+          </p:cNvPr>
+          <p:cNvPicPr>
+            <a:picLocks noChangeAspect="1"/>
+          </p:cNvPicPr>
+          <p:nvPr/>
+        </p:nvPicPr>
+        <p:blipFill>
+          <a:blip r:embed="rId26"/>
+          <a:stretch>
+            <a:fillRect/>
+          </a:stretch>
+        </p:blipFill>
+        <p:spPr>
+          <a:xfrm>
+            <a:off x="5870909" y="-5954994"/>
+            <a:ext cx="3023878" cy="2017951"/>
+          </a:xfrm>
+          <a:prstGeom prst="rect">
+            <a:avLst/>
+          </a:prstGeom>
+        </p:spPr>
+      </p:pic>
+      <p:pic>
+        <p:nvPicPr>
+          <p:cNvPr id="36" name="Imagem 35">
+            <a:extLst>
+              <a:ext uri="{FF2B5EF4-FFF2-40B4-BE49-F238E27FC236}">
+                <a16:creationId xmlns:a16="http://schemas.microsoft.com/office/drawing/2014/main" id="{B01604D5-26C9-0DAE-038D-8180C447A508}"/>
+              </a:ext>
+            </a:extLst>
+          </p:cNvPr>
+          <p:cNvPicPr>
+            <a:picLocks noChangeAspect="1"/>
+          </p:cNvPicPr>
+          <p:nvPr/>
+        </p:nvPicPr>
+        <p:blipFill>
+          <a:blip r:embed="rId27"/>
+          <a:stretch>
+            <a:fillRect/>
+          </a:stretch>
+        </p:blipFill>
+        <p:spPr>
+          <a:xfrm>
+            <a:off x="8585135" y="-5959273"/>
+            <a:ext cx="3792041" cy="2017951"/>
+          </a:xfrm>
+          <a:prstGeom prst="rect">
+            <a:avLst/>
+          </a:prstGeom>
+        </p:spPr>
+      </p:pic>
+      <p:pic>
+        <p:nvPicPr>
+          <p:cNvPr id="38" name="Picture 2" descr="Pixel Keyboard Keys - for UI by Dream Mix">
+            <a:extLst>
+              <a:ext uri="{FF2B5EF4-FFF2-40B4-BE49-F238E27FC236}">
+                <a16:creationId xmlns:a16="http://schemas.microsoft.com/office/drawing/2014/main" id="{B842B400-9E6A-61B8-3482-8FA133CF6FD7}"/>
+              </a:ext>
+            </a:extLst>
+          </p:cNvPr>
+          <p:cNvPicPr>
+            <a:picLocks noChangeAspect="1" noChangeArrowheads="1"/>
+          </p:cNvPicPr>
+          <p:nvPr/>
+        </p:nvPicPr>
+        <p:blipFill rotWithShape="1">
+          <a:blip r:embed="rId28">
+            <a:extLst>
+              <a:ext uri="{BEBA8EAE-BF5A-486C-A8C5-ECC9F3942E4B}">
+                <a14:imgProps xmlns:a14="http://schemas.microsoft.com/office/drawing/2010/main">
+                  <a14:imgLayer r:embed="rId29">
+                    <a14:imgEffect>
+                      <a14:backgroundRemoval t="51510" b="69272" l="50694" r="72525">
+                        <a14:foregroundMark x1="51619" y1="67673" x2="51526" y2="57549"/>
+                        <a14:foregroundMark x1="51526" y1="57549" x2="52636" y2="53641"/>
+                        <a14:foregroundMark x1="50786" y1="58259" x2="51064" y2="64298"/>
+                        <a14:foregroundMark x1="71415" y1="53996" x2="71508" y2="68206"/>
+                        <a14:foregroundMark x1="72525" y1="66430" x2="72340" y2="57726"/>
+                      </a14:backgroundRemoval>
+                    </a14:imgEffect>
+                  </a14:imgLayer>
+                </a14:imgProps>
+              </a:ext>
+              <a:ext uri="{28A0092B-C50C-407E-A947-70E740481C1C}">
+                <a14:useLocalDpi xmlns:a14="http://schemas.microsoft.com/office/drawing/2010/main" val="0"/>
+              </a:ext>
+            </a:extLst>
+          </a:blip>
+          <a:srcRect l="49599" t="49352" r="26395" b="28474"/>
+          <a:stretch/>
+        </p:blipFill>
+        <p:spPr bwMode="auto">
+          <a:xfrm>
+            <a:off x="2033720" y="11303911"/>
+            <a:ext cx="2471828" cy="1189078"/>
+          </a:xfrm>
+          <a:prstGeom prst="rect">
+            <a:avLst/>
+          </a:prstGeom>
+          <a:noFill/>
+          <a:extLst>
+            <a:ext uri="{909E8E84-426E-40DD-AFC4-6F175D3DCCD1}">
+              <a14:hiddenFill xmlns:a14="http://schemas.microsoft.com/office/drawing/2010/main">
+                <a:solidFill>
+                  <a:srgbClr val="FFFFFF"/>
+                </a:solidFill>
+              </a14:hiddenFill>
+            </a:ext>
+          </a:extLst>
+        </p:spPr>
+      </p:pic>
+      <p:pic>
+        <p:nvPicPr>
+          <p:cNvPr id="42" name="Picture 2" descr="Pixel Keyboard Keys - for UI by Dream Mix">
+            <a:extLst>
+              <a:ext uri="{FF2B5EF4-FFF2-40B4-BE49-F238E27FC236}">
+                <a16:creationId xmlns:a16="http://schemas.microsoft.com/office/drawing/2014/main" id="{4D69EE94-BB3E-71E6-85D9-1227C8EBCAB2}"/>
+              </a:ext>
+            </a:extLst>
+          </p:cNvPr>
+          <p:cNvPicPr>
+            <a:picLocks noChangeAspect="1" noChangeArrowheads="1"/>
+          </p:cNvPicPr>
+          <p:nvPr/>
+        </p:nvPicPr>
+        <p:blipFill rotWithShape="1">
+          <a:blip r:embed="rId30">
+            <a:extLst>
+              <a:ext uri="{BEBA8EAE-BF5A-486C-A8C5-ECC9F3942E4B}">
+                <a14:imgProps xmlns:a14="http://schemas.microsoft.com/office/drawing/2010/main">
+                  <a14:imgLayer r:embed="rId29">
+                    <a14:imgEffect>
+                      <a14:backgroundRemoval t="30018" b="45471" l="75486" r="95375">
+                        <a14:foregroundMark x1="75856" y1="44050" x2="76318" y2="33570"/>
+                        <a14:foregroundMark x1="76318" y1="33570" x2="77613" y2="32504"/>
+                        <a14:foregroundMark x1="75671" y1="36057" x2="75486" y2="42984"/>
+                        <a14:foregroundMark x1="77243" y1="30373" x2="93617" y2="30373"/>
+                        <a14:foregroundMark x1="93987" y1="31972" x2="95375" y2="41208"/>
+                        <a14:foregroundMark x1="95375" y1="41208" x2="94542" y2="44760"/>
+                      </a14:backgroundRemoval>
+                    </a14:imgEffect>
+                  </a14:imgLayer>
+                </a14:imgProps>
+              </a:ext>
+              <a:ext uri="{28A0092B-C50C-407E-A947-70E740481C1C}">
+                <a14:useLocalDpi xmlns:a14="http://schemas.microsoft.com/office/drawing/2010/main" val="0"/>
+              </a:ext>
+            </a:extLst>
+          </a:blip>
+          <a:srcRect l="73916" t="28140" r="3642" b="52342"/>
+          <a:stretch/>
+        </p:blipFill>
+        <p:spPr bwMode="auto">
+          <a:xfrm>
+            <a:off x="5415833" y="11408712"/>
+            <a:ext cx="2310750" cy="1046608"/>
+          </a:xfrm>
+          <a:prstGeom prst="rect">
+            <a:avLst/>
+          </a:prstGeom>
+          <a:noFill/>
+          <a:extLst>
+            <a:ext uri="{909E8E84-426E-40DD-AFC4-6F175D3DCCD1}">
+              <a14:hiddenFill xmlns:a14="http://schemas.microsoft.com/office/drawing/2010/main">
+                <a:solidFill>
+                  <a:srgbClr val="FFFFFF"/>
+                </a:solidFill>
+              </a14:hiddenFill>
+            </a:ext>
+          </a:extLst>
+        </p:spPr>
+      </p:pic>
+      <p:pic>
+        <p:nvPicPr>
+          <p:cNvPr id="44" name="Picture 2" descr="Pixel Keyboard Keys - for UI by Dream Mix">
+            <a:extLst>
+              <a:ext uri="{FF2B5EF4-FFF2-40B4-BE49-F238E27FC236}">
+                <a16:creationId xmlns:a16="http://schemas.microsoft.com/office/drawing/2014/main" id="{728F4766-7C27-981F-D4BE-066B244203FE}"/>
+              </a:ext>
+            </a:extLst>
+          </p:cNvPr>
+          <p:cNvPicPr>
+            <a:picLocks noChangeAspect="1" noChangeArrowheads="1"/>
+          </p:cNvPicPr>
+          <p:nvPr/>
+        </p:nvPicPr>
+        <p:blipFill rotWithShape="1">
+          <a:blip r:embed="rId31">
+            <a:extLst>
+              <a:ext uri="{BEBA8EAE-BF5A-486C-A8C5-ECC9F3942E4B}">
+                <a14:imgProps xmlns:a14="http://schemas.microsoft.com/office/drawing/2010/main">
+                  <a14:imgLayer r:embed="rId29">
+                    <a14:imgEffect>
+                      <a14:backgroundRemoval t="52931" b="68384" l="5643" r="22757">
+                        <a14:foregroundMark x1="5735" y1="66075" x2="7493" y2="54707"/>
+                        <a14:foregroundMark x1="7493" y1="54707" x2="6475" y2="55595"/>
+                        <a14:foregroundMark x1="6660" y1="68561" x2="14524" y2="67140"/>
+                        <a14:foregroundMark x1="14524" y1="67140" x2="20722" y2="68384"/>
+                        <a14:foregroundMark x1="22202" y1="67851" x2="22757" y2="59680"/>
+                        <a14:foregroundMark x1="21924" y1="55417" x2="21924" y2="55417"/>
+                        <a14:foregroundMark x1="20722" y1="52931" x2="17114" y2="52931"/>
+                        <a14:foregroundMark x1="16096" y1="52931" x2="7401" y2="52931"/>
+                      </a14:backgroundRemoval>
+                    </a14:imgEffect>
+                  </a14:imgLayer>
+                </a14:imgProps>
+              </a:ext>
+              <a:ext uri="{28A0092B-C50C-407E-A947-70E740481C1C}">
+                <a14:useLocalDpi xmlns:a14="http://schemas.microsoft.com/office/drawing/2010/main" val="0"/>
+              </a:ext>
+            </a:extLst>
+          </a:blip>
+          <a:srcRect l="4558" t="51037" r="76466" b="29924"/>
+          <a:stretch/>
+        </p:blipFill>
+        <p:spPr bwMode="auto">
+          <a:xfrm>
+            <a:off x="8894787" y="11421523"/>
+            <a:ext cx="1953874" cy="1020986"/>
+          </a:xfrm>
+          <a:prstGeom prst="rect">
+            <a:avLst/>
+          </a:prstGeom>
+          <a:noFill/>
+          <a:extLst>
+            <a:ext uri="{909E8E84-426E-40DD-AFC4-6F175D3DCCD1}">
+              <a14:hiddenFill xmlns:a14="http://schemas.microsoft.com/office/drawing/2010/main">
+                <a:solidFill>
+                  <a:srgbClr val="FFFFFF"/>
+                </a:solidFill>
+              </a14:hiddenFill>
+            </a:ext>
+          </a:extLst>
+        </p:spPr>
+      </p:pic>
+      <p:pic>
+        <p:nvPicPr>
+          <p:cNvPr id="46" name="Imagem 45">
+            <a:extLst>
+              <a:ext uri="{FF2B5EF4-FFF2-40B4-BE49-F238E27FC236}">
+                <a16:creationId xmlns:a16="http://schemas.microsoft.com/office/drawing/2014/main" id="{F203F5E0-78DB-001D-A2FB-7847D1D3B63A}"/>
+              </a:ext>
+            </a:extLst>
+          </p:cNvPr>
+          <p:cNvPicPr>
+            <a:picLocks noChangeAspect="1"/>
+          </p:cNvPicPr>
+          <p:nvPr/>
+        </p:nvPicPr>
+        <p:blipFill>
+          <a:blip r:embed="rId32"/>
+          <a:stretch>
+            <a:fillRect/>
+          </a:stretch>
+        </p:blipFill>
+        <p:spPr>
+          <a:xfrm>
+            <a:off x="1392073" y="8210530"/>
+            <a:ext cx="4023709" cy="1286367"/>
+          </a:xfrm>
+          <a:prstGeom prst="rect">
+            <a:avLst/>
+          </a:prstGeom>
+        </p:spPr>
+      </p:pic>
+      <p:pic>
+        <p:nvPicPr>
+          <p:cNvPr id="47" name="Imagem 46">
+            <a:extLst>
+              <a:ext uri="{FF2B5EF4-FFF2-40B4-BE49-F238E27FC236}">
+                <a16:creationId xmlns:a16="http://schemas.microsoft.com/office/drawing/2014/main" id="{EB4F2DE4-4339-0978-A9C6-FE9A671B6CC9}"/>
+              </a:ext>
+            </a:extLst>
+          </p:cNvPr>
+          <p:cNvPicPr>
+            <a:picLocks noChangeAspect="1"/>
+          </p:cNvPicPr>
+          <p:nvPr/>
+        </p:nvPicPr>
+        <p:blipFill>
+          <a:blip r:embed="rId33"/>
+          <a:stretch>
+            <a:fillRect/>
+          </a:stretch>
+        </p:blipFill>
+        <p:spPr>
+          <a:xfrm>
+            <a:off x="5406477" y="8210529"/>
+            <a:ext cx="2420322" cy="1286367"/>
+          </a:xfrm>
+          <a:prstGeom prst="rect">
+            <a:avLst/>
+          </a:prstGeom>
+        </p:spPr>
+      </p:pic>
+      <p:pic>
+        <p:nvPicPr>
+          <p:cNvPr id="48" name="Imagem 47">
+            <a:extLst>
+              <a:ext uri="{FF2B5EF4-FFF2-40B4-BE49-F238E27FC236}">
+                <a16:creationId xmlns:a16="http://schemas.microsoft.com/office/drawing/2014/main" id="{2C4EC4DE-13AB-111C-1492-16A03E9D09D5}"/>
+              </a:ext>
+            </a:extLst>
+          </p:cNvPr>
+          <p:cNvPicPr>
+            <a:picLocks noChangeAspect="1"/>
+          </p:cNvPicPr>
+          <p:nvPr/>
+        </p:nvPicPr>
+        <p:blipFill>
+          <a:blip r:embed="rId34"/>
+          <a:stretch>
+            <a:fillRect/>
+          </a:stretch>
+        </p:blipFill>
+        <p:spPr>
+          <a:xfrm>
+            <a:off x="8666011" y="8233065"/>
+            <a:ext cx="2645893" cy="1286367"/>
+          </a:xfrm>
+          <a:prstGeom prst="rect">
+            <a:avLst/>
+          </a:prstGeom>
+        </p:spPr>
+      </p:pic>
     </p:spTree>
     <p:extLst>
       <p:ext uri="{BB962C8B-B14F-4D97-AF65-F5344CB8AC3E}">
@@ -7041,6 +8737,1949 @@
 </file>
 
 <file path=ppt/slides/slide3.xml><?xml version="1.0" encoding="utf-8"?>
+<p:sld xmlns:a="http://schemas.openxmlformats.org/drawingml/2006/main" xmlns:r="http://schemas.openxmlformats.org/officeDocument/2006/relationships" xmlns:p="http://schemas.openxmlformats.org/presentationml/2006/main">
+  <p:cSld>
+    <p:bg>
+      <p:bgPr>
+        <a:blipFill dpi="0" rotWithShape="1">
+          <a:blip r:embed="rId2">
+            <a:lum/>
+          </a:blip>
+          <a:srcRect/>
+          <a:stretch>
+            <a:fillRect t="-9000" b="-9000"/>
+          </a:stretch>
+        </a:blipFill>
+        <a:effectLst/>
+      </p:bgPr>
+    </p:bg>
+    <p:spTree>
+      <p:nvGrpSpPr>
+        <p:cNvPr id="1" name=""/>
+        <p:cNvGrpSpPr/>
+        <p:nvPr/>
+      </p:nvGrpSpPr>
+      <p:grpSpPr>
+        <a:xfrm>
+          <a:off x="0" y="0"/>
+          <a:ext cx="0" cy="0"/>
+          <a:chOff x="0" y="0"/>
+          <a:chExt cx="0" cy="0"/>
+        </a:xfrm>
+      </p:grpSpPr>
+      <p:pic>
+        <p:nvPicPr>
+          <p:cNvPr id="23" name="Imagem 22" descr="Imagem de vídeo game&#10;&#10;Descrição gerada automaticamente com confiança baixa">
+            <a:extLst>
+              <a:ext uri="{FF2B5EF4-FFF2-40B4-BE49-F238E27FC236}">
+                <a16:creationId xmlns:a16="http://schemas.microsoft.com/office/drawing/2014/main" id="{333815C3-67B0-026C-0424-BEA8E2FA26E6}"/>
+              </a:ext>
+            </a:extLst>
+          </p:cNvPr>
+          <p:cNvPicPr>
+            <a:picLocks noChangeAspect="1"/>
+          </p:cNvPicPr>
+          <p:nvPr/>
+        </p:nvPicPr>
+        <p:blipFill rotWithShape="1">
+          <a:blip r:embed="rId3">
+            <a:extLst>
+              <a:ext uri="{28A0092B-C50C-407E-A947-70E740481C1C}">
+                <a14:useLocalDpi xmlns:a14="http://schemas.microsoft.com/office/drawing/2010/main" val="0"/>
+              </a:ext>
+            </a:extLst>
+          </a:blip>
+          <a:srcRect l="66830" t="54077" r="191" b="30661"/>
+          <a:stretch/>
+        </p:blipFill>
+        <p:spPr>
+          <a:xfrm>
+            <a:off x="8157455" y="3229361"/>
+            <a:ext cx="4034545" cy="3654065"/>
+          </a:xfrm>
+          <a:prstGeom prst="rect">
+            <a:avLst/>
+          </a:prstGeom>
+        </p:spPr>
+      </p:pic>
+      <p:pic>
+        <p:nvPicPr>
+          <p:cNvPr id="4" name="Imagem 3" descr="Uma imagem contendo escuro, fumaça, nuvens, assistindo&#10;&#10;Descrição gerada automaticamente">
+            <a:extLst>
+              <a:ext uri="{FF2B5EF4-FFF2-40B4-BE49-F238E27FC236}">
+                <a16:creationId xmlns:a16="http://schemas.microsoft.com/office/drawing/2014/main" id="{8588BDAF-E196-FC24-4536-07B5E1BD49A1}"/>
+              </a:ext>
+            </a:extLst>
+          </p:cNvPr>
+          <p:cNvPicPr>
+            <a:picLocks noChangeAspect="1"/>
+          </p:cNvPicPr>
+          <p:nvPr/>
+        </p:nvPicPr>
+        <p:blipFill>
+          <a:blip r:embed="rId4">
+            <a:extLst>
+              <a:ext uri="{28A0092B-C50C-407E-A947-70E740481C1C}">
+                <a14:useLocalDpi xmlns:a14="http://schemas.microsoft.com/office/drawing/2010/main" val="0"/>
+              </a:ext>
+            </a:extLst>
+          </a:blip>
+          <a:stretch>
+            <a:fillRect/>
+          </a:stretch>
+        </p:blipFill>
+        <p:spPr>
+          <a:xfrm>
+            <a:off x="-9571321" y="413328"/>
+            <a:ext cx="12192000" cy="3797300"/>
+          </a:xfrm>
+          <a:prstGeom prst="rect">
+            <a:avLst/>
+          </a:prstGeom>
+        </p:spPr>
+      </p:pic>
+      <p:pic>
+        <p:nvPicPr>
+          <p:cNvPr id="6" name="Imagem 5" descr="Uma imagem contendo escuro, fumaça, nuvens, assistindo&#10;&#10;Descrição gerada automaticamente">
+            <a:extLst>
+              <a:ext uri="{FF2B5EF4-FFF2-40B4-BE49-F238E27FC236}">
+                <a16:creationId xmlns:a16="http://schemas.microsoft.com/office/drawing/2014/main" id="{B6DCCCD6-9553-AC66-F428-912DCDD6E2F5}"/>
+              </a:ext>
+            </a:extLst>
+          </p:cNvPr>
+          <p:cNvPicPr>
+            <a:picLocks noChangeAspect="1"/>
+          </p:cNvPicPr>
+          <p:nvPr/>
+        </p:nvPicPr>
+        <p:blipFill>
+          <a:blip r:embed="rId4">
+            <a:extLst>
+              <a:ext uri="{28A0092B-C50C-407E-A947-70E740481C1C}">
+                <a14:useLocalDpi xmlns:a14="http://schemas.microsoft.com/office/drawing/2010/main" val="0"/>
+              </a:ext>
+            </a:extLst>
+          </a:blip>
+          <a:stretch>
+            <a:fillRect/>
+          </a:stretch>
+        </p:blipFill>
+        <p:spPr>
+          <a:xfrm>
+            <a:off x="2421957" y="-607658"/>
+            <a:ext cx="12192000" cy="3797300"/>
+          </a:xfrm>
+          <a:prstGeom prst="rect">
+            <a:avLst/>
+          </a:prstGeom>
+        </p:spPr>
+      </p:pic>
+      <p:pic>
+        <p:nvPicPr>
+          <p:cNvPr id="11" name="Imagem 10" descr="Uma imagem contendo escuro, fumaça, nuvens, assistindo&#10;&#10;Descrição gerada automaticamente">
+            <a:extLst>
+              <a:ext uri="{FF2B5EF4-FFF2-40B4-BE49-F238E27FC236}">
+                <a16:creationId xmlns:a16="http://schemas.microsoft.com/office/drawing/2014/main" id="{2FFB6A85-F80C-4006-D5CC-102E2BB1D996}"/>
+              </a:ext>
+            </a:extLst>
+          </p:cNvPr>
+          <p:cNvPicPr>
+            <a:picLocks noChangeAspect="1"/>
+          </p:cNvPicPr>
+          <p:nvPr/>
+        </p:nvPicPr>
+        <p:blipFill rotWithShape="1">
+          <a:blip r:embed="rId4">
+            <a:extLst>
+              <a:ext uri="{28A0092B-C50C-407E-A947-70E740481C1C}">
+                <a14:useLocalDpi xmlns:a14="http://schemas.microsoft.com/office/drawing/2010/main" val="0"/>
+              </a:ext>
+            </a:extLst>
+          </a:blip>
+          <a:srcRect l="73609" t="4193" b="28207"/>
+          <a:stretch/>
+        </p:blipFill>
+        <p:spPr>
+          <a:xfrm>
+            <a:off x="9350765" y="526472"/>
+            <a:ext cx="3217579" cy="2566922"/>
+          </a:xfrm>
+          <a:prstGeom prst="rect">
+            <a:avLst/>
+          </a:prstGeom>
+        </p:spPr>
+      </p:pic>
+      <p:pic>
+        <p:nvPicPr>
+          <p:cNvPr id="12" name="Imagem 11" descr="Placa branca com letras pretas&#10;&#10;Descrição gerada automaticamente com confiança baixa">
+            <a:extLst>
+              <a:ext uri="{FF2B5EF4-FFF2-40B4-BE49-F238E27FC236}">
+                <a16:creationId xmlns:a16="http://schemas.microsoft.com/office/drawing/2014/main" id="{6FB116B8-E319-2B24-84C5-66F6A64B9590}"/>
+              </a:ext>
+            </a:extLst>
+          </p:cNvPr>
+          <p:cNvPicPr>
+            <a:picLocks noChangeAspect="1"/>
+          </p:cNvPicPr>
+          <p:nvPr/>
+        </p:nvPicPr>
+        <p:blipFill>
+          <a:blip r:embed="rId5">
+            <a:extLst>
+              <a:ext uri="{28A0092B-C50C-407E-A947-70E740481C1C}">
+                <a14:useLocalDpi xmlns:a14="http://schemas.microsoft.com/office/drawing/2010/main" val="0"/>
+              </a:ext>
+            </a:extLst>
+          </a:blip>
+          <a:stretch>
+            <a:fillRect/>
+          </a:stretch>
+        </p:blipFill>
+        <p:spPr>
+          <a:xfrm>
+            <a:off x="-9191045" y="1172472"/>
+            <a:ext cx="8153034" cy="4586081"/>
+          </a:xfrm>
+          <a:prstGeom prst="rect">
+            <a:avLst/>
+          </a:prstGeom>
+        </p:spPr>
+      </p:pic>
+      <p:pic>
+        <p:nvPicPr>
+          <p:cNvPr id="22" name="Imagem 21" descr="Imagem de vídeo game&#10;&#10;Descrição gerada automaticamente com confiança baixa">
+            <a:extLst>
+              <a:ext uri="{FF2B5EF4-FFF2-40B4-BE49-F238E27FC236}">
+                <a16:creationId xmlns:a16="http://schemas.microsoft.com/office/drawing/2014/main" id="{7E0006F1-ABEB-5AC2-4607-86FEDE624470}"/>
+              </a:ext>
+            </a:extLst>
+          </p:cNvPr>
+          <p:cNvPicPr>
+            <a:picLocks noChangeAspect="1"/>
+          </p:cNvPicPr>
+          <p:nvPr/>
+        </p:nvPicPr>
+        <p:blipFill rotWithShape="1">
+          <a:blip r:embed="rId3">
+            <a:extLst>
+              <a:ext uri="{28A0092B-C50C-407E-A947-70E740481C1C}">
+                <a14:useLocalDpi xmlns:a14="http://schemas.microsoft.com/office/drawing/2010/main" val="0"/>
+              </a:ext>
+            </a:extLst>
+          </a:blip>
+          <a:srcRect t="54496" r="67021" b="30509"/>
+          <a:stretch/>
+        </p:blipFill>
+        <p:spPr>
+          <a:xfrm>
+            <a:off x="-41728" y="3293159"/>
+            <a:ext cx="4034545" cy="3590267"/>
+          </a:xfrm>
+          <a:prstGeom prst="rect">
+            <a:avLst/>
+          </a:prstGeom>
+        </p:spPr>
+      </p:pic>
+      <p:grpSp>
+        <p:nvGrpSpPr>
+          <p:cNvPr id="27" name="Agrupar 26">
+            <a:extLst>
+              <a:ext uri="{FF2B5EF4-FFF2-40B4-BE49-F238E27FC236}">
+                <a16:creationId xmlns:a16="http://schemas.microsoft.com/office/drawing/2014/main" id="{362E99B3-E4D5-9176-127B-C63AD3B6EA48}"/>
+              </a:ext>
+            </a:extLst>
+          </p:cNvPr>
+          <p:cNvGrpSpPr/>
+          <p:nvPr/>
+        </p:nvGrpSpPr>
+        <p:grpSpPr>
+          <a:xfrm>
+            <a:off x="12658854" y="0"/>
+            <a:ext cx="4176122" cy="3764606"/>
+            <a:chOff x="7101418" y="0"/>
+            <a:chExt cx="4176122" cy="3764606"/>
+          </a:xfrm>
+        </p:grpSpPr>
+        <p:pic>
+          <p:nvPicPr>
+            <p:cNvPr id="8" name="Imagem 7" descr="Forma, Quadrado&#10;&#10;Descrição gerada automaticamente">
+              <a:extLst>
+                <a:ext uri="{FF2B5EF4-FFF2-40B4-BE49-F238E27FC236}">
+                  <a16:creationId xmlns:a16="http://schemas.microsoft.com/office/drawing/2014/main" id="{5A8869A4-69E1-9936-A7B5-9381089C5F39}"/>
+                </a:ext>
+              </a:extLst>
+            </p:cNvPr>
+            <p:cNvPicPr>
+              <a:picLocks noChangeAspect="1"/>
+            </p:cNvPicPr>
+            <p:nvPr/>
+          </p:nvPicPr>
+          <p:blipFill>
+            <a:blip r:embed="rId6">
+              <a:extLst>
+                <a:ext uri="{28A0092B-C50C-407E-A947-70E740481C1C}">
+                  <a14:useLocalDpi xmlns:a14="http://schemas.microsoft.com/office/drawing/2010/main" val="0"/>
+                </a:ext>
+              </a:extLst>
+            </a:blip>
+            <a:stretch>
+              <a:fillRect/>
+            </a:stretch>
+          </p:blipFill>
+          <p:spPr>
+            <a:xfrm>
+              <a:off x="7101418" y="0"/>
+              <a:ext cx="4176122" cy="3764606"/>
+            </a:xfrm>
+            <a:prstGeom prst="rect">
+              <a:avLst/>
+            </a:prstGeom>
+          </p:spPr>
+        </p:pic>
+        <p:pic>
+          <p:nvPicPr>
+            <p:cNvPr id="25" name="Imagem 24" descr="Desenho de personagem de desenho animado&#10;&#10;Descrição gerada automaticamente com confiança média">
+              <a:extLst>
+                <a:ext uri="{FF2B5EF4-FFF2-40B4-BE49-F238E27FC236}">
+                  <a16:creationId xmlns:a16="http://schemas.microsoft.com/office/drawing/2014/main" id="{4D71D94F-FECB-E2AF-58F3-9629D7F59AF2}"/>
+                </a:ext>
+              </a:extLst>
+            </p:cNvPr>
+            <p:cNvPicPr>
+              <a:picLocks noChangeAspect="1"/>
+            </p:cNvPicPr>
+            <p:nvPr/>
+          </p:nvPicPr>
+          <p:blipFill>
+            <a:blip r:embed="rId7">
+              <a:extLst>
+                <a:ext uri="{28A0092B-C50C-407E-A947-70E740481C1C}">
+                  <a14:useLocalDpi xmlns:a14="http://schemas.microsoft.com/office/drawing/2010/main" val="0"/>
+                </a:ext>
+              </a:extLst>
+            </a:blip>
+            <a:stretch>
+              <a:fillRect/>
+            </a:stretch>
+          </p:blipFill>
+          <p:spPr>
+            <a:xfrm>
+              <a:off x="8199307" y="877606"/>
+              <a:ext cx="1983600" cy="1983600"/>
+            </a:xfrm>
+            <a:prstGeom prst="rect">
+              <a:avLst/>
+            </a:prstGeom>
+          </p:spPr>
+        </p:pic>
+      </p:grpSp>
+      <p:grpSp>
+        <p:nvGrpSpPr>
+          <p:cNvPr id="29" name="Agrupar 28">
+            <a:extLst>
+              <a:ext uri="{FF2B5EF4-FFF2-40B4-BE49-F238E27FC236}">
+                <a16:creationId xmlns:a16="http://schemas.microsoft.com/office/drawing/2014/main" id="{8F023FE7-AFD2-1A45-86BB-8C99C2207809}"/>
+              </a:ext>
+            </a:extLst>
+          </p:cNvPr>
+          <p:cNvGrpSpPr/>
+          <p:nvPr/>
+        </p:nvGrpSpPr>
+        <p:grpSpPr>
+          <a:xfrm>
+            <a:off x="-4411729" y="0"/>
+            <a:ext cx="4176122" cy="3764606"/>
+            <a:chOff x="912416" y="0"/>
+            <a:chExt cx="4176122" cy="3764606"/>
+          </a:xfrm>
+        </p:grpSpPr>
+        <p:pic>
+          <p:nvPicPr>
+            <p:cNvPr id="31" name="Imagem 30" descr="Forma, Quadrado&#10;&#10;Descrição gerada automaticamente">
+              <a:extLst>
+                <a:ext uri="{FF2B5EF4-FFF2-40B4-BE49-F238E27FC236}">
+                  <a16:creationId xmlns:a16="http://schemas.microsoft.com/office/drawing/2014/main" id="{32FAEF66-55F7-466B-4456-3B0E3C9D58C7}"/>
+                </a:ext>
+              </a:extLst>
+            </p:cNvPr>
+            <p:cNvPicPr>
+              <a:picLocks noChangeAspect="1"/>
+            </p:cNvPicPr>
+            <p:nvPr/>
+          </p:nvPicPr>
+          <p:blipFill>
+            <a:blip r:embed="rId6">
+              <a:extLst>
+                <a:ext uri="{28A0092B-C50C-407E-A947-70E740481C1C}">
+                  <a14:useLocalDpi xmlns:a14="http://schemas.microsoft.com/office/drawing/2010/main" val="0"/>
+                </a:ext>
+              </a:extLst>
+            </a:blip>
+            <a:stretch>
+              <a:fillRect/>
+            </a:stretch>
+          </p:blipFill>
+          <p:spPr>
+            <a:xfrm>
+              <a:off x="912416" y="0"/>
+              <a:ext cx="4176122" cy="3764606"/>
+            </a:xfrm>
+            <a:prstGeom prst="rect">
+              <a:avLst/>
+            </a:prstGeom>
+          </p:spPr>
+        </p:pic>
+        <p:pic>
+          <p:nvPicPr>
+            <p:cNvPr id="32" name="Imagem 31" descr="Desenho de rosto de pessoa visto de perto&#10;&#10;Descrição gerada automaticamente com confiança média">
+              <a:extLst>
+                <a:ext uri="{FF2B5EF4-FFF2-40B4-BE49-F238E27FC236}">
+                  <a16:creationId xmlns:a16="http://schemas.microsoft.com/office/drawing/2014/main" id="{838213C7-18A0-D3A7-F278-B5918D2E0B9D}"/>
+                </a:ext>
+              </a:extLst>
+            </p:cNvPr>
+            <p:cNvPicPr>
+              <a:picLocks noChangeAspect="1"/>
+            </p:cNvPicPr>
+            <p:nvPr/>
+          </p:nvPicPr>
+          <p:blipFill>
+            <a:blip r:embed="rId8">
+              <a:extLst>
+                <a:ext uri="{28A0092B-C50C-407E-A947-70E740481C1C}">
+                  <a14:useLocalDpi xmlns:a14="http://schemas.microsoft.com/office/drawing/2010/main" val="0"/>
+                </a:ext>
+              </a:extLst>
+            </a:blip>
+            <a:stretch>
+              <a:fillRect/>
+            </a:stretch>
+          </p:blipFill>
+          <p:spPr>
+            <a:xfrm>
+              <a:off x="2009093" y="877606"/>
+              <a:ext cx="1983724" cy="1983724"/>
+            </a:xfrm>
+            <a:prstGeom prst="rect">
+              <a:avLst/>
+            </a:prstGeom>
+          </p:spPr>
+        </p:pic>
+      </p:grpSp>
+      <p:sp>
+        <p:nvSpPr>
+          <p:cNvPr id="33" name="Espaço Reservado para Número de Slide 32">
+            <a:extLst>
+              <a:ext uri="{FF2B5EF4-FFF2-40B4-BE49-F238E27FC236}">
+                <a16:creationId xmlns:a16="http://schemas.microsoft.com/office/drawing/2014/main" id="{984FA346-1E9B-A72F-FD05-A70D502239AE}"/>
+              </a:ext>
+            </a:extLst>
+          </p:cNvPr>
+          <p:cNvSpPr>
+            <a:spLocks noGrp="1"/>
+          </p:cNvSpPr>
+          <p:nvPr>
+            <p:ph type="sldNum" sz="quarter" idx="12"/>
+          </p:nvPr>
+        </p:nvSpPr>
+        <p:spPr>
+          <a:xfrm>
+            <a:off x="10334625" y="6348452"/>
+            <a:ext cx="1662774" cy="365125"/>
+          </a:xfrm>
+        </p:spPr>
+        <p:txBody>
+          <a:bodyPr/>
+          <a:lstStyle/>
+          <a:p>
+            <a:fld id="{3CCB0E57-07C7-4201-932D-E8A25CD1446D}" type="slidenum">
+              <a:rPr lang="pt-BR" sz="4000" smtClean="0">
+                <a:solidFill>
+                  <a:srgbClr val="FFC000"/>
+                </a:solidFill>
+                <a:latin typeface="Stardew Valley" pitchFamily="2" charset="0"/>
+              </a:rPr>
+              <a:t>3</a:t>
+            </a:fld>
+            <a:endParaRPr lang="pt-BR" dirty="0">
+              <a:solidFill>
+                <a:srgbClr val="FFC000"/>
+              </a:solidFill>
+              <a:latin typeface="Stardew Valley" pitchFamily="2" charset="0"/>
+            </a:endParaRPr>
+          </a:p>
+        </p:txBody>
+      </p:sp>
+      <p:pic>
+        <p:nvPicPr>
+          <p:cNvPr id="34" name="Imagem 33" descr="Uma imagem contendo Ícone&#10;&#10;Descrição gerada automaticamente">
+            <a:extLst>
+              <a:ext uri="{FF2B5EF4-FFF2-40B4-BE49-F238E27FC236}">
+                <a16:creationId xmlns:a16="http://schemas.microsoft.com/office/drawing/2014/main" id="{B1EE9250-548B-AB66-EEA4-4DEB5864033B}"/>
+              </a:ext>
+            </a:extLst>
+          </p:cNvPr>
+          <p:cNvPicPr>
+            <a:picLocks noChangeAspect="1"/>
+          </p:cNvPicPr>
+          <p:nvPr/>
+        </p:nvPicPr>
+        <p:blipFill>
+          <a:blip r:embed="rId9">
+            <a:extLst>
+              <a:ext uri="{28A0092B-C50C-407E-A947-70E740481C1C}">
+                <a14:useLocalDpi xmlns:a14="http://schemas.microsoft.com/office/drawing/2010/main" val="0"/>
+              </a:ext>
+            </a:extLst>
+          </a:blip>
+          <a:stretch>
+            <a:fillRect/>
+          </a:stretch>
+        </p:blipFill>
+        <p:spPr>
+          <a:xfrm>
+            <a:off x="10848661" y="7874642"/>
+            <a:ext cx="1567204" cy="1567204"/>
+          </a:xfrm>
+          <a:prstGeom prst="rect">
+            <a:avLst/>
+          </a:prstGeom>
+        </p:spPr>
+      </p:pic>
+      <p:grpSp>
+        <p:nvGrpSpPr>
+          <p:cNvPr id="39" name="Agrupar 38">
+            <a:extLst>
+              <a:ext uri="{FF2B5EF4-FFF2-40B4-BE49-F238E27FC236}">
+                <a16:creationId xmlns:a16="http://schemas.microsoft.com/office/drawing/2014/main" id="{31462B8C-05A7-8ED5-AA87-C8B75DF4FC76}"/>
+              </a:ext>
+            </a:extLst>
+          </p:cNvPr>
+          <p:cNvGrpSpPr/>
+          <p:nvPr/>
+        </p:nvGrpSpPr>
+        <p:grpSpPr>
+          <a:xfrm>
+            <a:off x="15021341" y="3093394"/>
+            <a:ext cx="4176122" cy="3764606"/>
+            <a:chOff x="7102441" y="3093394"/>
+            <a:chExt cx="4176122" cy="3764606"/>
+          </a:xfrm>
+        </p:grpSpPr>
+        <p:pic>
+          <p:nvPicPr>
+            <p:cNvPr id="10" name="Imagem 9" descr="Forma, Quadrado&#10;&#10;Descrição gerada automaticamente">
+              <a:extLst>
+                <a:ext uri="{FF2B5EF4-FFF2-40B4-BE49-F238E27FC236}">
+                  <a16:creationId xmlns:a16="http://schemas.microsoft.com/office/drawing/2014/main" id="{A4E4422C-6143-CC74-86CE-4F9F1973B7B5}"/>
+                </a:ext>
+              </a:extLst>
+            </p:cNvPr>
+            <p:cNvPicPr>
+              <a:picLocks noChangeAspect="1"/>
+            </p:cNvPicPr>
+            <p:nvPr/>
+          </p:nvPicPr>
+          <p:blipFill>
+            <a:blip r:embed="rId6">
+              <a:extLst>
+                <a:ext uri="{28A0092B-C50C-407E-A947-70E740481C1C}">
+                  <a14:useLocalDpi xmlns:a14="http://schemas.microsoft.com/office/drawing/2010/main" val="0"/>
+                </a:ext>
+              </a:extLst>
+            </a:blip>
+            <a:stretch>
+              <a:fillRect/>
+            </a:stretch>
+          </p:blipFill>
+          <p:spPr>
+            <a:xfrm>
+              <a:off x="7102441" y="3093394"/>
+              <a:ext cx="4176122" cy="3764606"/>
+            </a:xfrm>
+            <a:prstGeom prst="rect">
+              <a:avLst/>
+            </a:prstGeom>
+          </p:spPr>
+        </p:pic>
+        <p:pic>
+          <p:nvPicPr>
+            <p:cNvPr id="37" name="Imagem 36" descr="Desenho de rosto de pessoa visto de perto&#10;&#10;Descrição gerada automaticamente com confiança média">
+              <a:extLst>
+                <a:ext uri="{FF2B5EF4-FFF2-40B4-BE49-F238E27FC236}">
+                  <a16:creationId xmlns:a16="http://schemas.microsoft.com/office/drawing/2014/main" id="{3E68D675-626D-7B16-FD37-C432345E420F}"/>
+                </a:ext>
+              </a:extLst>
+            </p:cNvPr>
+            <p:cNvPicPr>
+              <a:picLocks noChangeAspect="1"/>
+            </p:cNvPicPr>
+            <p:nvPr/>
+          </p:nvPicPr>
+          <p:blipFill>
+            <a:blip r:embed="rId10">
+              <a:extLst>
+                <a:ext uri="{28A0092B-C50C-407E-A947-70E740481C1C}">
+                  <a14:useLocalDpi xmlns:a14="http://schemas.microsoft.com/office/drawing/2010/main" val="0"/>
+                </a:ext>
+              </a:extLst>
+            </a:blip>
+            <a:stretch>
+              <a:fillRect/>
+            </a:stretch>
+          </p:blipFill>
+          <p:spPr>
+            <a:xfrm>
+              <a:off x="8168586" y="3932900"/>
+              <a:ext cx="1983600" cy="1983600"/>
+            </a:xfrm>
+            <a:prstGeom prst="rect">
+              <a:avLst/>
+            </a:prstGeom>
+          </p:spPr>
+        </p:pic>
+      </p:grpSp>
+      <p:pic>
+        <p:nvPicPr>
+          <p:cNvPr id="40" name="Imagem 39">
+            <a:extLst>
+              <a:ext uri="{FF2B5EF4-FFF2-40B4-BE49-F238E27FC236}">
+                <a16:creationId xmlns:a16="http://schemas.microsoft.com/office/drawing/2014/main" id="{2E84FE14-2951-17F6-B2F3-2B0680B5A43D}"/>
+              </a:ext>
+            </a:extLst>
+          </p:cNvPr>
+          <p:cNvPicPr>
+            <a:picLocks noChangeAspect="1"/>
+          </p:cNvPicPr>
+          <p:nvPr/>
+        </p:nvPicPr>
+        <p:blipFill>
+          <a:blip r:embed="rId11">
+            <a:extLst>
+              <a:ext uri="{BEBA8EAE-BF5A-486C-A8C5-ECC9F3942E4B}">
+                <a14:imgProps xmlns:a14="http://schemas.microsoft.com/office/drawing/2010/main">
+                  <a14:imgLayer r:embed="rId12">
+                    <a14:imgEffect>
+                      <a14:backgroundRemoval t="3498" b="95707" l="1987" r="98297">
+                        <a14:foregroundMark x1="4613" y1="91892" x2="7381" y2="21781"/>
+                        <a14:foregroundMark x1="7381" y1="21781" x2="21576" y2="13831"/>
+                        <a14:foregroundMark x1="21576" y1="13831" x2="85877" y2="15103"/>
+                        <a14:foregroundMark x1="85877" y1="15103" x2="92690" y2="32432"/>
+                        <a14:foregroundMark x1="92690" y1="32432" x2="89283" y2="89507"/>
+                        <a14:foregroundMark x1="89283" y1="89507" x2="4826" y2="89825"/>
+                        <a14:foregroundMark x1="4613" y1="5087" x2="61178" y2="5723"/>
+                        <a14:foregroundMark x1="61178" y1="5723" x2="94038" y2="4293"/>
+                        <a14:foregroundMark x1="94038" y1="4293" x2="95529" y2="4293"/>
+                        <a14:foregroundMark x1="68843" y1="3498" x2="95316" y2="3975"/>
+                        <a14:foregroundMark x1="4045" y1="93641" x2="31370" y2="96343"/>
+                        <a14:foregroundMark x1="97729" y1="93641" x2="97729" y2="93641"/>
+                        <a14:foregroundMark x1="97232" y1="93164" x2="97232" y2="93164"/>
+                        <a14:foregroundMark x1="97445" y1="94913" x2="97516" y2="91574"/>
+                        <a14:foregroundMark x1="97871" y1="95866" x2="98297" y2="92051"/>
+                        <a14:foregroundMark x1="98013" y1="90302" x2="97729" y2="87758"/>
+                        <a14:foregroundMark x1="2484" y1="95072" x2="2910" y2="94913"/>
+                        <a14:foregroundMark x1="1987" y1="93641" x2="2697" y2="94913"/>
+                        <a14:foregroundMark x1="2342" y1="92846" x2="3052" y2="95072"/>
+                        <a14:foregroundMark x1="2768" y1="91892" x2="2768" y2="89348"/>
+                        <a14:foregroundMark x1="2271" y1="91892" x2="2768" y2="89030"/>
+                        <a14:foregroundMark x1="2342" y1="89825" x2="2555" y2="88076"/>
+                        <a14:foregroundMark x1="2555" y1="86010" x2="2555" y2="86010"/>
+                        <a14:foregroundMark x1="2555" y1="84579" x2="2555" y2="84579"/>
+                        <a14:foregroundMark x1="2484" y1="85533" x2="2555" y2="88553"/>
+                        <a14:foregroundMark x1="97516" y1="9857" x2="97729" y2="22893"/>
+                        <a14:foregroundMark x1="97729" y1="22893" x2="97658" y2="23370"/>
+                        <a14:foregroundMark x1="97670" y1="26550" x2="97729" y2="37202"/>
+                        <a14:foregroundMark x1="97658" y1="24324" x2="97670" y2="26550"/>
+                        <a14:foregroundMark x1="97516" y1="41176" x2="97729" y2="62480"/>
+                        <a14:foregroundMark x1="2484" y1="8744" x2="2484" y2="7790"/>
+                        <a14:foregroundMark x1="2484" y1="9857" x2="2484" y2="8744"/>
+                        <a14:foregroundMark x1="2484" y1="13037" x2="2484" y2="9857"/>
+                        <a14:foregroundMark x1="2555" y1="13037" x2="2910" y2="10811"/>
+                        <a14:backgroundMark x1="639" y1="16375" x2="994" y2="50874"/>
+                        <a14:backgroundMark x1="3265" y1="9857" x2="3265" y2="9857"/>
+                        <a14:backgroundMark x1="97374" y1="24483" x2="97374" y2="24483"/>
+                        <a14:backgroundMark x1="97303" y1="26550" x2="97303" y2="26550"/>
+                        <a14:backgroundMark x1="97303" y1="23370" x2="97303" y2="23370"/>
+                        <a14:backgroundMark x1="97374" y1="66773" x2="97374" y2="66773"/>
+                        <a14:backgroundMark x1="96735" y1="4134" x2="96735" y2="4134"/>
+                        <a14:backgroundMark x1="3478" y1="8744" x2="3478" y2="8744"/>
+                      </a14:backgroundRemoval>
+                    </a14:imgEffect>
+                  </a14:imgLayer>
+                </a14:imgProps>
+              </a:ext>
+            </a:extLst>
+          </a:blip>
+          <a:stretch>
+            <a:fillRect/>
+          </a:stretch>
+        </p:blipFill>
+        <p:spPr>
+          <a:xfrm>
+            <a:off x="2526244" y="-4086279"/>
+            <a:ext cx="7139513" cy="3187192"/>
+          </a:xfrm>
+          <a:prstGeom prst="rect">
+            <a:avLst/>
+          </a:prstGeom>
+        </p:spPr>
+      </p:pic>
+      <p:pic>
+        <p:nvPicPr>
+          <p:cNvPr id="41" name="Imagem 40">
+            <a:extLst>
+              <a:ext uri="{FF2B5EF4-FFF2-40B4-BE49-F238E27FC236}">
+                <a16:creationId xmlns:a16="http://schemas.microsoft.com/office/drawing/2014/main" id="{8FD84295-42A6-3510-F0C1-53450A1DB555}"/>
+              </a:ext>
+            </a:extLst>
+          </p:cNvPr>
+          <p:cNvPicPr>
+            <a:picLocks noChangeAspect="1"/>
+          </p:cNvPicPr>
+          <p:nvPr/>
+        </p:nvPicPr>
+        <p:blipFill>
+          <a:blip r:embed="rId13"/>
+          <a:stretch>
+            <a:fillRect/>
+          </a:stretch>
+        </p:blipFill>
+        <p:spPr>
+          <a:xfrm>
+            <a:off x="4075001" y="-6641180"/>
+            <a:ext cx="4041998" cy="3231160"/>
+          </a:xfrm>
+          <a:prstGeom prst="rect">
+            <a:avLst/>
+          </a:prstGeom>
+        </p:spPr>
+      </p:pic>
+      <p:grpSp>
+        <p:nvGrpSpPr>
+          <p:cNvPr id="45" name="Agrupar 44">
+            <a:extLst>
+              <a:ext uri="{FF2B5EF4-FFF2-40B4-BE49-F238E27FC236}">
+                <a16:creationId xmlns:a16="http://schemas.microsoft.com/office/drawing/2014/main" id="{30F08AED-383E-A482-4CCA-15B365F1B9F7}"/>
+              </a:ext>
+            </a:extLst>
+          </p:cNvPr>
+          <p:cNvGrpSpPr/>
+          <p:nvPr/>
+        </p:nvGrpSpPr>
+        <p:grpSpPr>
+          <a:xfrm>
+            <a:off x="-6916684" y="3093394"/>
+            <a:ext cx="4176122" cy="3764606"/>
+            <a:chOff x="913439" y="3093394"/>
+            <a:chExt cx="4176122" cy="3764606"/>
+          </a:xfrm>
+        </p:grpSpPr>
+        <p:pic>
+          <p:nvPicPr>
+            <p:cNvPr id="9" name="Imagem 8" descr="Forma, Quadrado&#10;&#10;Descrição gerada automaticamente">
+              <a:extLst>
+                <a:ext uri="{FF2B5EF4-FFF2-40B4-BE49-F238E27FC236}">
+                  <a16:creationId xmlns:a16="http://schemas.microsoft.com/office/drawing/2014/main" id="{0F4D93FF-EA1D-285E-6EB5-5AD7B0C55FF3}"/>
+                </a:ext>
+              </a:extLst>
+            </p:cNvPr>
+            <p:cNvPicPr>
+              <a:picLocks noChangeAspect="1"/>
+            </p:cNvPicPr>
+            <p:nvPr/>
+          </p:nvPicPr>
+          <p:blipFill>
+            <a:blip r:embed="rId6">
+              <a:extLst>
+                <a:ext uri="{28A0092B-C50C-407E-A947-70E740481C1C}">
+                  <a14:useLocalDpi xmlns:a14="http://schemas.microsoft.com/office/drawing/2010/main" val="0"/>
+                </a:ext>
+              </a:extLst>
+            </a:blip>
+            <a:stretch>
+              <a:fillRect/>
+            </a:stretch>
+          </p:blipFill>
+          <p:spPr>
+            <a:xfrm>
+              <a:off x="913439" y="3093394"/>
+              <a:ext cx="4176122" cy="3764606"/>
+            </a:xfrm>
+            <a:prstGeom prst="rect">
+              <a:avLst/>
+            </a:prstGeom>
+          </p:spPr>
+        </p:pic>
+        <p:pic>
+          <p:nvPicPr>
+            <p:cNvPr id="43" name="Imagem 42" descr="Desenho de rosto de pessoa&#10;&#10;Descrição gerada automaticamente com confiança média">
+              <a:extLst>
+                <a:ext uri="{FF2B5EF4-FFF2-40B4-BE49-F238E27FC236}">
+                  <a16:creationId xmlns:a16="http://schemas.microsoft.com/office/drawing/2014/main" id="{7D58D96B-ABB3-71FB-7FFD-927F768F7E51}"/>
+                </a:ext>
+              </a:extLst>
+            </p:cNvPr>
+            <p:cNvPicPr>
+              <a:picLocks noChangeAspect="1"/>
+            </p:cNvPicPr>
+            <p:nvPr/>
+          </p:nvPicPr>
+          <p:blipFill>
+            <a:blip r:embed="rId14">
+              <a:extLst>
+                <a:ext uri="{28A0092B-C50C-407E-A947-70E740481C1C}">
+                  <a14:useLocalDpi xmlns:a14="http://schemas.microsoft.com/office/drawing/2010/main" val="0"/>
+                </a:ext>
+              </a:extLst>
+            </a:blip>
+            <a:stretch>
+              <a:fillRect/>
+            </a:stretch>
+          </p:blipFill>
+          <p:spPr>
+            <a:xfrm>
+              <a:off x="2009155" y="3952819"/>
+              <a:ext cx="1983600" cy="1983600"/>
+            </a:xfrm>
+            <a:prstGeom prst="rect">
+              <a:avLst/>
+            </a:prstGeom>
+          </p:spPr>
+        </p:pic>
+      </p:grpSp>
+      <p:sp>
+        <p:nvSpPr>
+          <p:cNvPr id="2" name="CaixaDeTexto 1">
+            <a:extLst>
+              <a:ext uri="{FF2B5EF4-FFF2-40B4-BE49-F238E27FC236}">
+                <a16:creationId xmlns:a16="http://schemas.microsoft.com/office/drawing/2014/main" id="{E14EA596-6C53-0D0D-7CEA-BEDE3DD74253}"/>
+              </a:ext>
+            </a:extLst>
+          </p:cNvPr>
+          <p:cNvSpPr txBox="1"/>
+          <p:nvPr/>
+        </p:nvSpPr>
+        <p:spPr>
+          <a:xfrm>
+            <a:off x="-10945103" y="2690789"/>
+            <a:ext cx="5886450" cy="2031325"/>
+          </a:xfrm>
+          <a:prstGeom prst="rect">
+            <a:avLst/>
+          </a:prstGeom>
+          <a:noFill/>
+        </p:spPr>
+        <p:txBody>
+          <a:bodyPr wrap="square" rtlCol="0">
+            <a:spAutoFit/>
+          </a:bodyPr>
+          <a:lstStyle/>
+          <a:p>
+            <a:pPr algn="ctr"/>
+            <a:r>
+              <a:rPr lang="pt-BR" b="0" i="0" dirty="0">
+                <a:solidFill>
+                  <a:schemeClr val="accent2">
+                    <a:lumMod val="50000"/>
+                  </a:schemeClr>
+                </a:solidFill>
+                <a:effectLst/>
+                <a:latin typeface="Amasis MT Pro Medium" panose="02040604050005020304" pitchFamily="18" charset="0"/>
+              </a:rPr>
+              <a:t>No mundo dos bichos, João é um coelho fazendeiro que herdou uma pequena fazenda de seu bisavô. Após tentativas frustradas de tentar a vida no ramo da compra e venda de bitcoins, João busca uma vida tranquila, na qual todos os dias ele planta e colhe seus vegetais e, no fim do dia, negocia-os com o mercador para conseguir o dinheiro para se manter!</a:t>
+            </a:r>
+            <a:endParaRPr lang="pt-BR" dirty="0">
+              <a:solidFill>
+                <a:schemeClr val="accent2">
+                  <a:lumMod val="50000"/>
+                </a:schemeClr>
+              </a:solidFill>
+              <a:latin typeface="Amasis MT Pro Medium" panose="02040604050005020304" pitchFamily="18" charset="0"/>
+            </a:endParaRPr>
+          </a:p>
+        </p:txBody>
+      </p:sp>
+      <p:pic>
+        <p:nvPicPr>
+          <p:cNvPr id="3" name="Imagem 2" descr="Forma, Quadrado&#10;&#10;Descrição gerada automaticamente">
+            <a:extLst>
+              <a:ext uri="{FF2B5EF4-FFF2-40B4-BE49-F238E27FC236}">
+                <a16:creationId xmlns:a16="http://schemas.microsoft.com/office/drawing/2014/main" id="{C263475A-2B4A-1A51-B9C3-4BC017EE0247}"/>
+              </a:ext>
+            </a:extLst>
+          </p:cNvPr>
+          <p:cNvPicPr>
+            <a:picLocks noChangeAspect="1"/>
+          </p:cNvPicPr>
+          <p:nvPr/>
+        </p:nvPicPr>
+        <p:blipFill rotWithShape="1">
+          <a:blip r:embed="rId6">
+            <a:extLst>
+              <a:ext uri="{28A0092B-C50C-407E-A947-70E740481C1C}">
+                <a14:useLocalDpi xmlns:a14="http://schemas.microsoft.com/office/drawing/2010/main" val="0"/>
+              </a:ext>
+            </a:extLst>
+          </a:blip>
+          <a:srcRect l="28332" t="80043" r="29586" b="11288"/>
+          <a:stretch/>
+        </p:blipFill>
+        <p:spPr>
+          <a:xfrm>
+            <a:off x="-9058598" y="1505527"/>
+            <a:ext cx="3480398" cy="646331"/>
+          </a:xfrm>
+          <a:prstGeom prst="rect">
+            <a:avLst/>
+          </a:prstGeom>
+          <a:effectLst>
+            <a:outerShdw blurRad="50800" dist="38100" dir="2700000" algn="tl" rotWithShape="0">
+              <a:prstClr val="black">
+                <a:alpha val="40000"/>
+              </a:prstClr>
+            </a:outerShdw>
+          </a:effectLst>
+        </p:spPr>
+      </p:pic>
+      <p:pic>
+        <p:nvPicPr>
+          <p:cNvPr id="7" name="Imagem 6" descr="Tela de vídeo game&#10;&#10;Descrição gerada automaticamente">
+            <a:extLst>
+              <a:ext uri="{FF2B5EF4-FFF2-40B4-BE49-F238E27FC236}">
+                <a16:creationId xmlns:a16="http://schemas.microsoft.com/office/drawing/2014/main" id="{342B3C93-8113-A314-97E4-395758FCAC15}"/>
+              </a:ext>
+            </a:extLst>
+          </p:cNvPr>
+          <p:cNvPicPr>
+            <a:picLocks noChangeAspect="1"/>
+          </p:cNvPicPr>
+          <p:nvPr/>
+        </p:nvPicPr>
+        <p:blipFill>
+          <a:blip r:embed="rId15">
+            <a:extLst>
+              <a:ext uri="{28A0092B-C50C-407E-A947-70E740481C1C}">
+                <a14:useLocalDpi xmlns:a14="http://schemas.microsoft.com/office/drawing/2010/main" val="0"/>
+              </a:ext>
+            </a:extLst>
+          </a:blip>
+          <a:stretch>
+            <a:fillRect/>
+          </a:stretch>
+        </p:blipFill>
+        <p:spPr>
+          <a:xfrm>
+            <a:off x="13651637" y="2570929"/>
+            <a:ext cx="2696594" cy="2696594"/>
+          </a:xfrm>
+          <a:prstGeom prst="rect">
+            <a:avLst/>
+          </a:prstGeom>
+        </p:spPr>
+      </p:pic>
+      <p:pic>
+        <p:nvPicPr>
+          <p:cNvPr id="13" name="Imagem 12" descr="Desenho com traços pretos em fundo branco&#10;&#10;Descrição gerada automaticamente com confiança baixa">
+            <a:extLst>
+              <a:ext uri="{FF2B5EF4-FFF2-40B4-BE49-F238E27FC236}">
+                <a16:creationId xmlns:a16="http://schemas.microsoft.com/office/drawing/2014/main" id="{0A296ECD-6646-AC63-9E0C-06D2D673A230}"/>
+              </a:ext>
+            </a:extLst>
+          </p:cNvPr>
+          <p:cNvPicPr>
+            <a:picLocks noChangeAspect="1"/>
+          </p:cNvPicPr>
+          <p:nvPr/>
+        </p:nvPicPr>
+        <p:blipFill rotWithShape="1">
+          <a:blip r:embed="rId16">
+            <a:extLst>
+              <a:ext uri="{28A0092B-C50C-407E-A947-70E740481C1C}">
+                <a14:useLocalDpi xmlns:a14="http://schemas.microsoft.com/office/drawing/2010/main" val="0"/>
+              </a:ext>
+            </a:extLst>
+          </a:blip>
+          <a:srcRect l="31497" t="26592" r="32010" b="18722"/>
+          <a:stretch/>
+        </p:blipFill>
+        <p:spPr>
+          <a:xfrm>
+            <a:off x="16003031" y="3100249"/>
+            <a:ext cx="1535126" cy="1658459"/>
+          </a:xfrm>
+          <a:prstGeom prst="rect">
+            <a:avLst/>
+          </a:prstGeom>
+        </p:spPr>
+      </p:pic>
+      <p:pic>
+        <p:nvPicPr>
+          <p:cNvPr id="14" name="Imagem 13" descr="Desenho de rosto de pessoa visto de perto&#10;&#10;Descrição gerada automaticamente com confiança média">
+            <a:extLst>
+              <a:ext uri="{FF2B5EF4-FFF2-40B4-BE49-F238E27FC236}">
+                <a16:creationId xmlns:a16="http://schemas.microsoft.com/office/drawing/2014/main" id="{D8CC813C-DA6B-51A9-A51A-47D6988FF08F}"/>
+              </a:ext>
+            </a:extLst>
+          </p:cNvPr>
+          <p:cNvPicPr>
+            <a:picLocks noChangeAspect="1"/>
+          </p:cNvPicPr>
+          <p:nvPr/>
+        </p:nvPicPr>
+        <p:blipFill>
+          <a:blip r:embed="rId8">
+            <a:extLst>
+              <a:ext uri="{28A0092B-C50C-407E-A947-70E740481C1C}">
+                <a14:useLocalDpi xmlns:a14="http://schemas.microsoft.com/office/drawing/2010/main" val="0"/>
+              </a:ext>
+            </a:extLst>
+          </a:blip>
+          <a:stretch>
+            <a:fillRect/>
+          </a:stretch>
+        </p:blipFill>
+        <p:spPr>
+          <a:xfrm>
+            <a:off x="-93652" y="7598426"/>
+            <a:ext cx="1983724" cy="1983724"/>
+          </a:xfrm>
+          <a:prstGeom prst="rect">
+            <a:avLst/>
+          </a:prstGeom>
+        </p:spPr>
+      </p:pic>
+      <p:pic>
+        <p:nvPicPr>
+          <p:cNvPr id="15" name="Imagem 14">
+            <a:extLst>
+              <a:ext uri="{FF2B5EF4-FFF2-40B4-BE49-F238E27FC236}">
+                <a16:creationId xmlns:a16="http://schemas.microsoft.com/office/drawing/2014/main" id="{C06C9B9F-D070-ED42-31EC-F9DA950AC269}"/>
+              </a:ext>
+            </a:extLst>
+          </p:cNvPr>
+          <p:cNvPicPr>
+            <a:picLocks noChangeAspect="1"/>
+          </p:cNvPicPr>
+          <p:nvPr/>
+        </p:nvPicPr>
+        <p:blipFill>
+          <a:blip r:embed="rId17"/>
+          <a:stretch>
+            <a:fillRect/>
+          </a:stretch>
+        </p:blipFill>
+        <p:spPr>
+          <a:xfrm>
+            <a:off x="-10466665" y="1416474"/>
+            <a:ext cx="2743438" cy="1030313"/>
+          </a:xfrm>
+          <a:prstGeom prst="rect">
+            <a:avLst/>
+          </a:prstGeom>
+        </p:spPr>
+      </p:pic>
+      <p:pic>
+        <p:nvPicPr>
+          <p:cNvPr id="16" name="Imagem 15">
+            <a:extLst>
+              <a:ext uri="{FF2B5EF4-FFF2-40B4-BE49-F238E27FC236}">
+                <a16:creationId xmlns:a16="http://schemas.microsoft.com/office/drawing/2014/main" id="{DEBB156D-A619-41EF-11C7-AABC27760326}"/>
+              </a:ext>
+            </a:extLst>
+          </p:cNvPr>
+          <p:cNvPicPr>
+            <a:picLocks noChangeAspect="1"/>
+          </p:cNvPicPr>
+          <p:nvPr/>
+        </p:nvPicPr>
+        <p:blipFill>
+          <a:blip r:embed="rId18"/>
+          <a:stretch>
+            <a:fillRect/>
+          </a:stretch>
+        </p:blipFill>
+        <p:spPr>
+          <a:xfrm>
+            <a:off x="-3189212" y="2953490"/>
+            <a:ext cx="1828959" cy="493819"/>
+          </a:xfrm>
+          <a:prstGeom prst="rect">
+            <a:avLst/>
+          </a:prstGeom>
+        </p:spPr>
+      </p:pic>
+      <p:pic>
+        <p:nvPicPr>
+          <p:cNvPr id="17" name="Imagem 16">
+            <a:extLst>
+              <a:ext uri="{FF2B5EF4-FFF2-40B4-BE49-F238E27FC236}">
+                <a16:creationId xmlns:a16="http://schemas.microsoft.com/office/drawing/2014/main" id="{8A1CF512-68FC-C0FA-8394-A40A5FF1B58F}"/>
+              </a:ext>
+            </a:extLst>
+          </p:cNvPr>
+          <p:cNvPicPr>
+            <a:picLocks noChangeAspect="1"/>
+          </p:cNvPicPr>
+          <p:nvPr/>
+        </p:nvPicPr>
+        <p:blipFill>
+          <a:blip r:embed="rId19"/>
+          <a:stretch>
+            <a:fillRect/>
+          </a:stretch>
+        </p:blipFill>
+        <p:spPr>
+          <a:xfrm>
+            <a:off x="-5765293" y="6060908"/>
+            <a:ext cx="1810669" cy="499915"/>
+          </a:xfrm>
+          <a:prstGeom prst="rect">
+            <a:avLst/>
+          </a:prstGeom>
+        </p:spPr>
+      </p:pic>
+      <p:pic>
+        <p:nvPicPr>
+          <p:cNvPr id="18" name="Imagem 17">
+            <a:extLst>
+              <a:ext uri="{FF2B5EF4-FFF2-40B4-BE49-F238E27FC236}">
+                <a16:creationId xmlns:a16="http://schemas.microsoft.com/office/drawing/2014/main" id="{76D26777-2B41-7C94-A8C7-F75292DBAC2E}"/>
+              </a:ext>
+            </a:extLst>
+          </p:cNvPr>
+          <p:cNvPicPr>
+            <a:picLocks noChangeAspect="1"/>
+          </p:cNvPicPr>
+          <p:nvPr/>
+        </p:nvPicPr>
+        <p:blipFill>
+          <a:blip r:embed="rId20"/>
+          <a:stretch>
+            <a:fillRect/>
+          </a:stretch>
+        </p:blipFill>
+        <p:spPr>
+          <a:xfrm>
+            <a:off x="13983190" y="2950441"/>
+            <a:ext cx="1469263" cy="499915"/>
+          </a:xfrm>
+          <a:prstGeom prst="rect">
+            <a:avLst/>
+          </a:prstGeom>
+        </p:spPr>
+      </p:pic>
+      <p:pic>
+        <p:nvPicPr>
+          <p:cNvPr id="19" name="Imagem 18">
+            <a:extLst>
+              <a:ext uri="{FF2B5EF4-FFF2-40B4-BE49-F238E27FC236}">
+                <a16:creationId xmlns:a16="http://schemas.microsoft.com/office/drawing/2014/main" id="{157FC35D-43D4-F6D0-56BC-9D8235EC9883}"/>
+              </a:ext>
+            </a:extLst>
+          </p:cNvPr>
+          <p:cNvPicPr>
+            <a:picLocks noChangeAspect="1"/>
+          </p:cNvPicPr>
+          <p:nvPr/>
+        </p:nvPicPr>
+        <p:blipFill>
+          <a:blip r:embed="rId21"/>
+          <a:stretch>
+            <a:fillRect/>
+          </a:stretch>
+        </p:blipFill>
+        <p:spPr>
+          <a:xfrm>
+            <a:off x="16373747" y="6010203"/>
+            <a:ext cx="1469263" cy="499915"/>
+          </a:xfrm>
+          <a:prstGeom prst="rect">
+            <a:avLst/>
+          </a:prstGeom>
+        </p:spPr>
+      </p:pic>
+      <p:pic>
+        <p:nvPicPr>
+          <p:cNvPr id="26" name="Picture 2" descr="Pixel Keyboard Keys - for UI by Dream Mix">
+            <a:extLst>
+              <a:ext uri="{FF2B5EF4-FFF2-40B4-BE49-F238E27FC236}">
+                <a16:creationId xmlns:a16="http://schemas.microsoft.com/office/drawing/2014/main" id="{7E7B2B6E-E22D-2D22-254E-B3DAACB92E89}"/>
+              </a:ext>
+            </a:extLst>
+          </p:cNvPr>
+          <p:cNvPicPr>
+            <a:picLocks noChangeAspect="1" noChangeArrowheads="1"/>
+          </p:cNvPicPr>
+          <p:nvPr/>
+        </p:nvPicPr>
+        <p:blipFill rotWithShape="1">
+          <a:blip r:embed="rId22">
+            <a:extLst>
+              <a:ext uri="{BEBA8EAE-BF5A-486C-A8C5-ECC9F3942E4B}">
+                <a14:imgProps xmlns:a14="http://schemas.microsoft.com/office/drawing/2010/main">
+                  <a14:imgLayer r:embed="rId23">
+                    <a14:imgEffect>
+                      <a14:backgroundRemoval t="51510" b="69272" l="50694" r="72525">
+                        <a14:foregroundMark x1="51619" y1="67673" x2="51526" y2="57549"/>
+                        <a14:foregroundMark x1="51526" y1="57549" x2="52636" y2="53641"/>
+                        <a14:foregroundMark x1="50786" y1="58259" x2="51064" y2="64298"/>
+                        <a14:foregroundMark x1="71415" y1="53996" x2="71508" y2="68206"/>
+                        <a14:foregroundMark x1="72525" y1="66430" x2="72340" y2="57726"/>
+                      </a14:backgroundRemoval>
+                    </a14:imgEffect>
+                  </a14:imgLayer>
+                </a14:imgProps>
+              </a:ext>
+              <a:ext uri="{28A0092B-C50C-407E-A947-70E740481C1C}">
+                <a14:useLocalDpi xmlns:a14="http://schemas.microsoft.com/office/drawing/2010/main" val="0"/>
+              </a:ext>
+            </a:extLst>
+          </a:blip>
+          <a:srcRect l="49599" t="49352" r="26395" b="28474"/>
+          <a:stretch/>
+        </p:blipFill>
+        <p:spPr bwMode="auto">
+          <a:xfrm>
+            <a:off x="2033720" y="4547511"/>
+            <a:ext cx="2471828" cy="1189078"/>
+          </a:xfrm>
+          <a:prstGeom prst="rect">
+            <a:avLst/>
+          </a:prstGeom>
+          <a:noFill/>
+          <a:extLst>
+            <a:ext uri="{909E8E84-426E-40DD-AFC4-6F175D3DCCD1}">
+              <a14:hiddenFill xmlns:a14="http://schemas.microsoft.com/office/drawing/2010/main">
+                <a:solidFill>
+                  <a:srgbClr val="FFFFFF"/>
+                </a:solidFill>
+              </a14:hiddenFill>
+            </a:ext>
+          </a:extLst>
+        </p:spPr>
+      </p:pic>
+      <p:pic>
+        <p:nvPicPr>
+          <p:cNvPr id="28" name="Picture 2" descr="Pixel Keyboard Keys - for UI by Dream Mix">
+            <a:extLst>
+              <a:ext uri="{FF2B5EF4-FFF2-40B4-BE49-F238E27FC236}">
+                <a16:creationId xmlns:a16="http://schemas.microsoft.com/office/drawing/2014/main" id="{91551F7D-004B-EB84-CEEB-C135E03A93A1}"/>
+              </a:ext>
+            </a:extLst>
+          </p:cNvPr>
+          <p:cNvPicPr>
+            <a:picLocks noChangeAspect="1" noChangeArrowheads="1"/>
+          </p:cNvPicPr>
+          <p:nvPr/>
+        </p:nvPicPr>
+        <p:blipFill rotWithShape="1">
+          <a:blip r:embed="rId24">
+            <a:extLst>
+              <a:ext uri="{BEBA8EAE-BF5A-486C-A8C5-ECC9F3942E4B}">
+                <a14:imgProps xmlns:a14="http://schemas.microsoft.com/office/drawing/2010/main">
+                  <a14:imgLayer r:embed="rId23">
+                    <a14:imgEffect>
+                      <a14:backgroundRemoval t="30018" b="45471" l="75486" r="95375">
+                        <a14:foregroundMark x1="75856" y1="44050" x2="76318" y2="33570"/>
+                        <a14:foregroundMark x1="76318" y1="33570" x2="77613" y2="32504"/>
+                        <a14:foregroundMark x1="75671" y1="36057" x2="75486" y2="42984"/>
+                        <a14:foregroundMark x1="77243" y1="30373" x2="93617" y2="30373"/>
+                        <a14:foregroundMark x1="93987" y1="31972" x2="95375" y2="41208"/>
+                        <a14:foregroundMark x1="95375" y1="41208" x2="94542" y2="44760"/>
+                      </a14:backgroundRemoval>
+                    </a14:imgEffect>
+                  </a14:imgLayer>
+                </a14:imgProps>
+              </a:ext>
+              <a:ext uri="{28A0092B-C50C-407E-A947-70E740481C1C}">
+                <a14:useLocalDpi xmlns:a14="http://schemas.microsoft.com/office/drawing/2010/main" val="0"/>
+              </a:ext>
+            </a:extLst>
+          </a:blip>
+          <a:srcRect l="73916" t="28140" r="3642" b="52342"/>
+          <a:stretch/>
+        </p:blipFill>
+        <p:spPr bwMode="auto">
+          <a:xfrm>
+            <a:off x="5415833" y="4652312"/>
+            <a:ext cx="2310750" cy="1046608"/>
+          </a:xfrm>
+          <a:prstGeom prst="rect">
+            <a:avLst/>
+          </a:prstGeom>
+          <a:noFill/>
+          <a:extLst>
+            <a:ext uri="{909E8E84-426E-40DD-AFC4-6F175D3DCCD1}">
+              <a14:hiddenFill xmlns:a14="http://schemas.microsoft.com/office/drawing/2010/main">
+                <a:solidFill>
+                  <a:srgbClr val="FFFFFF"/>
+                </a:solidFill>
+              </a14:hiddenFill>
+            </a:ext>
+          </a:extLst>
+        </p:spPr>
+      </p:pic>
+      <p:pic>
+        <p:nvPicPr>
+          <p:cNvPr id="30" name="Picture 2" descr="Pixel Keyboard Keys - for UI by Dream Mix">
+            <a:extLst>
+              <a:ext uri="{FF2B5EF4-FFF2-40B4-BE49-F238E27FC236}">
+                <a16:creationId xmlns:a16="http://schemas.microsoft.com/office/drawing/2014/main" id="{B2D1189C-140A-6B0F-5812-D659C2F275A8}"/>
+              </a:ext>
+            </a:extLst>
+          </p:cNvPr>
+          <p:cNvPicPr>
+            <a:picLocks noChangeAspect="1" noChangeArrowheads="1"/>
+          </p:cNvPicPr>
+          <p:nvPr/>
+        </p:nvPicPr>
+        <p:blipFill rotWithShape="1">
+          <a:blip r:embed="rId25">
+            <a:extLst>
+              <a:ext uri="{BEBA8EAE-BF5A-486C-A8C5-ECC9F3942E4B}">
+                <a14:imgProps xmlns:a14="http://schemas.microsoft.com/office/drawing/2010/main">
+                  <a14:imgLayer r:embed="rId23">
+                    <a14:imgEffect>
+                      <a14:backgroundRemoval t="52931" b="68384" l="5643" r="22757">
+                        <a14:foregroundMark x1="5735" y1="66075" x2="7493" y2="54707"/>
+                        <a14:foregroundMark x1="7493" y1="54707" x2="6475" y2="55595"/>
+                        <a14:foregroundMark x1="6660" y1="68561" x2="14524" y2="67140"/>
+                        <a14:foregroundMark x1="14524" y1="67140" x2="20722" y2="68384"/>
+                        <a14:foregroundMark x1="22202" y1="67851" x2="22757" y2="59680"/>
+                        <a14:foregroundMark x1="21924" y1="55417" x2="21924" y2="55417"/>
+                        <a14:foregroundMark x1="20722" y1="52931" x2="17114" y2="52931"/>
+                        <a14:foregroundMark x1="16096" y1="52931" x2="7401" y2="52931"/>
+                      </a14:backgroundRemoval>
+                    </a14:imgEffect>
+                  </a14:imgLayer>
+                </a14:imgProps>
+              </a:ext>
+              <a:ext uri="{28A0092B-C50C-407E-A947-70E740481C1C}">
+                <a14:useLocalDpi xmlns:a14="http://schemas.microsoft.com/office/drawing/2010/main" val="0"/>
+              </a:ext>
+            </a:extLst>
+          </a:blip>
+          <a:srcRect l="4558" t="51037" r="76466" b="29924"/>
+          <a:stretch/>
+        </p:blipFill>
+        <p:spPr bwMode="auto">
+          <a:xfrm>
+            <a:off x="8894787" y="4665123"/>
+            <a:ext cx="1953874" cy="1020986"/>
+          </a:xfrm>
+          <a:prstGeom prst="rect">
+            <a:avLst/>
+          </a:prstGeom>
+          <a:noFill/>
+          <a:extLst>
+            <a:ext uri="{909E8E84-426E-40DD-AFC4-6F175D3DCCD1}">
+              <a14:hiddenFill xmlns:a14="http://schemas.microsoft.com/office/drawing/2010/main">
+                <a:solidFill>
+                  <a:srgbClr val="FFFFFF"/>
+                </a:solidFill>
+              </a14:hiddenFill>
+            </a:ext>
+          </a:extLst>
+        </p:spPr>
+      </p:pic>
+      <p:pic>
+        <p:nvPicPr>
+          <p:cNvPr id="35" name="Picture 4" descr="Pixel Keyboard Keys - for UI by Dream Mix">
+            <a:extLst>
+              <a:ext uri="{FF2B5EF4-FFF2-40B4-BE49-F238E27FC236}">
+                <a16:creationId xmlns:a16="http://schemas.microsoft.com/office/drawing/2014/main" id="{2F8D07F0-651B-8CE0-8D43-FB4DFE61B40E}"/>
+              </a:ext>
+            </a:extLst>
+          </p:cNvPr>
+          <p:cNvPicPr>
+            <a:picLocks noChangeAspect="1" noChangeArrowheads="1"/>
+          </p:cNvPicPr>
+          <p:nvPr/>
+        </p:nvPicPr>
+        <p:blipFill rotWithShape="1">
+          <a:blip r:embed="rId26">
+            <a:extLst>
+              <a:ext uri="{BEBA8EAE-BF5A-486C-A8C5-ECC9F3942E4B}">
+                <a14:imgProps xmlns:a14="http://schemas.microsoft.com/office/drawing/2010/main">
+                  <a14:imgLayer r:embed="rId27">
+                    <a14:imgEffect>
+                      <a14:backgroundRemoval t="3933" b="14888" l="4433" r="47660">
+                        <a14:foregroundMark x1="6404" y1="12500" x2="11207" y2="6742"/>
+                        <a14:foregroundMark x1="11207" y1="6742" x2="7882" y2="11517"/>
+                        <a14:foregroundMark x1="30049" y1="11517" x2="30049" y2="12921"/>
+                        <a14:foregroundMark x1="41010" y1="11236" x2="41010" y2="11376"/>
+                        <a14:foregroundMark x1="45936" y1="12079" x2="46305" y2="5899"/>
+                        <a14:foregroundMark x1="41995" y1="8146" x2="44335" y2="8427"/>
+                        <a14:foregroundMark x1="47783" y1="12079" x2="47783" y2="8567"/>
+                        <a14:foregroundMark x1="43350" y1="6461" x2="44089" y2="6461"/>
+                        <a14:foregroundMark x1="30788" y1="7584" x2="33621" y2="8567"/>
+                        <a14:foregroundMark x1="32143" y1="6320" x2="31281" y2="6320"/>
+                        <a14:foregroundMark x1="18719" y1="7022" x2="21182" y2="6882"/>
+                        <a14:foregroundMark x1="4433" y1="11798" x2="4557" y2="7303"/>
+                      </a14:backgroundRemoval>
+                    </a14:imgEffect>
+                  </a14:imgLayer>
+                </a14:imgProps>
+              </a:ext>
+              <a:ext uri="{28A0092B-C50C-407E-A947-70E740481C1C}">
+                <a14:useLocalDpi xmlns:a14="http://schemas.microsoft.com/office/drawing/2010/main" val="0"/>
+              </a:ext>
+            </a:extLst>
+          </a:blip>
+          <a:srcRect l="26366" t="2569" r="62052" b="83488"/>
+          <a:stretch/>
+        </p:blipFill>
+        <p:spPr bwMode="auto">
+          <a:xfrm>
+            <a:off x="1737795" y="2619263"/>
+            <a:ext cx="895778" cy="945572"/>
+          </a:xfrm>
+          <a:prstGeom prst="rect">
+            <a:avLst/>
+          </a:prstGeom>
+          <a:noFill/>
+          <a:extLst>
+            <a:ext uri="{909E8E84-426E-40DD-AFC4-6F175D3DCCD1}">
+              <a14:hiddenFill xmlns:a14="http://schemas.microsoft.com/office/drawing/2010/main">
+                <a:solidFill>
+                  <a:srgbClr val="FFFFFF"/>
+                </a:solidFill>
+              </a14:hiddenFill>
+            </a:ext>
+          </a:extLst>
+        </p:spPr>
+      </p:pic>
+      <p:pic>
+        <p:nvPicPr>
+          <p:cNvPr id="36" name="Picture 4" descr="Pixel Keyboard Keys - for UI by Dream Mix">
+            <a:extLst>
+              <a:ext uri="{FF2B5EF4-FFF2-40B4-BE49-F238E27FC236}">
+                <a16:creationId xmlns:a16="http://schemas.microsoft.com/office/drawing/2014/main" id="{931DA4D8-8CAE-CD22-C651-29D4E6BDED4F}"/>
+              </a:ext>
+            </a:extLst>
+          </p:cNvPr>
+          <p:cNvPicPr>
+            <a:picLocks noChangeAspect="1" noChangeArrowheads="1"/>
+          </p:cNvPicPr>
+          <p:nvPr/>
+        </p:nvPicPr>
+        <p:blipFill rotWithShape="1">
+          <a:blip r:embed="rId26">
+            <a:extLst>
+              <a:ext uri="{BEBA8EAE-BF5A-486C-A8C5-ECC9F3942E4B}">
+                <a14:imgProps xmlns:a14="http://schemas.microsoft.com/office/drawing/2010/main">
+                  <a14:imgLayer r:embed="rId27">
+                    <a14:imgEffect>
+                      <a14:backgroundRemoval t="3933" b="14888" l="4433" r="47660">
+                        <a14:foregroundMark x1="6404" y1="12500" x2="11207" y2="6742"/>
+                        <a14:foregroundMark x1="11207" y1="6742" x2="7882" y2="11517"/>
+                        <a14:foregroundMark x1="30049" y1="11517" x2="30049" y2="12921"/>
+                        <a14:foregroundMark x1="41010" y1="11236" x2="41010" y2="11376"/>
+                        <a14:foregroundMark x1="45936" y1="12079" x2="46305" y2="5899"/>
+                        <a14:foregroundMark x1="41995" y1="8146" x2="44335" y2="8427"/>
+                        <a14:foregroundMark x1="47783" y1="12079" x2="47783" y2="8567"/>
+                        <a14:foregroundMark x1="43350" y1="6461" x2="44089" y2="6461"/>
+                        <a14:foregroundMark x1="30788" y1="7584" x2="33621" y2="8567"/>
+                        <a14:foregroundMark x1="32143" y1="6320" x2="31281" y2="6320"/>
+                        <a14:foregroundMark x1="18719" y1="7022" x2="21182" y2="6882"/>
+                        <a14:foregroundMark x1="4433" y1="11798" x2="4557" y2="7303"/>
+                      </a14:backgroundRemoval>
+                    </a14:imgEffect>
+                  </a14:imgLayer>
+                </a14:imgProps>
+              </a:ext>
+              <a:ext uri="{28A0092B-C50C-407E-A947-70E740481C1C}">
+                <a14:useLocalDpi xmlns:a14="http://schemas.microsoft.com/office/drawing/2010/main" val="0"/>
+              </a:ext>
+            </a:extLst>
+          </a:blip>
+          <a:srcRect l="13377" t="2569" r="74335" b="83488"/>
+          <a:stretch/>
+        </p:blipFill>
+        <p:spPr bwMode="auto">
+          <a:xfrm>
+            <a:off x="2609351" y="2598839"/>
+            <a:ext cx="950401" cy="945572"/>
+          </a:xfrm>
+          <a:prstGeom prst="rect">
+            <a:avLst/>
+          </a:prstGeom>
+          <a:noFill/>
+          <a:extLst>
+            <a:ext uri="{909E8E84-426E-40DD-AFC4-6F175D3DCCD1}">
+              <a14:hiddenFill xmlns:a14="http://schemas.microsoft.com/office/drawing/2010/main">
+                <a:solidFill>
+                  <a:srgbClr val="FFFFFF"/>
+                </a:solidFill>
+              </a14:hiddenFill>
+            </a:ext>
+          </a:extLst>
+        </p:spPr>
+      </p:pic>
+      <p:pic>
+        <p:nvPicPr>
+          <p:cNvPr id="38" name="Picture 4" descr="Pixel Keyboard Keys - for UI by Dream Mix">
+            <a:extLst>
+              <a:ext uri="{FF2B5EF4-FFF2-40B4-BE49-F238E27FC236}">
+                <a16:creationId xmlns:a16="http://schemas.microsoft.com/office/drawing/2014/main" id="{91B244F8-9771-7BF8-F27B-4106E63F18CF}"/>
+              </a:ext>
+            </a:extLst>
+          </p:cNvPr>
+          <p:cNvPicPr>
+            <a:picLocks noChangeAspect="1" noChangeArrowheads="1"/>
+          </p:cNvPicPr>
+          <p:nvPr/>
+        </p:nvPicPr>
+        <p:blipFill rotWithShape="1">
+          <a:blip r:embed="rId26">
+            <a:extLst>
+              <a:ext uri="{BEBA8EAE-BF5A-486C-A8C5-ECC9F3942E4B}">
+                <a14:imgProps xmlns:a14="http://schemas.microsoft.com/office/drawing/2010/main">
+                  <a14:imgLayer r:embed="rId27">
+                    <a14:imgEffect>
+                      <a14:backgroundRemoval t="3933" b="14888" l="4433" r="47660">
+                        <a14:foregroundMark x1="6404" y1="12500" x2="11207" y2="6742"/>
+                        <a14:foregroundMark x1="11207" y1="6742" x2="7882" y2="11517"/>
+                        <a14:foregroundMark x1="30049" y1="11517" x2="30049" y2="12921"/>
+                        <a14:foregroundMark x1="41010" y1="11236" x2="41010" y2="11376"/>
+                        <a14:foregroundMark x1="45936" y1="12079" x2="46305" y2="5899"/>
+                        <a14:foregroundMark x1="41995" y1="8146" x2="44335" y2="8427"/>
+                        <a14:foregroundMark x1="47783" y1="12079" x2="47783" y2="8567"/>
+                        <a14:foregroundMark x1="43350" y1="6461" x2="44089" y2="6461"/>
+                        <a14:foregroundMark x1="30788" y1="7584" x2="33621" y2="8567"/>
+                        <a14:foregroundMark x1="32143" y1="6320" x2="31281" y2="6320"/>
+                        <a14:foregroundMark x1="18719" y1="7022" x2="21182" y2="6882"/>
+                        <a14:foregroundMark x1="4433" y1="11798" x2="4557" y2="7303"/>
+                      </a14:backgroundRemoval>
+                    </a14:imgEffect>
+                  </a14:imgLayer>
+                </a14:imgProps>
+              </a:ext>
+              <a:ext uri="{28A0092B-C50C-407E-A947-70E740481C1C}">
+                <a14:useLocalDpi xmlns:a14="http://schemas.microsoft.com/office/drawing/2010/main" val="0"/>
+              </a:ext>
+            </a:extLst>
+          </a:blip>
+          <a:srcRect l="38006" t="2569" r="50698" b="83488"/>
+          <a:stretch/>
+        </p:blipFill>
+        <p:spPr bwMode="auto">
+          <a:xfrm>
+            <a:off x="3622998" y="2598839"/>
+            <a:ext cx="873621" cy="945572"/>
+          </a:xfrm>
+          <a:prstGeom prst="rect">
+            <a:avLst/>
+          </a:prstGeom>
+          <a:noFill/>
+          <a:extLst>
+            <a:ext uri="{909E8E84-426E-40DD-AFC4-6F175D3DCCD1}">
+              <a14:hiddenFill xmlns:a14="http://schemas.microsoft.com/office/drawing/2010/main">
+                <a:solidFill>
+                  <a:srgbClr val="FFFFFF"/>
+                </a:solidFill>
+              </a14:hiddenFill>
+            </a:ext>
+          </a:extLst>
+        </p:spPr>
+      </p:pic>
+      <p:pic>
+        <p:nvPicPr>
+          <p:cNvPr id="42" name="Picture 4" descr="Pixel Keyboard Keys - for UI by Dream Mix">
+            <a:extLst>
+              <a:ext uri="{FF2B5EF4-FFF2-40B4-BE49-F238E27FC236}">
+                <a16:creationId xmlns:a16="http://schemas.microsoft.com/office/drawing/2014/main" id="{7D37E149-4352-E5DA-7216-A0B4F3D08229}"/>
+              </a:ext>
+            </a:extLst>
+          </p:cNvPr>
+          <p:cNvPicPr>
+            <a:picLocks noChangeAspect="1" noChangeArrowheads="1"/>
+          </p:cNvPicPr>
+          <p:nvPr/>
+        </p:nvPicPr>
+        <p:blipFill rotWithShape="1">
+          <a:blip r:embed="rId26">
+            <a:extLst>
+              <a:ext uri="{BEBA8EAE-BF5A-486C-A8C5-ECC9F3942E4B}">
+                <a14:imgProps xmlns:a14="http://schemas.microsoft.com/office/drawing/2010/main">
+                  <a14:imgLayer r:embed="rId27">
+                    <a14:imgEffect>
+                      <a14:backgroundRemoval t="3933" b="14888" l="4433" r="47660">
+                        <a14:foregroundMark x1="6404" y1="12500" x2="11207" y2="6742"/>
+                        <a14:foregroundMark x1="11207" y1="6742" x2="7882" y2="11517"/>
+                        <a14:foregroundMark x1="30049" y1="11517" x2="30049" y2="12921"/>
+                        <a14:foregroundMark x1="41010" y1="11236" x2="41010" y2="11376"/>
+                        <a14:foregroundMark x1="45936" y1="12079" x2="46305" y2="5899"/>
+                        <a14:foregroundMark x1="41995" y1="8146" x2="44335" y2="8427"/>
+                        <a14:foregroundMark x1="47783" y1="12079" x2="47783" y2="8567"/>
+                        <a14:foregroundMark x1="43350" y1="6461" x2="44089" y2="6461"/>
+                        <a14:foregroundMark x1="30788" y1="7584" x2="33621" y2="8567"/>
+                        <a14:foregroundMark x1="32143" y1="6320" x2="31281" y2="6320"/>
+                        <a14:foregroundMark x1="18719" y1="7022" x2="21182" y2="6882"/>
+                        <a14:foregroundMark x1="4433" y1="11798" x2="4557" y2="7303"/>
+                      </a14:backgroundRemoval>
+                    </a14:imgEffect>
+                  </a14:imgLayer>
+                </a14:imgProps>
+              </a:ext>
+              <a:ext uri="{28A0092B-C50C-407E-A947-70E740481C1C}">
+                <a14:useLocalDpi xmlns:a14="http://schemas.microsoft.com/office/drawing/2010/main" val="0"/>
+              </a:ext>
+            </a:extLst>
+          </a:blip>
+          <a:srcRect l="2785" t="2569" r="86245" b="83488"/>
+          <a:stretch/>
+        </p:blipFill>
+        <p:spPr bwMode="auto">
+          <a:xfrm>
+            <a:off x="2691129" y="1750944"/>
+            <a:ext cx="848525" cy="945572"/>
+          </a:xfrm>
+          <a:prstGeom prst="rect">
+            <a:avLst/>
+          </a:prstGeom>
+          <a:noFill/>
+          <a:extLst>
+            <a:ext uri="{909E8E84-426E-40DD-AFC4-6F175D3DCCD1}">
+              <a14:hiddenFill xmlns:a14="http://schemas.microsoft.com/office/drawing/2010/main">
+                <a:solidFill>
+                  <a:srgbClr val="FFFFFF"/>
+                </a:solidFill>
+              </a14:hiddenFill>
+            </a:ext>
+          </a:extLst>
+        </p:spPr>
+      </p:pic>
+      <p:pic>
+        <p:nvPicPr>
+          <p:cNvPr id="44" name="Picture 4" descr="Pixel Keyboard Keys - for UI by Dream Mix">
+            <a:extLst>
+              <a:ext uri="{FF2B5EF4-FFF2-40B4-BE49-F238E27FC236}">
+                <a16:creationId xmlns:a16="http://schemas.microsoft.com/office/drawing/2014/main" id="{6671F418-6068-BB98-403C-F0C55AED6089}"/>
+              </a:ext>
+            </a:extLst>
+          </p:cNvPr>
+          <p:cNvPicPr>
+            <a:picLocks noChangeAspect="1" noChangeArrowheads="1"/>
+          </p:cNvPicPr>
+          <p:nvPr/>
+        </p:nvPicPr>
+        <p:blipFill rotWithShape="1">
+          <a:blip r:embed="rId28">
+            <a:extLst>
+              <a:ext uri="{BEBA8EAE-BF5A-486C-A8C5-ECC9F3942E4B}">
+                <a14:imgProps xmlns:a14="http://schemas.microsoft.com/office/drawing/2010/main">
+                  <a14:imgLayer r:embed="rId27">
+                    <a14:imgEffect>
+                      <a14:backgroundRemoval t="31180" b="41152" l="51108" r="71675">
+                        <a14:foregroundMark x1="65887" y1="40871" x2="68227" y2="40871"/>
+                        <a14:foregroundMark x1="71798" y1="37921" x2="71798" y2="36236"/>
+                        <a14:foregroundMark x1="67857" y1="31601" x2="65764" y2="31320"/>
+                        <a14:foregroundMark x1="56158" y1="33287" x2="57512" y2="38343"/>
+                        <a14:foregroundMark x1="51601" y1="32865" x2="51601" y2="34410"/>
+                        <a14:foregroundMark x1="51108" y1="35253" x2="51108" y2="37219"/>
+                        <a14:foregroundMark x1="53202" y1="40590" x2="57512" y2="40730"/>
+                      </a14:backgroundRemoval>
+                    </a14:imgEffect>
+                  </a14:imgLayer>
+                </a14:imgProps>
+              </a:ext>
+              <a:ext uri="{28A0092B-C50C-407E-A947-70E740481C1C}">
+                <a14:useLocalDpi xmlns:a14="http://schemas.microsoft.com/office/drawing/2010/main" val="0"/>
+              </a:ext>
+            </a:extLst>
+          </a:blip>
+          <a:srcRect l="61723" t="30768" r="26712" b="57569"/>
+          <a:stretch/>
+        </p:blipFill>
+        <p:spPr bwMode="auto">
+          <a:xfrm>
+            <a:off x="10030132" y="2648804"/>
+            <a:ext cx="894448" cy="790973"/>
+          </a:xfrm>
+          <a:prstGeom prst="rect">
+            <a:avLst/>
+          </a:prstGeom>
+          <a:noFill/>
+          <a:extLst>
+            <a:ext uri="{909E8E84-426E-40DD-AFC4-6F175D3DCCD1}">
+              <a14:hiddenFill xmlns:a14="http://schemas.microsoft.com/office/drawing/2010/main">
+                <a:solidFill>
+                  <a:srgbClr val="FFFFFF"/>
+                </a:solidFill>
+              </a14:hiddenFill>
+            </a:ext>
+          </a:extLst>
+        </p:spPr>
+      </p:pic>
+      <p:pic>
+        <p:nvPicPr>
+          <p:cNvPr id="46" name="Picture 4" descr="Pixel Keyboard Keys - for UI by Dream Mix">
+            <a:extLst>
+              <a:ext uri="{FF2B5EF4-FFF2-40B4-BE49-F238E27FC236}">
+                <a16:creationId xmlns:a16="http://schemas.microsoft.com/office/drawing/2014/main" id="{91A5A34E-8441-1BDC-A6E6-60F03C35B91B}"/>
+              </a:ext>
+            </a:extLst>
+          </p:cNvPr>
+          <p:cNvPicPr>
+            <a:picLocks noChangeAspect="1" noChangeArrowheads="1"/>
+          </p:cNvPicPr>
+          <p:nvPr/>
+        </p:nvPicPr>
+        <p:blipFill rotWithShape="1">
+          <a:blip r:embed="rId28">
+            <a:extLst>
+              <a:ext uri="{BEBA8EAE-BF5A-486C-A8C5-ECC9F3942E4B}">
+                <a14:imgProps xmlns:a14="http://schemas.microsoft.com/office/drawing/2010/main">
+                  <a14:imgLayer r:embed="rId27">
+                    <a14:imgEffect>
+                      <a14:backgroundRemoval t="31180" b="41152" l="51108" r="71675">
+                        <a14:foregroundMark x1="65887" y1="40871" x2="68227" y2="40871"/>
+                        <a14:foregroundMark x1="71798" y1="37921" x2="71798" y2="36236"/>
+                        <a14:foregroundMark x1="67857" y1="31601" x2="65764" y2="31320"/>
+                        <a14:foregroundMark x1="56158" y1="33287" x2="57512" y2="38343"/>
+                        <a14:foregroundMark x1="51601" y1="32865" x2="51601" y2="34410"/>
+                        <a14:foregroundMark x1="51108" y1="35253" x2="51108" y2="37219"/>
+                        <a14:foregroundMark x1="53202" y1="40590" x2="57512" y2="40730"/>
+                      </a14:backgroundRemoval>
+                    </a14:imgEffect>
+                  </a14:imgLayer>
+                </a14:imgProps>
+              </a:ext>
+              <a:ext uri="{28A0092B-C50C-407E-A947-70E740481C1C}">
+                <a14:useLocalDpi xmlns:a14="http://schemas.microsoft.com/office/drawing/2010/main" val="0"/>
+              </a:ext>
+            </a:extLst>
+          </a:blip>
+          <a:srcRect l="50159" t="30768" r="38593" b="57569"/>
+          <a:stretch/>
+        </p:blipFill>
+        <p:spPr bwMode="auto">
+          <a:xfrm>
+            <a:off x="6980170" y="2638027"/>
+            <a:ext cx="869985" cy="790973"/>
+          </a:xfrm>
+          <a:prstGeom prst="rect">
+            <a:avLst/>
+          </a:prstGeom>
+          <a:noFill/>
+          <a:extLst>
+            <a:ext uri="{909E8E84-426E-40DD-AFC4-6F175D3DCCD1}">
+              <a14:hiddenFill xmlns:a14="http://schemas.microsoft.com/office/drawing/2010/main">
+                <a:solidFill>
+                  <a:srgbClr val="FFFFFF"/>
+                </a:solidFill>
+              </a14:hiddenFill>
+            </a:ext>
+          </a:extLst>
+        </p:spPr>
+      </p:pic>
+      <p:pic>
+        <p:nvPicPr>
+          <p:cNvPr id="54" name="Imagem 53">
+            <a:extLst>
+              <a:ext uri="{FF2B5EF4-FFF2-40B4-BE49-F238E27FC236}">
+                <a16:creationId xmlns:a16="http://schemas.microsoft.com/office/drawing/2014/main" id="{8266843C-7ACA-FCB9-6321-8B1DDA9EB7D1}"/>
+              </a:ext>
+            </a:extLst>
+          </p:cNvPr>
+          <p:cNvPicPr>
+            <a:picLocks noChangeAspect="1"/>
+          </p:cNvPicPr>
+          <p:nvPr/>
+        </p:nvPicPr>
+        <p:blipFill>
+          <a:blip r:embed="rId29"/>
+          <a:stretch>
+            <a:fillRect/>
+          </a:stretch>
+        </p:blipFill>
+        <p:spPr>
+          <a:xfrm>
+            <a:off x="1990610" y="801979"/>
+            <a:ext cx="2341067" cy="1286367"/>
+          </a:xfrm>
+          <a:prstGeom prst="rect">
+            <a:avLst/>
+          </a:prstGeom>
+        </p:spPr>
+      </p:pic>
+      <p:pic>
+        <p:nvPicPr>
+          <p:cNvPr id="55" name="Imagem 54">
+            <a:extLst>
+              <a:ext uri="{FF2B5EF4-FFF2-40B4-BE49-F238E27FC236}">
+                <a16:creationId xmlns:a16="http://schemas.microsoft.com/office/drawing/2014/main" id="{B526C46D-93AE-DA72-EE56-3DEE3D17FF9B}"/>
+              </a:ext>
+            </a:extLst>
+          </p:cNvPr>
+          <p:cNvPicPr>
+            <a:picLocks noChangeAspect="1"/>
+          </p:cNvPicPr>
+          <p:nvPr/>
+        </p:nvPicPr>
+        <p:blipFill>
+          <a:blip r:embed="rId30"/>
+          <a:stretch>
+            <a:fillRect/>
+          </a:stretch>
+        </p:blipFill>
+        <p:spPr>
+          <a:xfrm>
+            <a:off x="5870909" y="877606"/>
+            <a:ext cx="3023878" cy="2017951"/>
+          </a:xfrm>
+          <a:prstGeom prst="rect">
+            <a:avLst/>
+          </a:prstGeom>
+        </p:spPr>
+      </p:pic>
+      <p:pic>
+        <p:nvPicPr>
+          <p:cNvPr id="56" name="Imagem 55">
+            <a:extLst>
+              <a:ext uri="{FF2B5EF4-FFF2-40B4-BE49-F238E27FC236}">
+                <a16:creationId xmlns:a16="http://schemas.microsoft.com/office/drawing/2014/main" id="{06E7A740-BD02-143B-58A3-7FDB5A42BA30}"/>
+              </a:ext>
+            </a:extLst>
+          </p:cNvPr>
+          <p:cNvPicPr>
+            <a:picLocks noChangeAspect="1"/>
+          </p:cNvPicPr>
+          <p:nvPr/>
+        </p:nvPicPr>
+        <p:blipFill>
+          <a:blip r:embed="rId31"/>
+          <a:stretch>
+            <a:fillRect/>
+          </a:stretch>
+        </p:blipFill>
+        <p:spPr>
+          <a:xfrm>
+            <a:off x="8585135" y="873327"/>
+            <a:ext cx="3792041" cy="2017951"/>
+          </a:xfrm>
+          <a:prstGeom prst="rect">
+            <a:avLst/>
+          </a:prstGeom>
+        </p:spPr>
+      </p:pic>
+      <p:pic>
+        <p:nvPicPr>
+          <p:cNvPr id="57" name="Imagem 56">
+            <a:extLst>
+              <a:ext uri="{FF2B5EF4-FFF2-40B4-BE49-F238E27FC236}">
+                <a16:creationId xmlns:a16="http://schemas.microsoft.com/office/drawing/2014/main" id="{2121571C-A9FB-70F3-01A2-68348D87A527}"/>
+              </a:ext>
+            </a:extLst>
+          </p:cNvPr>
+          <p:cNvPicPr>
+            <a:picLocks noChangeAspect="1"/>
+          </p:cNvPicPr>
+          <p:nvPr/>
+        </p:nvPicPr>
+        <p:blipFill>
+          <a:blip r:embed="rId32"/>
+          <a:stretch>
+            <a:fillRect/>
+          </a:stretch>
+        </p:blipFill>
+        <p:spPr>
+          <a:xfrm>
+            <a:off x="1392073" y="3689330"/>
+            <a:ext cx="4023709" cy="1286367"/>
+          </a:xfrm>
+          <a:prstGeom prst="rect">
+            <a:avLst/>
+          </a:prstGeom>
+        </p:spPr>
+      </p:pic>
+      <p:pic>
+        <p:nvPicPr>
+          <p:cNvPr id="58" name="Imagem 57">
+            <a:extLst>
+              <a:ext uri="{FF2B5EF4-FFF2-40B4-BE49-F238E27FC236}">
+                <a16:creationId xmlns:a16="http://schemas.microsoft.com/office/drawing/2014/main" id="{101DD899-B1AF-A4B8-87DC-DF6E185237DC}"/>
+              </a:ext>
+            </a:extLst>
+          </p:cNvPr>
+          <p:cNvPicPr>
+            <a:picLocks noChangeAspect="1"/>
+          </p:cNvPicPr>
+          <p:nvPr/>
+        </p:nvPicPr>
+        <p:blipFill>
+          <a:blip r:embed="rId33"/>
+          <a:stretch>
+            <a:fillRect/>
+          </a:stretch>
+        </p:blipFill>
+        <p:spPr>
+          <a:xfrm>
+            <a:off x="5406477" y="3689329"/>
+            <a:ext cx="2420322" cy="1286367"/>
+          </a:xfrm>
+          <a:prstGeom prst="rect">
+            <a:avLst/>
+          </a:prstGeom>
+        </p:spPr>
+      </p:pic>
+      <p:pic>
+        <p:nvPicPr>
+          <p:cNvPr id="59" name="Imagem 58">
+            <a:extLst>
+              <a:ext uri="{FF2B5EF4-FFF2-40B4-BE49-F238E27FC236}">
+                <a16:creationId xmlns:a16="http://schemas.microsoft.com/office/drawing/2014/main" id="{63D42ADF-64BD-D3E1-D1C3-BCFD514F3504}"/>
+              </a:ext>
+            </a:extLst>
+          </p:cNvPr>
+          <p:cNvPicPr>
+            <a:picLocks noChangeAspect="1"/>
+          </p:cNvPicPr>
+          <p:nvPr/>
+        </p:nvPicPr>
+        <p:blipFill>
+          <a:blip r:embed="rId34"/>
+          <a:stretch>
+            <a:fillRect/>
+          </a:stretch>
+        </p:blipFill>
+        <p:spPr>
+          <a:xfrm>
+            <a:off x="8666011" y="3711865"/>
+            <a:ext cx="2645893" cy="1286367"/>
+          </a:xfrm>
+          <a:prstGeom prst="rect">
+            <a:avLst/>
+          </a:prstGeom>
+        </p:spPr>
+      </p:pic>
+    </p:spTree>
+    <p:extLst>
+      <p:ext uri="{BB962C8B-B14F-4D97-AF65-F5344CB8AC3E}">
+        <p14:creationId xmlns:p14="http://schemas.microsoft.com/office/powerpoint/2010/main" val="545509221"/>
+      </p:ext>
+    </p:extLst>
+  </p:cSld>
+  <p:clrMapOvr>
+    <a:masterClrMapping/>
+  </p:clrMapOvr>
+  <mc:AlternateContent xmlns:mc="http://schemas.openxmlformats.org/markup-compatibility/2006">
+    <mc:Choice xmlns:p159="http://schemas.microsoft.com/office/powerpoint/2015/09/main" Requires="p159">
+      <p:transition xmlns:p14="http://schemas.microsoft.com/office/powerpoint/2010/main" spd="slow" p14:dur="2000">
+        <p159:morph option="byObject"/>
+      </p:transition>
+    </mc:Choice>
+    <mc:Fallback>
+      <p:transition spd="slow">
+        <p:fade/>
+      </p:transition>
+    </mc:Fallback>
+  </mc:AlternateContent>
+</p:sld>
+</file>
+
+<file path=ppt/slides/slide4.xml><?xml version="1.0" encoding="utf-8"?>
 <p:sld xmlns:a="http://schemas.openxmlformats.org/drawingml/2006/main" xmlns:r="http://schemas.openxmlformats.org/officeDocument/2006/relationships" xmlns:p="http://schemas.openxmlformats.org/presentationml/2006/main">
   <p:cSld>
     <p:bg>
@@ -7512,7 +11151,7 @@
                 <a:latin typeface="Stardew Valley" pitchFamily="2" charset="0"/>
               </a:rPr>
               <a:pPr/>
-              <a:t>3</a:t>
+              <a:t>4</a:t>
             </a:fld>
             <a:endParaRPr lang="pt-BR" sz="4000" dirty="0">
               <a:solidFill>
@@ -8062,646 +11701,766 @@
           </a:prstGeom>
         </p:spPr>
       </p:pic>
+      <p:pic>
+        <p:nvPicPr>
+          <p:cNvPr id="6" name="Picture 4" descr="Pixel Keyboard Keys - for UI by Dream Mix">
+            <a:extLst>
+              <a:ext uri="{FF2B5EF4-FFF2-40B4-BE49-F238E27FC236}">
+                <a16:creationId xmlns:a16="http://schemas.microsoft.com/office/drawing/2014/main" id="{65947F96-71C3-6EE7-52D4-1652BD43FC71}"/>
+              </a:ext>
+            </a:extLst>
+          </p:cNvPr>
+          <p:cNvPicPr>
+            <a:picLocks noChangeAspect="1" noChangeArrowheads="1"/>
+          </p:cNvPicPr>
+          <p:nvPr/>
+        </p:nvPicPr>
+        <p:blipFill rotWithShape="1">
+          <a:blip r:embed="rId18">
+            <a:extLst>
+              <a:ext uri="{BEBA8EAE-BF5A-486C-A8C5-ECC9F3942E4B}">
+                <a14:imgProps xmlns:a14="http://schemas.microsoft.com/office/drawing/2010/main">
+                  <a14:imgLayer r:embed="rId19">
+                    <a14:imgEffect>
+                      <a14:backgroundRemoval t="3933" b="14888" l="4433" r="47660">
+                        <a14:foregroundMark x1="6404" y1="12500" x2="11207" y2="6742"/>
+                        <a14:foregroundMark x1="11207" y1="6742" x2="7882" y2="11517"/>
+                        <a14:foregroundMark x1="30049" y1="11517" x2="30049" y2="12921"/>
+                        <a14:foregroundMark x1="41010" y1="11236" x2="41010" y2="11376"/>
+                        <a14:foregroundMark x1="45936" y1="12079" x2="46305" y2="5899"/>
+                        <a14:foregroundMark x1="41995" y1="8146" x2="44335" y2="8427"/>
+                        <a14:foregroundMark x1="47783" y1="12079" x2="47783" y2="8567"/>
+                        <a14:foregroundMark x1="43350" y1="6461" x2="44089" y2="6461"/>
+                        <a14:foregroundMark x1="30788" y1="7584" x2="33621" y2="8567"/>
+                        <a14:foregroundMark x1="32143" y1="6320" x2="31281" y2="6320"/>
+                        <a14:foregroundMark x1="18719" y1="7022" x2="21182" y2="6882"/>
+                        <a14:foregroundMark x1="4433" y1="11798" x2="4557" y2="7303"/>
+                      </a14:backgroundRemoval>
+                    </a14:imgEffect>
+                  </a14:imgLayer>
+                </a14:imgProps>
+              </a:ext>
+              <a:ext uri="{28A0092B-C50C-407E-A947-70E740481C1C}">
+                <a14:useLocalDpi xmlns:a14="http://schemas.microsoft.com/office/drawing/2010/main" val="0"/>
+              </a:ext>
+            </a:extLst>
+          </a:blip>
+          <a:srcRect l="26366" t="2569" r="62052" b="83488"/>
+          <a:stretch/>
+        </p:blipFill>
+        <p:spPr bwMode="auto">
+          <a:xfrm>
+            <a:off x="1737795" y="-3032237"/>
+            <a:ext cx="895778" cy="945572"/>
+          </a:xfrm>
+          <a:prstGeom prst="rect">
+            <a:avLst/>
+          </a:prstGeom>
+          <a:noFill/>
+          <a:extLst>
+            <a:ext uri="{909E8E84-426E-40DD-AFC4-6F175D3DCCD1}">
+              <a14:hiddenFill xmlns:a14="http://schemas.microsoft.com/office/drawing/2010/main">
+                <a:solidFill>
+                  <a:srgbClr val="FFFFFF"/>
+                </a:solidFill>
+              </a14:hiddenFill>
+            </a:ext>
+          </a:extLst>
+        </p:spPr>
+      </p:pic>
+      <p:pic>
+        <p:nvPicPr>
+          <p:cNvPr id="15" name="Picture 4" descr="Pixel Keyboard Keys - for UI by Dream Mix">
+            <a:extLst>
+              <a:ext uri="{FF2B5EF4-FFF2-40B4-BE49-F238E27FC236}">
+                <a16:creationId xmlns:a16="http://schemas.microsoft.com/office/drawing/2014/main" id="{95C3AE55-E280-5E38-2C91-70E52029109C}"/>
+              </a:ext>
+            </a:extLst>
+          </p:cNvPr>
+          <p:cNvPicPr>
+            <a:picLocks noChangeAspect="1" noChangeArrowheads="1"/>
+          </p:cNvPicPr>
+          <p:nvPr/>
+        </p:nvPicPr>
+        <p:blipFill rotWithShape="1">
+          <a:blip r:embed="rId18">
+            <a:extLst>
+              <a:ext uri="{BEBA8EAE-BF5A-486C-A8C5-ECC9F3942E4B}">
+                <a14:imgProps xmlns:a14="http://schemas.microsoft.com/office/drawing/2010/main">
+                  <a14:imgLayer r:embed="rId19">
+                    <a14:imgEffect>
+                      <a14:backgroundRemoval t="3933" b="14888" l="4433" r="47660">
+                        <a14:foregroundMark x1="6404" y1="12500" x2="11207" y2="6742"/>
+                        <a14:foregroundMark x1="11207" y1="6742" x2="7882" y2="11517"/>
+                        <a14:foregroundMark x1="30049" y1="11517" x2="30049" y2="12921"/>
+                        <a14:foregroundMark x1="41010" y1="11236" x2="41010" y2="11376"/>
+                        <a14:foregroundMark x1="45936" y1="12079" x2="46305" y2="5899"/>
+                        <a14:foregroundMark x1="41995" y1="8146" x2="44335" y2="8427"/>
+                        <a14:foregroundMark x1="47783" y1="12079" x2="47783" y2="8567"/>
+                        <a14:foregroundMark x1="43350" y1="6461" x2="44089" y2="6461"/>
+                        <a14:foregroundMark x1="30788" y1="7584" x2="33621" y2="8567"/>
+                        <a14:foregroundMark x1="32143" y1="6320" x2="31281" y2="6320"/>
+                        <a14:foregroundMark x1="18719" y1="7022" x2="21182" y2="6882"/>
+                        <a14:foregroundMark x1="4433" y1="11798" x2="4557" y2="7303"/>
+                      </a14:backgroundRemoval>
+                    </a14:imgEffect>
+                  </a14:imgLayer>
+                </a14:imgProps>
+              </a:ext>
+              <a:ext uri="{28A0092B-C50C-407E-A947-70E740481C1C}">
+                <a14:useLocalDpi xmlns:a14="http://schemas.microsoft.com/office/drawing/2010/main" val="0"/>
+              </a:ext>
+            </a:extLst>
+          </a:blip>
+          <a:srcRect l="13377" t="2569" r="74335" b="83488"/>
+          <a:stretch/>
+        </p:blipFill>
+        <p:spPr bwMode="auto">
+          <a:xfrm>
+            <a:off x="2609351" y="-3052661"/>
+            <a:ext cx="950401" cy="945572"/>
+          </a:xfrm>
+          <a:prstGeom prst="rect">
+            <a:avLst/>
+          </a:prstGeom>
+          <a:noFill/>
+          <a:extLst>
+            <a:ext uri="{909E8E84-426E-40DD-AFC4-6F175D3DCCD1}">
+              <a14:hiddenFill xmlns:a14="http://schemas.microsoft.com/office/drawing/2010/main">
+                <a:solidFill>
+                  <a:srgbClr val="FFFFFF"/>
+                </a:solidFill>
+              </a14:hiddenFill>
+            </a:ext>
+          </a:extLst>
+        </p:spPr>
+      </p:pic>
+      <p:pic>
+        <p:nvPicPr>
+          <p:cNvPr id="16" name="Picture 4" descr="Pixel Keyboard Keys - for UI by Dream Mix">
+            <a:extLst>
+              <a:ext uri="{FF2B5EF4-FFF2-40B4-BE49-F238E27FC236}">
+                <a16:creationId xmlns:a16="http://schemas.microsoft.com/office/drawing/2014/main" id="{414AE389-C4C7-4D61-30D7-12F391329044}"/>
+              </a:ext>
+            </a:extLst>
+          </p:cNvPr>
+          <p:cNvPicPr>
+            <a:picLocks noChangeAspect="1" noChangeArrowheads="1"/>
+          </p:cNvPicPr>
+          <p:nvPr/>
+        </p:nvPicPr>
+        <p:blipFill rotWithShape="1">
+          <a:blip r:embed="rId18">
+            <a:extLst>
+              <a:ext uri="{BEBA8EAE-BF5A-486C-A8C5-ECC9F3942E4B}">
+                <a14:imgProps xmlns:a14="http://schemas.microsoft.com/office/drawing/2010/main">
+                  <a14:imgLayer r:embed="rId19">
+                    <a14:imgEffect>
+                      <a14:backgroundRemoval t="3933" b="14888" l="4433" r="47660">
+                        <a14:foregroundMark x1="6404" y1="12500" x2="11207" y2="6742"/>
+                        <a14:foregroundMark x1="11207" y1="6742" x2="7882" y2="11517"/>
+                        <a14:foregroundMark x1="30049" y1="11517" x2="30049" y2="12921"/>
+                        <a14:foregroundMark x1="41010" y1="11236" x2="41010" y2="11376"/>
+                        <a14:foregroundMark x1="45936" y1="12079" x2="46305" y2="5899"/>
+                        <a14:foregroundMark x1="41995" y1="8146" x2="44335" y2="8427"/>
+                        <a14:foregroundMark x1="47783" y1="12079" x2="47783" y2="8567"/>
+                        <a14:foregroundMark x1="43350" y1="6461" x2="44089" y2="6461"/>
+                        <a14:foregroundMark x1="30788" y1="7584" x2="33621" y2="8567"/>
+                        <a14:foregroundMark x1="32143" y1="6320" x2="31281" y2="6320"/>
+                        <a14:foregroundMark x1="18719" y1="7022" x2="21182" y2="6882"/>
+                        <a14:foregroundMark x1="4433" y1="11798" x2="4557" y2="7303"/>
+                      </a14:backgroundRemoval>
+                    </a14:imgEffect>
+                  </a14:imgLayer>
+                </a14:imgProps>
+              </a:ext>
+              <a:ext uri="{28A0092B-C50C-407E-A947-70E740481C1C}">
+                <a14:useLocalDpi xmlns:a14="http://schemas.microsoft.com/office/drawing/2010/main" val="0"/>
+              </a:ext>
+            </a:extLst>
+          </a:blip>
+          <a:srcRect l="38006" t="2569" r="50698" b="83488"/>
+          <a:stretch/>
+        </p:blipFill>
+        <p:spPr bwMode="auto">
+          <a:xfrm>
+            <a:off x="3622998" y="-3052661"/>
+            <a:ext cx="873621" cy="945572"/>
+          </a:xfrm>
+          <a:prstGeom prst="rect">
+            <a:avLst/>
+          </a:prstGeom>
+          <a:noFill/>
+          <a:extLst>
+            <a:ext uri="{909E8E84-426E-40DD-AFC4-6F175D3DCCD1}">
+              <a14:hiddenFill xmlns:a14="http://schemas.microsoft.com/office/drawing/2010/main">
+                <a:solidFill>
+                  <a:srgbClr val="FFFFFF"/>
+                </a:solidFill>
+              </a14:hiddenFill>
+            </a:ext>
+          </a:extLst>
+        </p:spPr>
+      </p:pic>
+      <p:pic>
+        <p:nvPicPr>
+          <p:cNvPr id="21" name="Picture 4" descr="Pixel Keyboard Keys - for UI by Dream Mix">
+            <a:extLst>
+              <a:ext uri="{FF2B5EF4-FFF2-40B4-BE49-F238E27FC236}">
+                <a16:creationId xmlns:a16="http://schemas.microsoft.com/office/drawing/2014/main" id="{5B1D79AB-8F23-75EF-FE5E-10C81B411D44}"/>
+              </a:ext>
+            </a:extLst>
+          </p:cNvPr>
+          <p:cNvPicPr>
+            <a:picLocks noChangeAspect="1" noChangeArrowheads="1"/>
+          </p:cNvPicPr>
+          <p:nvPr/>
+        </p:nvPicPr>
+        <p:blipFill rotWithShape="1">
+          <a:blip r:embed="rId18">
+            <a:extLst>
+              <a:ext uri="{BEBA8EAE-BF5A-486C-A8C5-ECC9F3942E4B}">
+                <a14:imgProps xmlns:a14="http://schemas.microsoft.com/office/drawing/2010/main">
+                  <a14:imgLayer r:embed="rId19">
+                    <a14:imgEffect>
+                      <a14:backgroundRemoval t="3933" b="14888" l="4433" r="47660">
+                        <a14:foregroundMark x1="6404" y1="12500" x2="11207" y2="6742"/>
+                        <a14:foregroundMark x1="11207" y1="6742" x2="7882" y2="11517"/>
+                        <a14:foregroundMark x1="30049" y1="11517" x2="30049" y2="12921"/>
+                        <a14:foregroundMark x1="41010" y1="11236" x2="41010" y2="11376"/>
+                        <a14:foregroundMark x1="45936" y1="12079" x2="46305" y2="5899"/>
+                        <a14:foregroundMark x1="41995" y1="8146" x2="44335" y2="8427"/>
+                        <a14:foregroundMark x1="47783" y1="12079" x2="47783" y2="8567"/>
+                        <a14:foregroundMark x1="43350" y1="6461" x2="44089" y2="6461"/>
+                        <a14:foregroundMark x1="30788" y1="7584" x2="33621" y2="8567"/>
+                        <a14:foregroundMark x1="32143" y1="6320" x2="31281" y2="6320"/>
+                        <a14:foregroundMark x1="18719" y1="7022" x2="21182" y2="6882"/>
+                        <a14:foregroundMark x1="4433" y1="11798" x2="4557" y2="7303"/>
+                      </a14:backgroundRemoval>
+                    </a14:imgEffect>
+                  </a14:imgLayer>
+                </a14:imgProps>
+              </a:ext>
+              <a:ext uri="{28A0092B-C50C-407E-A947-70E740481C1C}">
+                <a14:useLocalDpi xmlns:a14="http://schemas.microsoft.com/office/drawing/2010/main" val="0"/>
+              </a:ext>
+            </a:extLst>
+          </a:blip>
+          <a:srcRect l="2785" t="2569" r="86245" b="83488"/>
+          <a:stretch/>
+        </p:blipFill>
+        <p:spPr bwMode="auto">
+          <a:xfrm>
+            <a:off x="2691129" y="-4742384"/>
+            <a:ext cx="848525" cy="945572"/>
+          </a:xfrm>
+          <a:prstGeom prst="rect">
+            <a:avLst/>
+          </a:prstGeom>
+          <a:noFill/>
+          <a:extLst>
+            <a:ext uri="{909E8E84-426E-40DD-AFC4-6F175D3DCCD1}">
+              <a14:hiddenFill xmlns:a14="http://schemas.microsoft.com/office/drawing/2010/main">
+                <a:solidFill>
+                  <a:srgbClr val="FFFFFF"/>
+                </a:solidFill>
+              </a14:hiddenFill>
+            </a:ext>
+          </a:extLst>
+        </p:spPr>
+      </p:pic>
+      <p:pic>
+        <p:nvPicPr>
+          <p:cNvPr id="22" name="Picture 4" descr="Pixel Keyboard Keys - for UI by Dream Mix">
+            <a:extLst>
+              <a:ext uri="{FF2B5EF4-FFF2-40B4-BE49-F238E27FC236}">
+                <a16:creationId xmlns:a16="http://schemas.microsoft.com/office/drawing/2014/main" id="{A1145469-2946-0F72-D9BD-6AF131A75357}"/>
+              </a:ext>
+            </a:extLst>
+          </p:cNvPr>
+          <p:cNvPicPr>
+            <a:picLocks noChangeAspect="1" noChangeArrowheads="1"/>
+          </p:cNvPicPr>
+          <p:nvPr/>
+        </p:nvPicPr>
+        <p:blipFill rotWithShape="1">
+          <a:blip r:embed="rId20">
+            <a:extLst>
+              <a:ext uri="{BEBA8EAE-BF5A-486C-A8C5-ECC9F3942E4B}">
+                <a14:imgProps xmlns:a14="http://schemas.microsoft.com/office/drawing/2010/main">
+                  <a14:imgLayer r:embed="rId19">
+                    <a14:imgEffect>
+                      <a14:backgroundRemoval t="31180" b="41152" l="51108" r="71675">
+                        <a14:foregroundMark x1="65887" y1="40871" x2="68227" y2="40871"/>
+                        <a14:foregroundMark x1="71798" y1="37921" x2="71798" y2="36236"/>
+                        <a14:foregroundMark x1="67857" y1="31601" x2="65764" y2="31320"/>
+                        <a14:foregroundMark x1="56158" y1="33287" x2="57512" y2="38343"/>
+                        <a14:foregroundMark x1="51601" y1="32865" x2="51601" y2="34410"/>
+                        <a14:foregroundMark x1="51108" y1="35253" x2="51108" y2="37219"/>
+                        <a14:foregroundMark x1="53202" y1="40590" x2="57512" y2="40730"/>
+                      </a14:backgroundRemoval>
+                    </a14:imgEffect>
+                  </a14:imgLayer>
+                </a14:imgProps>
+              </a:ext>
+              <a:ext uri="{28A0092B-C50C-407E-A947-70E740481C1C}">
+                <a14:useLocalDpi xmlns:a14="http://schemas.microsoft.com/office/drawing/2010/main" val="0"/>
+              </a:ext>
+            </a:extLst>
+          </a:blip>
+          <a:srcRect l="61723" t="30768" r="26712" b="57569"/>
+          <a:stretch/>
+        </p:blipFill>
+        <p:spPr bwMode="auto">
+          <a:xfrm>
+            <a:off x="10030132" y="-3002696"/>
+            <a:ext cx="894448" cy="790973"/>
+          </a:xfrm>
+          <a:prstGeom prst="rect">
+            <a:avLst/>
+          </a:prstGeom>
+          <a:noFill/>
+          <a:extLst>
+            <a:ext uri="{909E8E84-426E-40DD-AFC4-6F175D3DCCD1}">
+              <a14:hiddenFill xmlns:a14="http://schemas.microsoft.com/office/drawing/2010/main">
+                <a:solidFill>
+                  <a:srgbClr val="FFFFFF"/>
+                </a:solidFill>
+              </a14:hiddenFill>
+            </a:ext>
+          </a:extLst>
+        </p:spPr>
+      </p:pic>
+      <p:pic>
+        <p:nvPicPr>
+          <p:cNvPr id="24" name="Picture 4" descr="Pixel Keyboard Keys - for UI by Dream Mix">
+            <a:extLst>
+              <a:ext uri="{FF2B5EF4-FFF2-40B4-BE49-F238E27FC236}">
+                <a16:creationId xmlns:a16="http://schemas.microsoft.com/office/drawing/2014/main" id="{A04D6833-8CA7-9877-ABCD-F181F4B1E111}"/>
+              </a:ext>
+            </a:extLst>
+          </p:cNvPr>
+          <p:cNvPicPr>
+            <a:picLocks noChangeAspect="1" noChangeArrowheads="1"/>
+          </p:cNvPicPr>
+          <p:nvPr/>
+        </p:nvPicPr>
+        <p:blipFill rotWithShape="1">
+          <a:blip r:embed="rId20">
+            <a:extLst>
+              <a:ext uri="{BEBA8EAE-BF5A-486C-A8C5-ECC9F3942E4B}">
+                <a14:imgProps xmlns:a14="http://schemas.microsoft.com/office/drawing/2010/main">
+                  <a14:imgLayer r:embed="rId19">
+                    <a14:imgEffect>
+                      <a14:backgroundRemoval t="31180" b="41152" l="51108" r="71675">
+                        <a14:foregroundMark x1="65887" y1="40871" x2="68227" y2="40871"/>
+                        <a14:foregroundMark x1="71798" y1="37921" x2="71798" y2="36236"/>
+                        <a14:foregroundMark x1="67857" y1="31601" x2="65764" y2="31320"/>
+                        <a14:foregroundMark x1="56158" y1="33287" x2="57512" y2="38343"/>
+                        <a14:foregroundMark x1="51601" y1="32865" x2="51601" y2="34410"/>
+                        <a14:foregroundMark x1="51108" y1="35253" x2="51108" y2="37219"/>
+                        <a14:foregroundMark x1="53202" y1="40590" x2="57512" y2="40730"/>
+                      </a14:backgroundRemoval>
+                    </a14:imgEffect>
+                  </a14:imgLayer>
+                </a14:imgProps>
+              </a:ext>
+              <a:ext uri="{28A0092B-C50C-407E-A947-70E740481C1C}">
+                <a14:useLocalDpi xmlns:a14="http://schemas.microsoft.com/office/drawing/2010/main" val="0"/>
+              </a:ext>
+            </a:extLst>
+          </a:blip>
+          <a:srcRect l="50159" t="30768" r="38593" b="57569"/>
+          <a:stretch/>
+        </p:blipFill>
+        <p:spPr bwMode="auto">
+          <a:xfrm>
+            <a:off x="6980170" y="-3013473"/>
+            <a:ext cx="869985" cy="790973"/>
+          </a:xfrm>
+          <a:prstGeom prst="rect">
+            <a:avLst/>
+          </a:prstGeom>
+          <a:noFill/>
+          <a:extLst>
+            <a:ext uri="{909E8E84-426E-40DD-AFC4-6F175D3DCCD1}">
+              <a14:hiddenFill xmlns:a14="http://schemas.microsoft.com/office/drawing/2010/main">
+                <a:solidFill>
+                  <a:srgbClr val="FFFFFF"/>
+                </a:solidFill>
+              </a14:hiddenFill>
+            </a:ext>
+          </a:extLst>
+        </p:spPr>
+      </p:pic>
+      <p:pic>
+        <p:nvPicPr>
+          <p:cNvPr id="27" name="Imagem 26">
+            <a:extLst>
+              <a:ext uri="{FF2B5EF4-FFF2-40B4-BE49-F238E27FC236}">
+                <a16:creationId xmlns:a16="http://schemas.microsoft.com/office/drawing/2014/main" id="{FF1E213E-06BE-78E9-8632-5F6F5696D1CA}"/>
+              </a:ext>
+            </a:extLst>
+          </p:cNvPr>
+          <p:cNvPicPr>
+            <a:picLocks noChangeAspect="1"/>
+          </p:cNvPicPr>
+          <p:nvPr/>
+        </p:nvPicPr>
+        <p:blipFill>
+          <a:blip r:embed="rId21"/>
+          <a:stretch>
+            <a:fillRect/>
+          </a:stretch>
+        </p:blipFill>
+        <p:spPr>
+          <a:xfrm>
+            <a:off x="1990610" y="-6562206"/>
+            <a:ext cx="2341067" cy="1286367"/>
+          </a:xfrm>
+          <a:prstGeom prst="rect">
+            <a:avLst/>
+          </a:prstGeom>
+        </p:spPr>
+      </p:pic>
+      <p:pic>
+        <p:nvPicPr>
+          <p:cNvPr id="28" name="Imagem 27">
+            <a:extLst>
+              <a:ext uri="{FF2B5EF4-FFF2-40B4-BE49-F238E27FC236}">
+                <a16:creationId xmlns:a16="http://schemas.microsoft.com/office/drawing/2014/main" id="{8BB5C66F-7A16-E2E7-178F-A15AA00830B0}"/>
+              </a:ext>
+            </a:extLst>
+          </p:cNvPr>
+          <p:cNvPicPr>
+            <a:picLocks noChangeAspect="1"/>
+          </p:cNvPicPr>
+          <p:nvPr/>
+        </p:nvPicPr>
+        <p:blipFill>
+          <a:blip r:embed="rId22"/>
+          <a:stretch>
+            <a:fillRect/>
+          </a:stretch>
+        </p:blipFill>
+        <p:spPr>
+          <a:xfrm>
+            <a:off x="5870909" y="-6486579"/>
+            <a:ext cx="3023878" cy="2017951"/>
+          </a:xfrm>
+          <a:prstGeom prst="rect">
+            <a:avLst/>
+          </a:prstGeom>
+        </p:spPr>
+      </p:pic>
+      <p:pic>
+        <p:nvPicPr>
+          <p:cNvPr id="29" name="Imagem 28">
+            <a:extLst>
+              <a:ext uri="{FF2B5EF4-FFF2-40B4-BE49-F238E27FC236}">
+                <a16:creationId xmlns:a16="http://schemas.microsoft.com/office/drawing/2014/main" id="{0386A968-B097-DC97-73FB-D73E7A8DDDF4}"/>
+              </a:ext>
+            </a:extLst>
+          </p:cNvPr>
+          <p:cNvPicPr>
+            <a:picLocks noChangeAspect="1"/>
+          </p:cNvPicPr>
+          <p:nvPr/>
+        </p:nvPicPr>
+        <p:blipFill>
+          <a:blip r:embed="rId23"/>
+          <a:stretch>
+            <a:fillRect/>
+          </a:stretch>
+        </p:blipFill>
+        <p:spPr>
+          <a:xfrm>
+            <a:off x="8585135" y="-6490858"/>
+            <a:ext cx="3792041" cy="2017951"/>
+          </a:xfrm>
+          <a:prstGeom prst="rect">
+            <a:avLst/>
+          </a:prstGeom>
+        </p:spPr>
+      </p:pic>
+      <p:pic>
+        <p:nvPicPr>
+          <p:cNvPr id="31" name="Picture 2" descr="Pixel Keyboard Keys - for UI by Dream Mix">
+            <a:extLst>
+              <a:ext uri="{FF2B5EF4-FFF2-40B4-BE49-F238E27FC236}">
+                <a16:creationId xmlns:a16="http://schemas.microsoft.com/office/drawing/2014/main" id="{BD0D6CB1-2C07-058A-708D-35B82E5DF21D}"/>
+              </a:ext>
+            </a:extLst>
+          </p:cNvPr>
+          <p:cNvPicPr>
+            <a:picLocks noChangeAspect="1" noChangeArrowheads="1"/>
+          </p:cNvPicPr>
+          <p:nvPr/>
+        </p:nvPicPr>
+        <p:blipFill rotWithShape="1">
+          <a:blip r:embed="rId24">
+            <a:extLst>
+              <a:ext uri="{BEBA8EAE-BF5A-486C-A8C5-ECC9F3942E4B}">
+                <a14:imgProps xmlns:a14="http://schemas.microsoft.com/office/drawing/2010/main">
+                  <a14:imgLayer r:embed="rId25">
+                    <a14:imgEffect>
+                      <a14:backgroundRemoval t="51510" b="69272" l="50694" r="72525">
+                        <a14:foregroundMark x1="51619" y1="67673" x2="51526" y2="57549"/>
+                        <a14:foregroundMark x1="51526" y1="57549" x2="52636" y2="53641"/>
+                        <a14:foregroundMark x1="50786" y1="58259" x2="51064" y2="64298"/>
+                        <a14:foregroundMark x1="71415" y1="53996" x2="71508" y2="68206"/>
+                        <a14:foregroundMark x1="72525" y1="66430" x2="72340" y2="57726"/>
+                      </a14:backgroundRemoval>
+                    </a14:imgEffect>
+                  </a14:imgLayer>
+                </a14:imgProps>
+              </a:ext>
+              <a:ext uri="{28A0092B-C50C-407E-A947-70E740481C1C}">
+                <a14:useLocalDpi xmlns:a14="http://schemas.microsoft.com/office/drawing/2010/main" val="0"/>
+              </a:ext>
+            </a:extLst>
+          </a:blip>
+          <a:srcRect l="49599" t="49352" r="26395" b="28474"/>
+          <a:stretch/>
+        </p:blipFill>
+        <p:spPr bwMode="auto">
+          <a:xfrm>
+            <a:off x="2033720" y="10767792"/>
+            <a:ext cx="2471828" cy="1189078"/>
+          </a:xfrm>
+          <a:prstGeom prst="rect">
+            <a:avLst/>
+          </a:prstGeom>
+          <a:noFill/>
+          <a:extLst>
+            <a:ext uri="{909E8E84-426E-40DD-AFC4-6F175D3DCCD1}">
+              <a14:hiddenFill xmlns:a14="http://schemas.microsoft.com/office/drawing/2010/main">
+                <a:solidFill>
+                  <a:srgbClr val="FFFFFF"/>
+                </a:solidFill>
+              </a14:hiddenFill>
+            </a:ext>
+          </a:extLst>
+        </p:spPr>
+      </p:pic>
+      <p:pic>
+        <p:nvPicPr>
+          <p:cNvPr id="32" name="Picture 2" descr="Pixel Keyboard Keys - for UI by Dream Mix">
+            <a:extLst>
+              <a:ext uri="{FF2B5EF4-FFF2-40B4-BE49-F238E27FC236}">
+                <a16:creationId xmlns:a16="http://schemas.microsoft.com/office/drawing/2014/main" id="{60A7F0AA-EB4E-1BFA-1C35-D09073B79E0C}"/>
+              </a:ext>
+            </a:extLst>
+          </p:cNvPr>
+          <p:cNvPicPr>
+            <a:picLocks noChangeAspect="1" noChangeArrowheads="1"/>
+          </p:cNvPicPr>
+          <p:nvPr/>
+        </p:nvPicPr>
+        <p:blipFill rotWithShape="1">
+          <a:blip r:embed="rId26">
+            <a:extLst>
+              <a:ext uri="{BEBA8EAE-BF5A-486C-A8C5-ECC9F3942E4B}">
+                <a14:imgProps xmlns:a14="http://schemas.microsoft.com/office/drawing/2010/main">
+                  <a14:imgLayer r:embed="rId25">
+                    <a14:imgEffect>
+                      <a14:backgroundRemoval t="30018" b="45471" l="75486" r="95375">
+                        <a14:foregroundMark x1="75856" y1="44050" x2="76318" y2="33570"/>
+                        <a14:foregroundMark x1="76318" y1="33570" x2="77613" y2="32504"/>
+                        <a14:foregroundMark x1="75671" y1="36057" x2="75486" y2="42984"/>
+                        <a14:foregroundMark x1="77243" y1="30373" x2="93617" y2="30373"/>
+                        <a14:foregroundMark x1="93987" y1="31972" x2="95375" y2="41208"/>
+                        <a14:foregroundMark x1="95375" y1="41208" x2="94542" y2="44760"/>
+                      </a14:backgroundRemoval>
+                    </a14:imgEffect>
+                  </a14:imgLayer>
+                </a14:imgProps>
+              </a:ext>
+              <a:ext uri="{28A0092B-C50C-407E-A947-70E740481C1C}">
+                <a14:useLocalDpi xmlns:a14="http://schemas.microsoft.com/office/drawing/2010/main" val="0"/>
+              </a:ext>
+            </a:extLst>
+          </a:blip>
+          <a:srcRect l="73916" t="28140" r="3642" b="52342"/>
+          <a:stretch/>
+        </p:blipFill>
+        <p:spPr bwMode="auto">
+          <a:xfrm>
+            <a:off x="5415833" y="10872593"/>
+            <a:ext cx="2310750" cy="1046608"/>
+          </a:xfrm>
+          <a:prstGeom prst="rect">
+            <a:avLst/>
+          </a:prstGeom>
+          <a:noFill/>
+          <a:extLst>
+            <a:ext uri="{909E8E84-426E-40DD-AFC4-6F175D3DCCD1}">
+              <a14:hiddenFill xmlns:a14="http://schemas.microsoft.com/office/drawing/2010/main">
+                <a:solidFill>
+                  <a:srgbClr val="FFFFFF"/>
+                </a:solidFill>
+              </a14:hiddenFill>
+            </a:ext>
+          </a:extLst>
+        </p:spPr>
+      </p:pic>
+      <p:pic>
+        <p:nvPicPr>
+          <p:cNvPr id="33" name="Picture 2" descr="Pixel Keyboard Keys - for UI by Dream Mix">
+            <a:extLst>
+              <a:ext uri="{FF2B5EF4-FFF2-40B4-BE49-F238E27FC236}">
+                <a16:creationId xmlns:a16="http://schemas.microsoft.com/office/drawing/2014/main" id="{9283F003-C230-A4AC-E141-E39D73227F34}"/>
+              </a:ext>
+            </a:extLst>
+          </p:cNvPr>
+          <p:cNvPicPr>
+            <a:picLocks noChangeAspect="1" noChangeArrowheads="1"/>
+          </p:cNvPicPr>
+          <p:nvPr/>
+        </p:nvPicPr>
+        <p:blipFill rotWithShape="1">
+          <a:blip r:embed="rId27">
+            <a:extLst>
+              <a:ext uri="{BEBA8EAE-BF5A-486C-A8C5-ECC9F3942E4B}">
+                <a14:imgProps xmlns:a14="http://schemas.microsoft.com/office/drawing/2010/main">
+                  <a14:imgLayer r:embed="rId25">
+                    <a14:imgEffect>
+                      <a14:backgroundRemoval t="52931" b="68384" l="5643" r="22757">
+                        <a14:foregroundMark x1="5735" y1="66075" x2="7493" y2="54707"/>
+                        <a14:foregroundMark x1="7493" y1="54707" x2="6475" y2="55595"/>
+                        <a14:foregroundMark x1="6660" y1="68561" x2="14524" y2="67140"/>
+                        <a14:foregroundMark x1="14524" y1="67140" x2="20722" y2="68384"/>
+                        <a14:foregroundMark x1="22202" y1="67851" x2="22757" y2="59680"/>
+                        <a14:foregroundMark x1="21924" y1="55417" x2="21924" y2="55417"/>
+                        <a14:foregroundMark x1="20722" y1="52931" x2="17114" y2="52931"/>
+                        <a14:foregroundMark x1="16096" y1="52931" x2="7401" y2="52931"/>
+                      </a14:backgroundRemoval>
+                    </a14:imgEffect>
+                  </a14:imgLayer>
+                </a14:imgProps>
+              </a:ext>
+              <a:ext uri="{28A0092B-C50C-407E-A947-70E740481C1C}">
+                <a14:useLocalDpi xmlns:a14="http://schemas.microsoft.com/office/drawing/2010/main" val="0"/>
+              </a:ext>
+            </a:extLst>
+          </a:blip>
+          <a:srcRect l="4558" t="51037" r="76466" b="29924"/>
+          <a:stretch/>
+        </p:blipFill>
+        <p:spPr bwMode="auto">
+          <a:xfrm>
+            <a:off x="8894787" y="10885404"/>
+            <a:ext cx="1953874" cy="1020986"/>
+          </a:xfrm>
+          <a:prstGeom prst="rect">
+            <a:avLst/>
+          </a:prstGeom>
+          <a:noFill/>
+          <a:extLst>
+            <a:ext uri="{909E8E84-426E-40DD-AFC4-6F175D3DCCD1}">
+              <a14:hiddenFill xmlns:a14="http://schemas.microsoft.com/office/drawing/2010/main">
+                <a:solidFill>
+                  <a:srgbClr val="FFFFFF"/>
+                </a:solidFill>
+              </a14:hiddenFill>
+            </a:ext>
+          </a:extLst>
+        </p:spPr>
+      </p:pic>
+      <p:pic>
+        <p:nvPicPr>
+          <p:cNvPr id="36" name="Imagem 35">
+            <a:extLst>
+              <a:ext uri="{FF2B5EF4-FFF2-40B4-BE49-F238E27FC236}">
+                <a16:creationId xmlns:a16="http://schemas.microsoft.com/office/drawing/2014/main" id="{EF191960-F181-A8D6-299B-71850063F5CF}"/>
+              </a:ext>
+            </a:extLst>
+          </p:cNvPr>
+          <p:cNvPicPr>
+            <a:picLocks noChangeAspect="1"/>
+          </p:cNvPicPr>
+          <p:nvPr/>
+        </p:nvPicPr>
+        <p:blipFill>
+          <a:blip r:embed="rId28"/>
+          <a:stretch>
+            <a:fillRect/>
+          </a:stretch>
+        </p:blipFill>
+        <p:spPr>
+          <a:xfrm>
+            <a:off x="1392073" y="7985561"/>
+            <a:ext cx="4023709" cy="1286367"/>
+          </a:xfrm>
+          <a:prstGeom prst="rect">
+            <a:avLst/>
+          </a:prstGeom>
+        </p:spPr>
+      </p:pic>
+      <p:pic>
+        <p:nvPicPr>
+          <p:cNvPr id="37" name="Imagem 36">
+            <a:extLst>
+              <a:ext uri="{FF2B5EF4-FFF2-40B4-BE49-F238E27FC236}">
+                <a16:creationId xmlns:a16="http://schemas.microsoft.com/office/drawing/2014/main" id="{01547182-08CC-CD41-212A-B6077F126318}"/>
+              </a:ext>
+            </a:extLst>
+          </p:cNvPr>
+          <p:cNvPicPr>
+            <a:picLocks noChangeAspect="1"/>
+          </p:cNvPicPr>
+          <p:nvPr/>
+        </p:nvPicPr>
+        <p:blipFill>
+          <a:blip r:embed="rId29"/>
+          <a:stretch>
+            <a:fillRect/>
+          </a:stretch>
+        </p:blipFill>
+        <p:spPr>
+          <a:xfrm>
+            <a:off x="5406477" y="7985560"/>
+            <a:ext cx="2420322" cy="1286367"/>
+          </a:xfrm>
+          <a:prstGeom prst="rect">
+            <a:avLst/>
+          </a:prstGeom>
+        </p:spPr>
+      </p:pic>
+      <p:pic>
+        <p:nvPicPr>
+          <p:cNvPr id="42" name="Imagem 41">
+            <a:extLst>
+              <a:ext uri="{FF2B5EF4-FFF2-40B4-BE49-F238E27FC236}">
+                <a16:creationId xmlns:a16="http://schemas.microsoft.com/office/drawing/2014/main" id="{62AC5DFC-00E9-0282-60AA-7E7CBF160331}"/>
+              </a:ext>
+            </a:extLst>
+          </p:cNvPr>
+          <p:cNvPicPr>
+            <a:picLocks noChangeAspect="1"/>
+          </p:cNvPicPr>
+          <p:nvPr/>
+        </p:nvPicPr>
+        <p:blipFill>
+          <a:blip r:embed="rId30"/>
+          <a:stretch>
+            <a:fillRect/>
+          </a:stretch>
+        </p:blipFill>
+        <p:spPr>
+          <a:xfrm>
+            <a:off x="8666011" y="8008096"/>
+            <a:ext cx="2645893" cy="1286367"/>
+          </a:xfrm>
+          <a:prstGeom prst="rect">
+            <a:avLst/>
+          </a:prstGeom>
+        </p:spPr>
+      </p:pic>
     </p:spTree>
     <p:extLst>
       <p:ext uri="{BB962C8B-B14F-4D97-AF65-F5344CB8AC3E}">
         <p14:creationId xmlns:p14="http://schemas.microsoft.com/office/powerpoint/2010/main" val="3591619413"/>
-      </p:ext>
-    </p:extLst>
-  </p:cSld>
-  <p:clrMapOvr>
-    <a:masterClrMapping/>
-  </p:clrMapOvr>
-  <mc:AlternateContent xmlns:mc="http://schemas.openxmlformats.org/markup-compatibility/2006" xmlns:p159="http://schemas.microsoft.com/office/powerpoint/2015/09/main">
-    <mc:Choice Requires="p159">
-      <p:transition xmlns:p14="http://schemas.microsoft.com/office/powerpoint/2010/main" spd="slow" p14:dur="2000">
-        <p159:morph option="byObject"/>
-      </p:transition>
-    </mc:Choice>
-    <mc:Fallback xmlns="">
-      <p:transition spd="slow">
-        <p:fade/>
-      </p:transition>
-    </mc:Fallback>
-  </mc:AlternateContent>
-</p:sld>
-</file>
-
-<file path=ppt/slides/slide4.xml><?xml version="1.0" encoding="utf-8"?>
-<p:sld xmlns:a="http://schemas.openxmlformats.org/drawingml/2006/main" xmlns:r="http://schemas.openxmlformats.org/officeDocument/2006/relationships" xmlns:p="http://schemas.openxmlformats.org/presentationml/2006/main">
-  <p:cSld>
-    <p:bg>
-      <p:bgPr>
-        <a:blipFill dpi="0" rotWithShape="1">
-          <a:blip r:embed="rId2">
-            <a:lum/>
-          </a:blip>
-          <a:srcRect/>
-          <a:stretch>
-            <a:fillRect t="-9000" b="-9000"/>
-          </a:stretch>
-        </a:blipFill>
-        <a:effectLst/>
-      </p:bgPr>
-    </p:bg>
-    <p:spTree>
-      <p:nvGrpSpPr>
-        <p:cNvPr id="1" name=""/>
-        <p:cNvGrpSpPr/>
-        <p:nvPr/>
-      </p:nvGrpSpPr>
-      <p:grpSpPr>
-        <a:xfrm>
-          <a:off x="0" y="0"/>
-          <a:ext cx="0" cy="0"/>
-          <a:chOff x="0" y="0"/>
-          <a:chExt cx="0" cy="0"/>
-        </a:xfrm>
-      </p:grpSpPr>
-      <p:pic>
-        <p:nvPicPr>
-          <p:cNvPr id="4" name="Imagem 3" descr="Placa branca com letras pretas&#10;&#10;Descrição gerada automaticamente com confiança baixa">
-            <a:extLst>
-              <a:ext uri="{FF2B5EF4-FFF2-40B4-BE49-F238E27FC236}">
-                <a16:creationId xmlns:a16="http://schemas.microsoft.com/office/drawing/2014/main" id="{8C22C53E-F555-149B-31A9-E92D0B5DC174}"/>
-              </a:ext>
-            </a:extLst>
-          </p:cNvPr>
-          <p:cNvPicPr>
-            <a:picLocks noChangeAspect="1"/>
-          </p:cNvPicPr>
-          <p:nvPr/>
-        </p:nvPicPr>
-        <p:blipFill>
-          <a:blip r:embed="rId3">
-            <a:extLst>
-              <a:ext uri="{28A0092B-C50C-407E-A947-70E740481C1C}">
-                <a14:useLocalDpi xmlns:a14="http://schemas.microsoft.com/office/drawing/2010/main" val="0"/>
-              </a:ext>
-            </a:extLst>
-          </a:blip>
-          <a:stretch>
-            <a:fillRect/>
-          </a:stretch>
-        </p:blipFill>
-        <p:spPr>
-          <a:xfrm>
-            <a:off x="3487422" y="1329758"/>
-            <a:ext cx="8153034" cy="4586081"/>
-          </a:xfrm>
-          <a:prstGeom prst="rect">
-            <a:avLst/>
-          </a:prstGeom>
-        </p:spPr>
-      </p:pic>
-      <p:sp>
-        <p:nvSpPr>
-          <p:cNvPr id="9" name="Espaço Reservado para Número de Slide 8">
-            <a:extLst>
-              <a:ext uri="{FF2B5EF4-FFF2-40B4-BE49-F238E27FC236}">
-                <a16:creationId xmlns:a16="http://schemas.microsoft.com/office/drawing/2014/main" id="{959DCBD8-96BD-4262-0D39-9A38891FF570}"/>
-              </a:ext>
-            </a:extLst>
-          </p:cNvPr>
-          <p:cNvSpPr>
-            <a:spLocks noGrp="1"/>
-          </p:cNvSpPr>
-          <p:nvPr>
-            <p:ph type="sldNum" sz="quarter" idx="12"/>
-          </p:nvPr>
-        </p:nvSpPr>
-        <p:spPr>
-          <a:xfrm>
-            <a:off x="9305925" y="6346825"/>
-            <a:ext cx="2743200" cy="365125"/>
-          </a:xfrm>
-        </p:spPr>
-        <p:txBody>
-          <a:bodyPr vert="horz" lIns="91440" tIns="45720" rIns="91440" bIns="45720" rtlCol="0" anchor="ctr"/>
-          <a:lstStyle/>
-          <a:p>
-            <a:fld id="{3CCB0E57-07C7-4201-932D-E8A25CD1446D}" type="slidenum">
-              <a:rPr lang="pt-BR" sz="4000">
-                <a:solidFill>
-                  <a:srgbClr val="FFC000"/>
-                </a:solidFill>
-                <a:latin typeface="Stardew Valley" pitchFamily="2" charset="0"/>
-              </a:rPr>
-              <a:pPr/>
-              <a:t>4</a:t>
-            </a:fld>
-            <a:endParaRPr lang="pt-BR" sz="4000" dirty="0">
-              <a:solidFill>
-                <a:srgbClr val="FFC000"/>
-              </a:solidFill>
-              <a:latin typeface="Stardew Valley" pitchFamily="2" charset="0"/>
-            </a:endParaRPr>
-          </a:p>
-        </p:txBody>
-      </p:sp>
-      <p:sp>
-        <p:nvSpPr>
-          <p:cNvPr id="11" name="CaixaDeTexto 10">
-            <a:extLst>
-              <a:ext uri="{FF2B5EF4-FFF2-40B4-BE49-F238E27FC236}">
-                <a16:creationId xmlns:a16="http://schemas.microsoft.com/office/drawing/2014/main" id="{431ACD0E-A089-99E8-EF35-872C6F178261}"/>
-              </a:ext>
-            </a:extLst>
-          </p:cNvPr>
-          <p:cNvSpPr txBox="1"/>
-          <p:nvPr/>
-        </p:nvSpPr>
-        <p:spPr>
-          <a:xfrm>
-            <a:off x="4135937" y="2919397"/>
-            <a:ext cx="6856004" cy="1754326"/>
-          </a:xfrm>
-          <a:prstGeom prst="rect">
-            <a:avLst/>
-          </a:prstGeom>
-          <a:noFill/>
-        </p:spPr>
-        <p:txBody>
-          <a:bodyPr wrap="square" rtlCol="0">
-            <a:spAutoFit/>
-          </a:bodyPr>
-          <a:lstStyle>
-            <a:defPPr>
-              <a:defRPr lang="pt-BR"/>
-            </a:defPPr>
-            <a:lvl1pPr algn="ctr">
-              <a:defRPr b="0" i="0">
-                <a:solidFill>
-                  <a:schemeClr val="accent2">
-                    <a:lumMod val="50000"/>
-                  </a:schemeClr>
-                </a:solidFill>
-                <a:effectLst/>
-                <a:latin typeface="Amasis MT Pro Medium" panose="02040604050005020304" pitchFamily="18" charset="0"/>
-              </a:defRPr>
-            </a:lvl1pPr>
-          </a:lstStyle>
-          <a:p>
-            <a:r>
-              <a:rPr lang="pt-BR" dirty="0"/>
-              <a:t>Sua missão como jogador é fazer com que João, o coelho, consiga se manter bem e feliz com seu terreno e plantações. A ideia é que, a cada dia que passe, você consiga colher mais frutos, fazer plantações mais robustas, negociar com o mercador para conseguir juntar um dinheiro e concretizar o sonho de João: fazer sua própria fazenda de mineração de Bitcoins!</a:t>
-            </a:r>
-          </a:p>
-        </p:txBody>
-      </p:sp>
-      <p:pic>
-        <p:nvPicPr>
-          <p:cNvPr id="2" name="Imagem 1" descr="Uma imagem contendo escuro, fumaça, nuvens, assistindo&#10;&#10;Descrição gerada automaticamente">
-            <a:extLst>
-              <a:ext uri="{FF2B5EF4-FFF2-40B4-BE49-F238E27FC236}">
-                <a16:creationId xmlns:a16="http://schemas.microsoft.com/office/drawing/2014/main" id="{8E1F4B48-00C5-02DA-A614-C1E2300B069D}"/>
-              </a:ext>
-            </a:extLst>
-          </p:cNvPr>
-          <p:cNvPicPr>
-            <a:picLocks noChangeAspect="1"/>
-          </p:cNvPicPr>
-          <p:nvPr/>
-        </p:nvPicPr>
-        <p:blipFill>
-          <a:blip r:embed="rId4">
-            <a:extLst>
-              <a:ext uri="{28A0092B-C50C-407E-A947-70E740481C1C}">
-                <a14:useLocalDpi xmlns:a14="http://schemas.microsoft.com/office/drawing/2010/main" val="0"/>
-              </a:ext>
-            </a:extLst>
-          </a:blip>
-          <a:stretch>
-            <a:fillRect/>
-          </a:stretch>
-        </p:blipFill>
-        <p:spPr>
-          <a:xfrm>
-            <a:off x="817335" y="-568892"/>
-            <a:ext cx="12192000" cy="3797300"/>
-          </a:xfrm>
-          <a:prstGeom prst="rect">
-            <a:avLst/>
-          </a:prstGeom>
-        </p:spPr>
-      </p:pic>
-      <p:pic>
-        <p:nvPicPr>
-          <p:cNvPr id="12" name="Imagem 11" descr="Forma, Quadrado&#10;&#10;Descrição gerada automaticamente">
-            <a:extLst>
-              <a:ext uri="{FF2B5EF4-FFF2-40B4-BE49-F238E27FC236}">
-                <a16:creationId xmlns:a16="http://schemas.microsoft.com/office/drawing/2014/main" id="{13FE828F-3EB9-D40C-63EF-511AA5766A8F}"/>
-              </a:ext>
-            </a:extLst>
-          </p:cNvPr>
-          <p:cNvPicPr>
-            <a:picLocks noChangeAspect="1"/>
-          </p:cNvPicPr>
-          <p:nvPr/>
-        </p:nvPicPr>
-        <p:blipFill rotWithShape="1">
-          <a:blip r:embed="rId5">
-            <a:extLst>
-              <a:ext uri="{28A0092B-C50C-407E-A947-70E740481C1C}">
-                <a14:useLocalDpi xmlns:a14="http://schemas.microsoft.com/office/drawing/2010/main" val="0"/>
-              </a:ext>
-            </a:extLst>
-          </a:blip>
-          <a:srcRect l="28332" t="80043" r="29586" b="11288"/>
-          <a:stretch/>
-        </p:blipFill>
-        <p:spPr>
-          <a:xfrm>
-            <a:off x="7362834" y="1676137"/>
-            <a:ext cx="3480398" cy="646331"/>
-          </a:xfrm>
-          <a:prstGeom prst="rect">
-            <a:avLst/>
-          </a:prstGeom>
-          <a:effectLst>
-            <a:outerShdw blurRad="50800" dist="38100" dir="2700000" algn="tl" rotWithShape="0">
-              <a:prstClr val="black">
-                <a:alpha val="40000"/>
-              </a:prstClr>
-            </a:outerShdw>
-          </a:effectLst>
-        </p:spPr>
-      </p:pic>
-      <p:pic>
-        <p:nvPicPr>
-          <p:cNvPr id="3" name="Imagem 2" descr="Fundo preto com letras brancas&#10;&#10;Descrição gerada automaticamente com confiança média">
-            <a:extLst>
-              <a:ext uri="{FF2B5EF4-FFF2-40B4-BE49-F238E27FC236}">
-                <a16:creationId xmlns:a16="http://schemas.microsoft.com/office/drawing/2014/main" id="{FBB9EF18-7796-5C4C-6EA6-5594B6CCC335}"/>
-              </a:ext>
-            </a:extLst>
-          </p:cNvPr>
-          <p:cNvPicPr>
-            <a:picLocks noChangeAspect="1"/>
-          </p:cNvPicPr>
-          <p:nvPr/>
-        </p:nvPicPr>
-        <p:blipFill>
-          <a:blip r:embed="rId6">
-            <a:extLst>
-              <a:ext uri="{28A0092B-C50C-407E-A947-70E740481C1C}">
-                <a14:useLocalDpi xmlns:a14="http://schemas.microsoft.com/office/drawing/2010/main" val="0"/>
-              </a:ext>
-            </a:extLst>
-          </a:blip>
-          <a:stretch>
-            <a:fillRect/>
-          </a:stretch>
-        </p:blipFill>
-        <p:spPr>
-          <a:xfrm>
-            <a:off x="3335650" y="5531257"/>
-            <a:ext cx="600075" cy="600075"/>
-          </a:xfrm>
-          <a:prstGeom prst="rect">
-            <a:avLst/>
-          </a:prstGeom>
-        </p:spPr>
-      </p:pic>
-      <p:pic>
-        <p:nvPicPr>
-          <p:cNvPr id="5" name="Imagem 4" descr="Tela de vídeo game&#10;&#10;Descrição gerada automaticamente">
-            <a:extLst>
-              <a:ext uri="{FF2B5EF4-FFF2-40B4-BE49-F238E27FC236}">
-                <a16:creationId xmlns:a16="http://schemas.microsoft.com/office/drawing/2014/main" id="{457B66E2-4623-D104-2EA9-4DF6C83E456F}"/>
-              </a:ext>
-            </a:extLst>
-          </p:cNvPr>
-          <p:cNvPicPr>
-            <a:picLocks noChangeAspect="1"/>
-          </p:cNvPicPr>
-          <p:nvPr/>
-        </p:nvPicPr>
-        <p:blipFill>
-          <a:blip r:embed="rId7">
-            <a:extLst>
-              <a:ext uri="{28A0092B-C50C-407E-A947-70E740481C1C}">
-                <a14:useLocalDpi xmlns:a14="http://schemas.microsoft.com/office/drawing/2010/main" val="0"/>
-              </a:ext>
-            </a:extLst>
-          </a:blip>
-          <a:stretch>
-            <a:fillRect/>
-          </a:stretch>
-        </p:blipFill>
-        <p:spPr>
-          <a:xfrm>
-            <a:off x="13537337" y="2570929"/>
-            <a:ext cx="2696594" cy="2696594"/>
-          </a:xfrm>
-          <a:prstGeom prst="rect">
-            <a:avLst/>
-          </a:prstGeom>
-        </p:spPr>
-      </p:pic>
-      <p:pic>
-        <p:nvPicPr>
-          <p:cNvPr id="6" name="Imagem 5" descr="Desenho com traços pretos em fundo branco&#10;&#10;Descrição gerada automaticamente com confiança baixa">
-            <a:extLst>
-              <a:ext uri="{FF2B5EF4-FFF2-40B4-BE49-F238E27FC236}">
-                <a16:creationId xmlns:a16="http://schemas.microsoft.com/office/drawing/2014/main" id="{DE894902-27A5-714F-BE59-49A81EA5266E}"/>
-              </a:ext>
-            </a:extLst>
-          </p:cNvPr>
-          <p:cNvPicPr>
-            <a:picLocks noChangeAspect="1"/>
-          </p:cNvPicPr>
-          <p:nvPr/>
-        </p:nvPicPr>
-        <p:blipFill rotWithShape="1">
-          <a:blip r:embed="rId8">
-            <a:extLst>
-              <a:ext uri="{28A0092B-C50C-407E-A947-70E740481C1C}">
-                <a14:useLocalDpi xmlns:a14="http://schemas.microsoft.com/office/drawing/2010/main" val="0"/>
-              </a:ext>
-            </a:extLst>
-          </a:blip>
-          <a:srcRect l="31497" t="26592" r="32010" b="18722"/>
-          <a:stretch/>
-        </p:blipFill>
-        <p:spPr>
-          <a:xfrm>
-            <a:off x="15469631" y="3100249"/>
-            <a:ext cx="1535126" cy="1658459"/>
-          </a:xfrm>
-          <a:prstGeom prst="rect">
-            <a:avLst/>
-          </a:prstGeom>
-        </p:spPr>
-      </p:pic>
-      <p:sp>
-        <p:nvSpPr>
-          <p:cNvPr id="8" name="CaixaDeTexto 7">
-            <a:extLst>
-              <a:ext uri="{FF2B5EF4-FFF2-40B4-BE49-F238E27FC236}">
-                <a16:creationId xmlns:a16="http://schemas.microsoft.com/office/drawing/2014/main" id="{48685E60-1197-7332-2B46-37FA8110B7E9}"/>
-              </a:ext>
-            </a:extLst>
-          </p:cNvPr>
-          <p:cNvSpPr txBox="1"/>
-          <p:nvPr/>
-        </p:nvSpPr>
-        <p:spPr>
-          <a:xfrm>
-            <a:off x="-7543307" y="2690789"/>
-            <a:ext cx="5886450" cy="2031325"/>
-          </a:xfrm>
-          <a:prstGeom prst="rect">
-            <a:avLst/>
-          </a:prstGeom>
-          <a:noFill/>
-        </p:spPr>
-        <p:txBody>
-          <a:bodyPr wrap="square" rtlCol="0">
-            <a:spAutoFit/>
-          </a:bodyPr>
-          <a:lstStyle/>
-          <a:p>
-            <a:pPr algn="ctr"/>
-            <a:r>
-              <a:rPr lang="pt-BR" b="0" i="0" dirty="0">
-                <a:solidFill>
-                  <a:schemeClr val="accent2">
-                    <a:lumMod val="50000"/>
-                  </a:schemeClr>
-                </a:solidFill>
-                <a:effectLst/>
-                <a:latin typeface="Amasis MT Pro Medium" panose="02040604050005020304" pitchFamily="18" charset="0"/>
-              </a:rPr>
-              <a:t>No mundo dos bichos, João é um coelho fazendeiro que herdou uma pequena fazenda de seu bisavô. Após tentativas frustradas de tentar a vida no ramo da compra e venda de bitcoins, João busca uma vida tranquila, na qual todos os dias ele planta e colhe seus vegetais e, no fim do dia, negocia-os com o mercador para conseguir o dinheiro para se manter!</a:t>
-            </a:r>
-            <a:endParaRPr lang="pt-BR" dirty="0">
-              <a:solidFill>
-                <a:schemeClr val="accent2">
-                  <a:lumMod val="50000"/>
-                </a:schemeClr>
-              </a:solidFill>
-              <a:latin typeface="Amasis MT Pro Medium" panose="02040604050005020304" pitchFamily="18" charset="0"/>
-            </a:endParaRPr>
-          </a:p>
-        </p:txBody>
-      </p:sp>
-      <p:sp>
-        <p:nvSpPr>
-          <p:cNvPr id="15" name="CaixaDeTexto 14">
-            <a:extLst>
-              <a:ext uri="{FF2B5EF4-FFF2-40B4-BE49-F238E27FC236}">
-                <a16:creationId xmlns:a16="http://schemas.microsoft.com/office/drawing/2014/main" id="{E9181E01-019E-48A4-1DD3-1BD5FE99A66E}"/>
-              </a:ext>
-            </a:extLst>
-          </p:cNvPr>
-          <p:cNvSpPr txBox="1"/>
-          <p:nvPr/>
-        </p:nvSpPr>
-        <p:spPr>
-          <a:xfrm>
-            <a:off x="-10948715" y="3094795"/>
-            <a:ext cx="6246540" cy="1477328"/>
-          </a:xfrm>
-          <a:prstGeom prst="rect">
-            <a:avLst/>
-          </a:prstGeom>
-          <a:noFill/>
-        </p:spPr>
-        <p:txBody>
-          <a:bodyPr wrap="square" rtlCol="0">
-            <a:spAutoFit/>
-          </a:bodyPr>
-          <a:lstStyle>
-            <a:defPPr>
-              <a:defRPr lang="pt-BR"/>
-            </a:defPPr>
-            <a:lvl1pPr algn="ctr">
-              <a:defRPr b="0" i="0">
-                <a:solidFill>
-                  <a:schemeClr val="accent2">
-                    <a:lumMod val="50000"/>
-                  </a:schemeClr>
-                </a:solidFill>
-                <a:effectLst/>
-                <a:latin typeface="Amasis MT Pro Medium" panose="02040604050005020304" pitchFamily="18" charset="0"/>
-              </a:defRPr>
-            </a:lvl1pPr>
-          </a:lstStyle>
-          <a:p>
-            <a:r>
-              <a:rPr lang="pt-BR" dirty="0"/>
-              <a:t>A Ideia do jogo é que seja relaxante e te mantenha entretido em te desafiar a gerar a maior fortuna possível, tudo isso como um grande passa tempo, pois para que os frutos sejam cultivados, é necessário que o tempo passe, sejam regados e que João, descanse.</a:t>
-            </a:r>
-          </a:p>
-        </p:txBody>
-      </p:sp>
-      <p:pic>
-        <p:nvPicPr>
-          <p:cNvPr id="10" name="Imagem 9" descr="Desenho de rosto de pessoa visto de perto&#10;&#10;Descrição gerada automaticamente com confiança média">
-            <a:extLst>
-              <a:ext uri="{FF2B5EF4-FFF2-40B4-BE49-F238E27FC236}">
-                <a16:creationId xmlns:a16="http://schemas.microsoft.com/office/drawing/2014/main" id="{F320EF2F-B5CF-6CCE-9667-75A5976B7AD4}"/>
-              </a:ext>
-            </a:extLst>
-          </p:cNvPr>
-          <p:cNvPicPr>
-            <a:picLocks noChangeAspect="1"/>
-          </p:cNvPicPr>
-          <p:nvPr/>
-        </p:nvPicPr>
-        <p:blipFill>
-          <a:blip r:embed="rId9">
-            <a:extLst>
-              <a:ext uri="{28A0092B-C50C-407E-A947-70E740481C1C}">
-                <a14:useLocalDpi xmlns:a14="http://schemas.microsoft.com/office/drawing/2010/main" val="0"/>
-              </a:ext>
-            </a:extLst>
-          </a:blip>
-          <a:stretch>
-            <a:fillRect/>
-          </a:stretch>
-        </p:blipFill>
-        <p:spPr>
-          <a:xfrm>
-            <a:off x="-93652" y="4874276"/>
-            <a:ext cx="1983724" cy="1983724"/>
-          </a:xfrm>
-          <a:prstGeom prst="rect">
-            <a:avLst/>
-          </a:prstGeom>
-        </p:spPr>
-      </p:pic>
-      <p:pic>
-        <p:nvPicPr>
-          <p:cNvPr id="16" name="Imagem 15" descr="Desenho de rosto de pessoa visto de perto&#10;&#10;Descrição gerada automaticamente com confiança média">
-            <a:extLst>
-              <a:ext uri="{FF2B5EF4-FFF2-40B4-BE49-F238E27FC236}">
-                <a16:creationId xmlns:a16="http://schemas.microsoft.com/office/drawing/2014/main" id="{AF0B8BE9-7145-7BC1-BB45-B3C4E3AAD6C2}"/>
-              </a:ext>
-            </a:extLst>
-          </p:cNvPr>
-          <p:cNvPicPr>
-            <a:picLocks noChangeAspect="1"/>
-          </p:cNvPicPr>
-          <p:nvPr/>
-        </p:nvPicPr>
-        <p:blipFill>
-          <a:blip r:embed="rId10">
-            <a:extLst>
-              <a:ext uri="{28A0092B-C50C-407E-A947-70E740481C1C}">
-                <a14:useLocalDpi xmlns:a14="http://schemas.microsoft.com/office/drawing/2010/main" val="0"/>
-              </a:ext>
-            </a:extLst>
-          </a:blip>
-          <a:stretch>
-            <a:fillRect/>
-          </a:stretch>
-        </p:blipFill>
-        <p:spPr>
-          <a:xfrm>
-            <a:off x="9435196" y="7503300"/>
-            <a:ext cx="1983600" cy="1983600"/>
-          </a:xfrm>
-          <a:prstGeom prst="rect">
-            <a:avLst/>
-          </a:prstGeom>
-        </p:spPr>
-      </p:pic>
-      <p:pic>
-        <p:nvPicPr>
-          <p:cNvPr id="17" name="Imagem 16">
-            <a:extLst>
-              <a:ext uri="{FF2B5EF4-FFF2-40B4-BE49-F238E27FC236}">
-                <a16:creationId xmlns:a16="http://schemas.microsoft.com/office/drawing/2014/main" id="{80179910-28C7-622C-254F-7BF54B6C1F79}"/>
-              </a:ext>
-            </a:extLst>
-          </p:cNvPr>
-          <p:cNvPicPr>
-            <a:picLocks noChangeAspect="1"/>
-          </p:cNvPicPr>
-          <p:nvPr/>
-        </p:nvPicPr>
-        <p:blipFill>
-          <a:blip r:embed="rId11"/>
-          <a:stretch>
-            <a:fillRect/>
-          </a:stretch>
-        </p:blipFill>
-        <p:spPr>
-          <a:xfrm>
-            <a:off x="-4370665" y="1416474"/>
-            <a:ext cx="2743438" cy="1030313"/>
-          </a:xfrm>
-          <a:prstGeom prst="rect">
-            <a:avLst/>
-          </a:prstGeom>
-        </p:spPr>
-      </p:pic>
-      <p:pic>
-        <p:nvPicPr>
-          <p:cNvPr id="18" name="Imagem 17">
-            <a:extLst>
-              <a:ext uri="{FF2B5EF4-FFF2-40B4-BE49-F238E27FC236}">
-                <a16:creationId xmlns:a16="http://schemas.microsoft.com/office/drawing/2014/main" id="{EDEE68A9-5962-034B-9E0D-837D3BBECBF5}"/>
-              </a:ext>
-            </a:extLst>
-          </p:cNvPr>
-          <p:cNvPicPr>
-            <a:picLocks noChangeAspect="1"/>
-          </p:cNvPicPr>
-          <p:nvPr/>
-        </p:nvPicPr>
-        <p:blipFill>
-          <a:blip r:embed="rId12"/>
-          <a:stretch>
-            <a:fillRect/>
-          </a:stretch>
-        </p:blipFill>
-        <p:spPr>
-          <a:xfrm>
-            <a:off x="7789300" y="1583463"/>
-            <a:ext cx="2743438" cy="1030313"/>
-          </a:xfrm>
-          <a:prstGeom prst="rect">
-            <a:avLst/>
-          </a:prstGeom>
-        </p:spPr>
-      </p:pic>
-      <p:pic>
-        <p:nvPicPr>
-          <p:cNvPr id="19" name="Imagem 18">
-            <a:extLst>
-              <a:ext uri="{FF2B5EF4-FFF2-40B4-BE49-F238E27FC236}">
-                <a16:creationId xmlns:a16="http://schemas.microsoft.com/office/drawing/2014/main" id="{3411C143-5EE2-43DE-33D4-1759FDC39C79}"/>
-              </a:ext>
-            </a:extLst>
-          </p:cNvPr>
-          <p:cNvPicPr>
-            <a:picLocks noChangeAspect="1"/>
-          </p:cNvPicPr>
-          <p:nvPr/>
-        </p:nvPicPr>
-        <p:blipFill>
-          <a:blip r:embed="rId13"/>
-          <a:stretch>
-            <a:fillRect/>
-          </a:stretch>
-        </p:blipFill>
-        <p:spPr>
-          <a:xfrm>
-            <a:off x="-7501662" y="1676137"/>
-            <a:ext cx="4365114" cy="1024217"/>
-          </a:xfrm>
-          <a:prstGeom prst="rect">
-            <a:avLst/>
-          </a:prstGeom>
-        </p:spPr>
-      </p:pic>
-    </p:spTree>
-    <p:extLst>
-      <p:ext uri="{BB962C8B-B14F-4D97-AF65-F5344CB8AC3E}">
-        <p14:creationId xmlns:p14="http://schemas.microsoft.com/office/powerpoint/2010/main" val="1241068941"/>
       </p:ext>
     </p:extLst>
   </p:cSld>
@@ -8782,44 +12541,8 @@
         </p:blipFill>
         <p:spPr>
           <a:xfrm>
-            <a:off x="337822" y="1329758"/>
+            <a:off x="3487422" y="1329758"/>
             <a:ext cx="8153034" cy="4586081"/>
-          </a:xfrm>
-          <a:prstGeom prst="rect">
-            <a:avLst/>
-          </a:prstGeom>
-        </p:spPr>
-      </p:pic>
-      <p:pic>
-        <p:nvPicPr>
-          <p:cNvPr id="2" name="Imagem 1" descr="Uma imagem contendo escuro, fumaça, nuvens, assistindo&#10;&#10;Descrição gerada automaticamente">
-            <a:extLst>
-              <a:ext uri="{FF2B5EF4-FFF2-40B4-BE49-F238E27FC236}">
-                <a16:creationId xmlns:a16="http://schemas.microsoft.com/office/drawing/2014/main" id="{8E1F4B48-00C5-02DA-A614-C1E2300B069D}"/>
-              </a:ext>
-            </a:extLst>
-          </p:cNvPr>
-          <p:cNvPicPr>
-            <a:picLocks noChangeAspect="1"/>
-          </p:cNvPicPr>
-          <p:nvPr/>
-        </p:nvPicPr>
-        <p:blipFill>
-          <a:blip r:embed="rId4">
-            <a:extLst>
-              <a:ext uri="{28A0092B-C50C-407E-A947-70E740481C1C}">
-                <a14:useLocalDpi xmlns:a14="http://schemas.microsoft.com/office/drawing/2010/main" val="0"/>
-              </a:ext>
-            </a:extLst>
-          </a:blip>
-          <a:stretch>
-            <a:fillRect/>
-          </a:stretch>
-        </p:blipFill>
-        <p:spPr>
-          <a:xfrm>
-            <a:off x="-337822" y="-568892"/>
-            <a:ext cx="12192000" cy="3797300"/>
           </a:xfrm>
           <a:prstGeom prst="rect">
             <a:avLst/>
@@ -8861,6 +12584,678 @@
               </a:rPr>
               <a:pPr/>
               <a:t>5</a:t>
+            </a:fld>
+            <a:endParaRPr lang="pt-BR" sz="4000" dirty="0">
+              <a:solidFill>
+                <a:srgbClr val="FFC000"/>
+              </a:solidFill>
+              <a:latin typeface="Stardew Valley" pitchFamily="2" charset="0"/>
+            </a:endParaRPr>
+          </a:p>
+        </p:txBody>
+      </p:sp>
+      <p:sp>
+        <p:nvSpPr>
+          <p:cNvPr id="11" name="CaixaDeTexto 10">
+            <a:extLst>
+              <a:ext uri="{FF2B5EF4-FFF2-40B4-BE49-F238E27FC236}">
+                <a16:creationId xmlns:a16="http://schemas.microsoft.com/office/drawing/2014/main" id="{431ACD0E-A089-99E8-EF35-872C6F178261}"/>
+              </a:ext>
+            </a:extLst>
+          </p:cNvPr>
+          <p:cNvSpPr txBox="1"/>
+          <p:nvPr/>
+        </p:nvSpPr>
+        <p:spPr>
+          <a:xfrm>
+            <a:off x="4135937" y="2919397"/>
+            <a:ext cx="6856004" cy="1754326"/>
+          </a:xfrm>
+          <a:prstGeom prst="rect">
+            <a:avLst/>
+          </a:prstGeom>
+          <a:noFill/>
+        </p:spPr>
+        <p:txBody>
+          <a:bodyPr wrap="square" rtlCol="0">
+            <a:spAutoFit/>
+          </a:bodyPr>
+          <a:lstStyle>
+            <a:defPPr>
+              <a:defRPr lang="pt-BR"/>
+            </a:defPPr>
+            <a:lvl1pPr algn="ctr">
+              <a:defRPr b="0" i="0">
+                <a:solidFill>
+                  <a:schemeClr val="accent2">
+                    <a:lumMod val="50000"/>
+                  </a:schemeClr>
+                </a:solidFill>
+                <a:effectLst/>
+                <a:latin typeface="Amasis MT Pro Medium" panose="02040604050005020304" pitchFamily="18" charset="0"/>
+              </a:defRPr>
+            </a:lvl1pPr>
+          </a:lstStyle>
+          <a:p>
+            <a:r>
+              <a:rPr lang="pt-BR" dirty="0"/>
+              <a:t>Sua missão como jogador é fazer com que João, o coelho, consiga se manter bem e feliz com seu terreno e plantações. A ideia é que, a cada dia que passe, você consiga colher mais frutos, fazer plantações mais robustas, negociar com o mercador para conseguir juntar um dinheiro e concretizar o sonho de João: fazer sua própria fazenda de mineração de Bitcoins!</a:t>
+            </a:r>
+          </a:p>
+        </p:txBody>
+      </p:sp>
+      <p:pic>
+        <p:nvPicPr>
+          <p:cNvPr id="2" name="Imagem 1" descr="Uma imagem contendo escuro, fumaça, nuvens, assistindo&#10;&#10;Descrição gerada automaticamente">
+            <a:extLst>
+              <a:ext uri="{FF2B5EF4-FFF2-40B4-BE49-F238E27FC236}">
+                <a16:creationId xmlns:a16="http://schemas.microsoft.com/office/drawing/2014/main" id="{8E1F4B48-00C5-02DA-A614-C1E2300B069D}"/>
+              </a:ext>
+            </a:extLst>
+          </p:cNvPr>
+          <p:cNvPicPr>
+            <a:picLocks noChangeAspect="1"/>
+          </p:cNvPicPr>
+          <p:nvPr/>
+        </p:nvPicPr>
+        <p:blipFill>
+          <a:blip r:embed="rId4">
+            <a:extLst>
+              <a:ext uri="{28A0092B-C50C-407E-A947-70E740481C1C}">
+                <a14:useLocalDpi xmlns:a14="http://schemas.microsoft.com/office/drawing/2010/main" val="0"/>
+              </a:ext>
+            </a:extLst>
+          </a:blip>
+          <a:stretch>
+            <a:fillRect/>
+          </a:stretch>
+        </p:blipFill>
+        <p:spPr>
+          <a:xfrm>
+            <a:off x="817335" y="-568892"/>
+            <a:ext cx="12192000" cy="3797300"/>
+          </a:xfrm>
+          <a:prstGeom prst="rect">
+            <a:avLst/>
+          </a:prstGeom>
+        </p:spPr>
+      </p:pic>
+      <p:pic>
+        <p:nvPicPr>
+          <p:cNvPr id="12" name="Imagem 11" descr="Forma, Quadrado&#10;&#10;Descrição gerada automaticamente">
+            <a:extLst>
+              <a:ext uri="{FF2B5EF4-FFF2-40B4-BE49-F238E27FC236}">
+                <a16:creationId xmlns:a16="http://schemas.microsoft.com/office/drawing/2014/main" id="{13FE828F-3EB9-D40C-63EF-511AA5766A8F}"/>
+              </a:ext>
+            </a:extLst>
+          </p:cNvPr>
+          <p:cNvPicPr>
+            <a:picLocks noChangeAspect="1"/>
+          </p:cNvPicPr>
+          <p:nvPr/>
+        </p:nvPicPr>
+        <p:blipFill rotWithShape="1">
+          <a:blip r:embed="rId5">
+            <a:extLst>
+              <a:ext uri="{28A0092B-C50C-407E-A947-70E740481C1C}">
+                <a14:useLocalDpi xmlns:a14="http://schemas.microsoft.com/office/drawing/2010/main" val="0"/>
+              </a:ext>
+            </a:extLst>
+          </a:blip>
+          <a:srcRect l="28332" t="80043" r="29586" b="11288"/>
+          <a:stretch/>
+        </p:blipFill>
+        <p:spPr>
+          <a:xfrm>
+            <a:off x="7362834" y="1676137"/>
+            <a:ext cx="3480398" cy="646331"/>
+          </a:xfrm>
+          <a:prstGeom prst="rect">
+            <a:avLst/>
+          </a:prstGeom>
+          <a:effectLst>
+            <a:outerShdw blurRad="50800" dist="38100" dir="2700000" algn="tl" rotWithShape="0">
+              <a:prstClr val="black">
+                <a:alpha val="40000"/>
+              </a:prstClr>
+            </a:outerShdw>
+          </a:effectLst>
+        </p:spPr>
+      </p:pic>
+      <p:pic>
+        <p:nvPicPr>
+          <p:cNvPr id="3" name="Imagem 2" descr="Fundo preto com letras brancas&#10;&#10;Descrição gerada automaticamente com confiança média">
+            <a:extLst>
+              <a:ext uri="{FF2B5EF4-FFF2-40B4-BE49-F238E27FC236}">
+                <a16:creationId xmlns:a16="http://schemas.microsoft.com/office/drawing/2014/main" id="{FBB9EF18-7796-5C4C-6EA6-5594B6CCC335}"/>
+              </a:ext>
+            </a:extLst>
+          </p:cNvPr>
+          <p:cNvPicPr>
+            <a:picLocks noChangeAspect="1"/>
+          </p:cNvPicPr>
+          <p:nvPr/>
+        </p:nvPicPr>
+        <p:blipFill>
+          <a:blip r:embed="rId6">
+            <a:extLst>
+              <a:ext uri="{28A0092B-C50C-407E-A947-70E740481C1C}">
+                <a14:useLocalDpi xmlns:a14="http://schemas.microsoft.com/office/drawing/2010/main" val="0"/>
+              </a:ext>
+            </a:extLst>
+          </a:blip>
+          <a:stretch>
+            <a:fillRect/>
+          </a:stretch>
+        </p:blipFill>
+        <p:spPr>
+          <a:xfrm>
+            <a:off x="3335650" y="5531257"/>
+            <a:ext cx="600075" cy="600075"/>
+          </a:xfrm>
+          <a:prstGeom prst="rect">
+            <a:avLst/>
+          </a:prstGeom>
+        </p:spPr>
+      </p:pic>
+      <p:pic>
+        <p:nvPicPr>
+          <p:cNvPr id="5" name="Imagem 4" descr="Tela de vídeo game&#10;&#10;Descrição gerada automaticamente">
+            <a:extLst>
+              <a:ext uri="{FF2B5EF4-FFF2-40B4-BE49-F238E27FC236}">
+                <a16:creationId xmlns:a16="http://schemas.microsoft.com/office/drawing/2014/main" id="{457B66E2-4623-D104-2EA9-4DF6C83E456F}"/>
+              </a:ext>
+            </a:extLst>
+          </p:cNvPr>
+          <p:cNvPicPr>
+            <a:picLocks noChangeAspect="1"/>
+          </p:cNvPicPr>
+          <p:nvPr/>
+        </p:nvPicPr>
+        <p:blipFill>
+          <a:blip r:embed="rId7">
+            <a:extLst>
+              <a:ext uri="{28A0092B-C50C-407E-A947-70E740481C1C}">
+                <a14:useLocalDpi xmlns:a14="http://schemas.microsoft.com/office/drawing/2010/main" val="0"/>
+              </a:ext>
+            </a:extLst>
+          </a:blip>
+          <a:stretch>
+            <a:fillRect/>
+          </a:stretch>
+        </p:blipFill>
+        <p:spPr>
+          <a:xfrm>
+            <a:off x="13537337" y="2570929"/>
+            <a:ext cx="2696594" cy="2696594"/>
+          </a:xfrm>
+          <a:prstGeom prst="rect">
+            <a:avLst/>
+          </a:prstGeom>
+        </p:spPr>
+      </p:pic>
+      <p:pic>
+        <p:nvPicPr>
+          <p:cNvPr id="6" name="Imagem 5" descr="Desenho com traços pretos em fundo branco&#10;&#10;Descrição gerada automaticamente com confiança baixa">
+            <a:extLst>
+              <a:ext uri="{FF2B5EF4-FFF2-40B4-BE49-F238E27FC236}">
+                <a16:creationId xmlns:a16="http://schemas.microsoft.com/office/drawing/2014/main" id="{DE894902-27A5-714F-BE59-49A81EA5266E}"/>
+              </a:ext>
+            </a:extLst>
+          </p:cNvPr>
+          <p:cNvPicPr>
+            <a:picLocks noChangeAspect="1"/>
+          </p:cNvPicPr>
+          <p:nvPr/>
+        </p:nvPicPr>
+        <p:blipFill rotWithShape="1">
+          <a:blip r:embed="rId8">
+            <a:extLst>
+              <a:ext uri="{28A0092B-C50C-407E-A947-70E740481C1C}">
+                <a14:useLocalDpi xmlns:a14="http://schemas.microsoft.com/office/drawing/2010/main" val="0"/>
+              </a:ext>
+            </a:extLst>
+          </a:blip>
+          <a:srcRect l="31497" t="26592" r="32010" b="18722"/>
+          <a:stretch/>
+        </p:blipFill>
+        <p:spPr>
+          <a:xfrm>
+            <a:off x="15469631" y="3100249"/>
+            <a:ext cx="1535126" cy="1658459"/>
+          </a:xfrm>
+          <a:prstGeom prst="rect">
+            <a:avLst/>
+          </a:prstGeom>
+        </p:spPr>
+      </p:pic>
+      <p:sp>
+        <p:nvSpPr>
+          <p:cNvPr id="8" name="CaixaDeTexto 7">
+            <a:extLst>
+              <a:ext uri="{FF2B5EF4-FFF2-40B4-BE49-F238E27FC236}">
+                <a16:creationId xmlns:a16="http://schemas.microsoft.com/office/drawing/2014/main" id="{48685E60-1197-7332-2B46-37FA8110B7E9}"/>
+              </a:ext>
+            </a:extLst>
+          </p:cNvPr>
+          <p:cNvSpPr txBox="1"/>
+          <p:nvPr/>
+        </p:nvSpPr>
+        <p:spPr>
+          <a:xfrm>
+            <a:off x="-7543307" y="2690789"/>
+            <a:ext cx="5886450" cy="2031325"/>
+          </a:xfrm>
+          <a:prstGeom prst="rect">
+            <a:avLst/>
+          </a:prstGeom>
+          <a:noFill/>
+        </p:spPr>
+        <p:txBody>
+          <a:bodyPr wrap="square" rtlCol="0">
+            <a:spAutoFit/>
+          </a:bodyPr>
+          <a:lstStyle/>
+          <a:p>
+            <a:pPr algn="ctr"/>
+            <a:r>
+              <a:rPr lang="pt-BR" b="0" i="0" dirty="0">
+                <a:solidFill>
+                  <a:schemeClr val="accent2">
+                    <a:lumMod val="50000"/>
+                  </a:schemeClr>
+                </a:solidFill>
+                <a:effectLst/>
+                <a:latin typeface="Amasis MT Pro Medium" panose="02040604050005020304" pitchFamily="18" charset="0"/>
+              </a:rPr>
+              <a:t>No mundo dos bichos, João é um coelho fazendeiro que herdou uma pequena fazenda de seu bisavô. Após tentativas frustradas de tentar a vida no ramo da compra e venda de bitcoins, João busca uma vida tranquila, na qual todos os dias ele planta e colhe seus vegetais e, no fim do dia, negocia-os com o mercador para conseguir o dinheiro para se manter!</a:t>
+            </a:r>
+            <a:endParaRPr lang="pt-BR" dirty="0">
+              <a:solidFill>
+                <a:schemeClr val="accent2">
+                  <a:lumMod val="50000"/>
+                </a:schemeClr>
+              </a:solidFill>
+              <a:latin typeface="Amasis MT Pro Medium" panose="02040604050005020304" pitchFamily="18" charset="0"/>
+            </a:endParaRPr>
+          </a:p>
+        </p:txBody>
+      </p:sp>
+      <p:sp>
+        <p:nvSpPr>
+          <p:cNvPr id="15" name="CaixaDeTexto 14">
+            <a:extLst>
+              <a:ext uri="{FF2B5EF4-FFF2-40B4-BE49-F238E27FC236}">
+                <a16:creationId xmlns:a16="http://schemas.microsoft.com/office/drawing/2014/main" id="{E9181E01-019E-48A4-1DD3-1BD5FE99A66E}"/>
+              </a:ext>
+            </a:extLst>
+          </p:cNvPr>
+          <p:cNvSpPr txBox="1"/>
+          <p:nvPr/>
+        </p:nvSpPr>
+        <p:spPr>
+          <a:xfrm>
+            <a:off x="-10948715" y="3094795"/>
+            <a:ext cx="6246540" cy="1477328"/>
+          </a:xfrm>
+          <a:prstGeom prst="rect">
+            <a:avLst/>
+          </a:prstGeom>
+          <a:noFill/>
+        </p:spPr>
+        <p:txBody>
+          <a:bodyPr wrap="square" rtlCol="0">
+            <a:spAutoFit/>
+          </a:bodyPr>
+          <a:lstStyle>
+            <a:defPPr>
+              <a:defRPr lang="pt-BR"/>
+            </a:defPPr>
+            <a:lvl1pPr algn="ctr">
+              <a:defRPr b="0" i="0">
+                <a:solidFill>
+                  <a:schemeClr val="accent2">
+                    <a:lumMod val="50000"/>
+                  </a:schemeClr>
+                </a:solidFill>
+                <a:effectLst/>
+                <a:latin typeface="Amasis MT Pro Medium" panose="02040604050005020304" pitchFamily="18" charset="0"/>
+              </a:defRPr>
+            </a:lvl1pPr>
+          </a:lstStyle>
+          <a:p>
+            <a:r>
+              <a:rPr lang="pt-BR" dirty="0"/>
+              <a:t>A Ideia do jogo é que seja relaxante e te mantenha entretido em te desafiar a gerar a maior fortuna possível, tudo isso como um grande passa tempo, pois para que os frutos sejam cultivados, é necessário que o tempo passe, sejam regados e que João, descanse.</a:t>
+            </a:r>
+          </a:p>
+        </p:txBody>
+      </p:sp>
+      <p:pic>
+        <p:nvPicPr>
+          <p:cNvPr id="10" name="Imagem 9" descr="Desenho de rosto de pessoa visto de perto&#10;&#10;Descrição gerada automaticamente com confiança média">
+            <a:extLst>
+              <a:ext uri="{FF2B5EF4-FFF2-40B4-BE49-F238E27FC236}">
+                <a16:creationId xmlns:a16="http://schemas.microsoft.com/office/drawing/2014/main" id="{F320EF2F-B5CF-6CCE-9667-75A5976B7AD4}"/>
+              </a:ext>
+            </a:extLst>
+          </p:cNvPr>
+          <p:cNvPicPr>
+            <a:picLocks noChangeAspect="1"/>
+          </p:cNvPicPr>
+          <p:nvPr/>
+        </p:nvPicPr>
+        <p:blipFill>
+          <a:blip r:embed="rId9">
+            <a:extLst>
+              <a:ext uri="{28A0092B-C50C-407E-A947-70E740481C1C}">
+                <a14:useLocalDpi xmlns:a14="http://schemas.microsoft.com/office/drawing/2010/main" val="0"/>
+              </a:ext>
+            </a:extLst>
+          </a:blip>
+          <a:stretch>
+            <a:fillRect/>
+          </a:stretch>
+        </p:blipFill>
+        <p:spPr>
+          <a:xfrm>
+            <a:off x="-93652" y="4874276"/>
+            <a:ext cx="1983724" cy="1983724"/>
+          </a:xfrm>
+          <a:prstGeom prst="rect">
+            <a:avLst/>
+          </a:prstGeom>
+        </p:spPr>
+      </p:pic>
+      <p:pic>
+        <p:nvPicPr>
+          <p:cNvPr id="16" name="Imagem 15" descr="Desenho de rosto de pessoa visto de perto&#10;&#10;Descrição gerada automaticamente com confiança média">
+            <a:extLst>
+              <a:ext uri="{FF2B5EF4-FFF2-40B4-BE49-F238E27FC236}">
+                <a16:creationId xmlns:a16="http://schemas.microsoft.com/office/drawing/2014/main" id="{AF0B8BE9-7145-7BC1-BB45-B3C4E3AAD6C2}"/>
+              </a:ext>
+            </a:extLst>
+          </p:cNvPr>
+          <p:cNvPicPr>
+            <a:picLocks noChangeAspect="1"/>
+          </p:cNvPicPr>
+          <p:nvPr/>
+        </p:nvPicPr>
+        <p:blipFill>
+          <a:blip r:embed="rId10">
+            <a:extLst>
+              <a:ext uri="{28A0092B-C50C-407E-A947-70E740481C1C}">
+                <a14:useLocalDpi xmlns:a14="http://schemas.microsoft.com/office/drawing/2010/main" val="0"/>
+              </a:ext>
+            </a:extLst>
+          </a:blip>
+          <a:stretch>
+            <a:fillRect/>
+          </a:stretch>
+        </p:blipFill>
+        <p:spPr>
+          <a:xfrm>
+            <a:off x="9435196" y="7503300"/>
+            <a:ext cx="1983600" cy="1983600"/>
+          </a:xfrm>
+          <a:prstGeom prst="rect">
+            <a:avLst/>
+          </a:prstGeom>
+        </p:spPr>
+      </p:pic>
+      <p:pic>
+        <p:nvPicPr>
+          <p:cNvPr id="17" name="Imagem 16">
+            <a:extLst>
+              <a:ext uri="{FF2B5EF4-FFF2-40B4-BE49-F238E27FC236}">
+                <a16:creationId xmlns:a16="http://schemas.microsoft.com/office/drawing/2014/main" id="{80179910-28C7-622C-254F-7BF54B6C1F79}"/>
+              </a:ext>
+            </a:extLst>
+          </p:cNvPr>
+          <p:cNvPicPr>
+            <a:picLocks noChangeAspect="1"/>
+          </p:cNvPicPr>
+          <p:nvPr/>
+        </p:nvPicPr>
+        <p:blipFill>
+          <a:blip r:embed="rId11"/>
+          <a:stretch>
+            <a:fillRect/>
+          </a:stretch>
+        </p:blipFill>
+        <p:spPr>
+          <a:xfrm>
+            <a:off x="-4370665" y="1416474"/>
+            <a:ext cx="2743438" cy="1030313"/>
+          </a:xfrm>
+          <a:prstGeom prst="rect">
+            <a:avLst/>
+          </a:prstGeom>
+        </p:spPr>
+      </p:pic>
+      <p:pic>
+        <p:nvPicPr>
+          <p:cNvPr id="18" name="Imagem 17">
+            <a:extLst>
+              <a:ext uri="{FF2B5EF4-FFF2-40B4-BE49-F238E27FC236}">
+                <a16:creationId xmlns:a16="http://schemas.microsoft.com/office/drawing/2014/main" id="{EDEE68A9-5962-034B-9E0D-837D3BBECBF5}"/>
+              </a:ext>
+            </a:extLst>
+          </p:cNvPr>
+          <p:cNvPicPr>
+            <a:picLocks noChangeAspect="1"/>
+          </p:cNvPicPr>
+          <p:nvPr/>
+        </p:nvPicPr>
+        <p:blipFill>
+          <a:blip r:embed="rId12"/>
+          <a:stretch>
+            <a:fillRect/>
+          </a:stretch>
+        </p:blipFill>
+        <p:spPr>
+          <a:xfrm>
+            <a:off x="7789300" y="1583463"/>
+            <a:ext cx="2743438" cy="1030313"/>
+          </a:xfrm>
+          <a:prstGeom prst="rect">
+            <a:avLst/>
+          </a:prstGeom>
+        </p:spPr>
+      </p:pic>
+      <p:pic>
+        <p:nvPicPr>
+          <p:cNvPr id="19" name="Imagem 18">
+            <a:extLst>
+              <a:ext uri="{FF2B5EF4-FFF2-40B4-BE49-F238E27FC236}">
+                <a16:creationId xmlns:a16="http://schemas.microsoft.com/office/drawing/2014/main" id="{3411C143-5EE2-43DE-33D4-1759FDC39C79}"/>
+              </a:ext>
+            </a:extLst>
+          </p:cNvPr>
+          <p:cNvPicPr>
+            <a:picLocks noChangeAspect="1"/>
+          </p:cNvPicPr>
+          <p:nvPr/>
+        </p:nvPicPr>
+        <p:blipFill>
+          <a:blip r:embed="rId13"/>
+          <a:stretch>
+            <a:fillRect/>
+          </a:stretch>
+        </p:blipFill>
+        <p:spPr>
+          <a:xfrm>
+            <a:off x="-7501662" y="1676137"/>
+            <a:ext cx="4365114" cy="1024217"/>
+          </a:xfrm>
+          <a:prstGeom prst="rect">
+            <a:avLst/>
+          </a:prstGeom>
+        </p:spPr>
+      </p:pic>
+    </p:spTree>
+    <p:extLst>
+      <p:ext uri="{BB962C8B-B14F-4D97-AF65-F5344CB8AC3E}">
+        <p14:creationId xmlns:p14="http://schemas.microsoft.com/office/powerpoint/2010/main" val="1241068941"/>
+      </p:ext>
+    </p:extLst>
+  </p:cSld>
+  <p:clrMapOvr>
+    <a:masterClrMapping/>
+  </p:clrMapOvr>
+  <mc:AlternateContent xmlns:mc="http://schemas.openxmlformats.org/markup-compatibility/2006" xmlns:p159="http://schemas.microsoft.com/office/powerpoint/2015/09/main">
+    <mc:Choice Requires="p159">
+      <p:transition xmlns:p14="http://schemas.microsoft.com/office/powerpoint/2010/main" spd="slow" p14:dur="2000">
+        <p159:morph option="byObject"/>
+      </p:transition>
+    </mc:Choice>
+    <mc:Fallback xmlns="">
+      <p:transition spd="slow">
+        <p:fade/>
+      </p:transition>
+    </mc:Fallback>
+  </mc:AlternateContent>
+</p:sld>
+</file>
+
+<file path=ppt/slides/slide6.xml><?xml version="1.0" encoding="utf-8"?>
+<p:sld xmlns:a="http://schemas.openxmlformats.org/drawingml/2006/main" xmlns:r="http://schemas.openxmlformats.org/officeDocument/2006/relationships" xmlns:p="http://schemas.openxmlformats.org/presentationml/2006/main">
+  <p:cSld>
+    <p:bg>
+      <p:bgPr>
+        <a:blipFill dpi="0" rotWithShape="1">
+          <a:blip r:embed="rId2">
+            <a:lum/>
+          </a:blip>
+          <a:srcRect/>
+          <a:stretch>
+            <a:fillRect t="-9000" b="-9000"/>
+          </a:stretch>
+        </a:blipFill>
+        <a:effectLst/>
+      </p:bgPr>
+    </p:bg>
+    <p:spTree>
+      <p:nvGrpSpPr>
+        <p:cNvPr id="1" name=""/>
+        <p:cNvGrpSpPr/>
+        <p:nvPr/>
+      </p:nvGrpSpPr>
+      <p:grpSpPr>
+        <a:xfrm>
+          <a:off x="0" y="0"/>
+          <a:ext cx="0" cy="0"/>
+          <a:chOff x="0" y="0"/>
+          <a:chExt cx="0" cy="0"/>
+        </a:xfrm>
+      </p:grpSpPr>
+      <p:pic>
+        <p:nvPicPr>
+          <p:cNvPr id="4" name="Imagem 3" descr="Placa branca com letras pretas&#10;&#10;Descrição gerada automaticamente com confiança baixa">
+            <a:extLst>
+              <a:ext uri="{FF2B5EF4-FFF2-40B4-BE49-F238E27FC236}">
+                <a16:creationId xmlns:a16="http://schemas.microsoft.com/office/drawing/2014/main" id="{8C22C53E-F555-149B-31A9-E92D0B5DC174}"/>
+              </a:ext>
+            </a:extLst>
+          </p:cNvPr>
+          <p:cNvPicPr>
+            <a:picLocks noChangeAspect="1"/>
+          </p:cNvPicPr>
+          <p:nvPr/>
+        </p:nvPicPr>
+        <p:blipFill>
+          <a:blip r:embed="rId3">
+            <a:extLst>
+              <a:ext uri="{28A0092B-C50C-407E-A947-70E740481C1C}">
+                <a14:useLocalDpi xmlns:a14="http://schemas.microsoft.com/office/drawing/2010/main" val="0"/>
+              </a:ext>
+            </a:extLst>
+          </a:blip>
+          <a:stretch>
+            <a:fillRect/>
+          </a:stretch>
+        </p:blipFill>
+        <p:spPr>
+          <a:xfrm>
+            <a:off x="337822" y="1329758"/>
+            <a:ext cx="8153034" cy="4586081"/>
+          </a:xfrm>
+          <a:prstGeom prst="rect">
+            <a:avLst/>
+          </a:prstGeom>
+        </p:spPr>
+      </p:pic>
+      <p:pic>
+        <p:nvPicPr>
+          <p:cNvPr id="2" name="Imagem 1" descr="Uma imagem contendo escuro, fumaça, nuvens, assistindo&#10;&#10;Descrição gerada automaticamente">
+            <a:extLst>
+              <a:ext uri="{FF2B5EF4-FFF2-40B4-BE49-F238E27FC236}">
+                <a16:creationId xmlns:a16="http://schemas.microsoft.com/office/drawing/2014/main" id="{8E1F4B48-00C5-02DA-A614-C1E2300B069D}"/>
+              </a:ext>
+            </a:extLst>
+          </p:cNvPr>
+          <p:cNvPicPr>
+            <a:picLocks noChangeAspect="1"/>
+          </p:cNvPicPr>
+          <p:nvPr/>
+        </p:nvPicPr>
+        <p:blipFill>
+          <a:blip r:embed="rId4">
+            <a:extLst>
+              <a:ext uri="{28A0092B-C50C-407E-A947-70E740481C1C}">
+                <a14:useLocalDpi xmlns:a14="http://schemas.microsoft.com/office/drawing/2010/main" val="0"/>
+              </a:ext>
+            </a:extLst>
+          </a:blip>
+          <a:stretch>
+            <a:fillRect/>
+          </a:stretch>
+        </p:blipFill>
+        <p:spPr>
+          <a:xfrm>
+            <a:off x="-337822" y="-568892"/>
+            <a:ext cx="12192000" cy="3797300"/>
+          </a:xfrm>
+          <a:prstGeom prst="rect">
+            <a:avLst/>
+          </a:prstGeom>
+        </p:spPr>
+      </p:pic>
+      <p:sp>
+        <p:nvSpPr>
+          <p:cNvPr id="9" name="Espaço Reservado para Número de Slide 8">
+            <a:extLst>
+              <a:ext uri="{FF2B5EF4-FFF2-40B4-BE49-F238E27FC236}">
+                <a16:creationId xmlns:a16="http://schemas.microsoft.com/office/drawing/2014/main" id="{959DCBD8-96BD-4262-0D39-9A38891FF570}"/>
+              </a:ext>
+            </a:extLst>
+          </p:cNvPr>
+          <p:cNvSpPr>
+            <a:spLocks noGrp="1"/>
+          </p:cNvSpPr>
+          <p:nvPr>
+            <p:ph type="sldNum" sz="quarter" idx="12"/>
+          </p:nvPr>
+        </p:nvSpPr>
+        <p:spPr>
+          <a:xfrm>
+            <a:off x="9305925" y="6346825"/>
+            <a:ext cx="2743200" cy="365125"/>
+          </a:xfrm>
+        </p:spPr>
+        <p:txBody>
+          <a:bodyPr vert="horz" lIns="91440" tIns="45720" rIns="91440" bIns="45720" rtlCol="0" anchor="ctr"/>
+          <a:lstStyle/>
+          <a:p>
+            <a:fld id="{3CCB0E57-07C7-4201-932D-E8A25CD1446D}" type="slidenum">
+              <a:rPr lang="pt-BR" sz="4000">
+                <a:solidFill>
+                  <a:srgbClr val="FFC000"/>
+                </a:solidFill>
+                <a:latin typeface="Stardew Valley" pitchFamily="2" charset="0"/>
+              </a:rPr>
+              <a:pPr/>
+              <a:t>6</a:t>
             </a:fld>
             <a:endParaRPr lang="pt-BR" sz="4000" dirty="0">
               <a:solidFill>
@@ -9574,7 +13969,7 @@
 </p:sld>
 </file>
 
-<file path=ppt/slides/slide6.xml><?xml version="1.0" encoding="utf-8"?>
+<file path=ppt/slides/slide7.xml><?xml version="1.0" encoding="utf-8"?>
 <p:sld xmlns:a="http://schemas.openxmlformats.org/drawingml/2006/main" xmlns:r="http://schemas.openxmlformats.org/officeDocument/2006/relationships" xmlns:p="http://schemas.openxmlformats.org/presentationml/2006/main">
   <p:cSld>
     <p:bg>
@@ -9709,7 +14104,7 @@
                 <a:latin typeface="Stardew Valley" pitchFamily="2" charset="0"/>
               </a:rPr>
               <a:pPr/>
-              <a:t>6</a:t>
+              <a:t>7</a:t>
             </a:fld>
             <a:endParaRPr lang="pt-BR" sz="4000" dirty="0">
               <a:solidFill>
@@ -10450,7 +14845,7 @@
 </p:sld>
 </file>
 
-<file path=ppt/slides/slide7.xml><?xml version="1.0" encoding="utf-8"?>
+<file path=ppt/slides/slide8.xml><?xml version="1.0" encoding="utf-8"?>
 <p:sld xmlns:a="http://schemas.openxmlformats.org/drawingml/2006/main" xmlns:r="http://schemas.openxmlformats.org/officeDocument/2006/relationships" xmlns:p="http://schemas.openxmlformats.org/presentationml/2006/main">
   <p:cSld>
     <p:bg>
@@ -10585,7 +14980,7 @@
                 <a:latin typeface="Stardew Valley" pitchFamily="2" charset="0"/>
               </a:rPr>
               <a:pPr/>
-              <a:t>7</a:t>
+              <a:t>8</a:t>
             </a:fld>
             <a:endParaRPr lang="pt-BR" sz="4000">
               <a:solidFill>
@@ -11266,7 +15661,7 @@
 </p:sld>
 </file>
 
-<file path=ppt/slides/slide8.xml><?xml version="1.0" encoding="utf-8"?>
+<file path=ppt/slides/slide9.xml><?xml version="1.0" encoding="utf-8"?>
 <p:sld xmlns:a="http://schemas.openxmlformats.org/drawingml/2006/main" xmlns:r="http://schemas.openxmlformats.org/officeDocument/2006/relationships" xmlns:p="http://schemas.openxmlformats.org/presentationml/2006/main">
   <p:cSld>
     <p:bg>
@@ -11401,7 +15796,7 @@
                 <a:latin typeface="Stardew Valley" pitchFamily="2" charset="0"/>
               </a:rPr>
               <a:pPr/>
-              <a:t>8</a:t>
+              <a:t>9</a:t>
             </a:fld>
             <a:endParaRPr lang="pt-BR" sz="4000">
               <a:solidFill>
@@ -12181,906 +16576,6 @@
     <p:extLst>
       <p:ext uri="{BB962C8B-B14F-4D97-AF65-F5344CB8AC3E}">
         <p14:creationId xmlns:p14="http://schemas.microsoft.com/office/powerpoint/2010/main" val="3652920715"/>
-      </p:ext>
-    </p:extLst>
-  </p:cSld>
-  <p:clrMapOvr>
-    <a:masterClrMapping/>
-  </p:clrMapOvr>
-  <mc:AlternateContent xmlns:mc="http://schemas.openxmlformats.org/markup-compatibility/2006" xmlns:p159="http://schemas.microsoft.com/office/powerpoint/2015/09/main">
-    <mc:Choice Requires="p159">
-      <p:transition xmlns:p14="http://schemas.microsoft.com/office/powerpoint/2010/main" spd="slow" p14:dur="2000">
-        <p159:morph option="byObject"/>
-      </p:transition>
-    </mc:Choice>
-    <mc:Fallback xmlns="">
-      <p:transition spd="slow">
-        <p:fade/>
-      </p:transition>
-    </mc:Fallback>
-  </mc:AlternateContent>
-</p:sld>
-</file>
-
-<file path=ppt/slides/slide9.xml><?xml version="1.0" encoding="utf-8"?>
-<p:sld xmlns:a="http://schemas.openxmlformats.org/drawingml/2006/main" xmlns:r="http://schemas.openxmlformats.org/officeDocument/2006/relationships" xmlns:p="http://schemas.openxmlformats.org/presentationml/2006/main">
-  <p:cSld>
-    <p:bg>
-      <p:bgPr>
-        <a:blipFill dpi="0" rotWithShape="1">
-          <a:blip r:embed="rId2">
-            <a:lum/>
-          </a:blip>
-          <a:srcRect/>
-          <a:stretch>
-            <a:fillRect/>
-          </a:stretch>
-        </a:blipFill>
-        <a:effectLst/>
-      </p:bgPr>
-    </p:bg>
-    <p:spTree>
-      <p:nvGrpSpPr>
-        <p:cNvPr id="1" name=""/>
-        <p:cNvGrpSpPr/>
-        <p:nvPr/>
-      </p:nvGrpSpPr>
-      <p:grpSpPr>
-        <a:xfrm>
-          <a:off x="0" y="0"/>
-          <a:ext cx="0" cy="0"/>
-          <a:chOff x="0" y="0"/>
-          <a:chExt cx="0" cy="0"/>
-        </a:xfrm>
-      </p:grpSpPr>
-      <p:pic>
-        <p:nvPicPr>
-          <p:cNvPr id="3" name="Imagem 2" descr="Imagem de vídeo game&#10;&#10;Descrição gerada automaticamente com confiança baixa">
-            <a:extLst>
-              <a:ext uri="{FF2B5EF4-FFF2-40B4-BE49-F238E27FC236}">
-                <a16:creationId xmlns:a16="http://schemas.microsoft.com/office/drawing/2014/main" id="{5BC48584-B514-460D-9F86-B1F82436414F}"/>
-              </a:ext>
-            </a:extLst>
-          </p:cNvPr>
-          <p:cNvPicPr>
-            <a:picLocks noChangeAspect="1"/>
-          </p:cNvPicPr>
-          <p:nvPr/>
-        </p:nvPicPr>
-        <p:blipFill rotWithShape="1">
-          <a:blip r:embed="rId3">
-            <a:extLst>
-              <a:ext uri="{28A0092B-C50C-407E-A947-70E740481C1C}">
-                <a14:useLocalDpi xmlns:a14="http://schemas.microsoft.com/office/drawing/2010/main" val="0"/>
-              </a:ext>
-            </a:extLst>
-          </a:blip>
-          <a:srcRect t="54496" r="67021" b="30509"/>
-          <a:stretch/>
-        </p:blipFill>
-        <p:spPr>
-          <a:xfrm>
-            <a:off x="-41728" y="3293159"/>
-            <a:ext cx="4034545" cy="3590267"/>
-          </a:xfrm>
-          <a:prstGeom prst="rect">
-            <a:avLst/>
-          </a:prstGeom>
-        </p:spPr>
-      </p:pic>
-      <p:pic>
-        <p:nvPicPr>
-          <p:cNvPr id="4" name="Imagem 3" descr="Imagem de vídeo game&#10;&#10;Descrição gerada automaticamente com confiança baixa">
-            <a:extLst>
-              <a:ext uri="{FF2B5EF4-FFF2-40B4-BE49-F238E27FC236}">
-                <a16:creationId xmlns:a16="http://schemas.microsoft.com/office/drawing/2014/main" id="{F6A27985-9D35-D762-7EEF-5DB5A8F27C31}"/>
-              </a:ext>
-            </a:extLst>
-          </p:cNvPr>
-          <p:cNvPicPr>
-            <a:picLocks noChangeAspect="1"/>
-          </p:cNvPicPr>
-          <p:nvPr/>
-        </p:nvPicPr>
-        <p:blipFill rotWithShape="1">
-          <a:blip r:embed="rId3">
-            <a:extLst>
-              <a:ext uri="{28A0092B-C50C-407E-A947-70E740481C1C}">
-                <a14:useLocalDpi xmlns:a14="http://schemas.microsoft.com/office/drawing/2010/main" val="0"/>
-              </a:ext>
-            </a:extLst>
-          </a:blip>
-          <a:srcRect l="66830" t="54077" r="191" b="30661"/>
-          <a:stretch/>
-        </p:blipFill>
-        <p:spPr>
-          <a:xfrm>
-            <a:off x="8157455" y="3229361"/>
-            <a:ext cx="4034545" cy="3654065"/>
-          </a:xfrm>
-          <a:prstGeom prst="rect">
-            <a:avLst/>
-          </a:prstGeom>
-        </p:spPr>
-      </p:pic>
-      <p:sp>
-        <p:nvSpPr>
-          <p:cNvPr id="2" name="Espaço Reservado para Número de Slide 1">
-            <a:extLst>
-              <a:ext uri="{FF2B5EF4-FFF2-40B4-BE49-F238E27FC236}">
-                <a16:creationId xmlns:a16="http://schemas.microsoft.com/office/drawing/2014/main" id="{468F0C50-CC9C-4AA7-183D-F62642E01453}"/>
-              </a:ext>
-            </a:extLst>
-          </p:cNvPr>
-          <p:cNvSpPr>
-            <a:spLocks noGrp="1"/>
-          </p:cNvSpPr>
-          <p:nvPr>
-            <p:ph type="sldNum" sz="quarter" idx="12"/>
-          </p:nvPr>
-        </p:nvSpPr>
-        <p:spPr>
-          <a:xfrm>
-            <a:off x="9201150" y="6308725"/>
-            <a:ext cx="2743200" cy="365125"/>
-          </a:xfrm>
-        </p:spPr>
-        <p:txBody>
-          <a:bodyPr vert="horz" lIns="91440" tIns="45720" rIns="91440" bIns="45720" rtlCol="0" anchor="ctr"/>
-          <a:lstStyle/>
-          <a:p>
-            <a:fld id="{3CCB0E57-07C7-4201-932D-E8A25CD1446D}" type="slidenum">
-              <a:rPr lang="pt-BR" sz="4000">
-                <a:solidFill>
-                  <a:srgbClr val="FFC000"/>
-                </a:solidFill>
-                <a:latin typeface="Stardew Valley" pitchFamily="2" charset="0"/>
-              </a:rPr>
-              <a:pPr/>
-              <a:t>9</a:t>
-            </a:fld>
-            <a:endParaRPr lang="pt-BR" sz="4000" dirty="0">
-              <a:solidFill>
-                <a:srgbClr val="FFC000"/>
-              </a:solidFill>
-              <a:latin typeface="Stardew Valley" pitchFamily="2" charset="0"/>
-            </a:endParaRPr>
-          </a:p>
-        </p:txBody>
-      </p:sp>
-      <p:pic>
-        <p:nvPicPr>
-          <p:cNvPr id="11" name="Imagem 10">
-            <a:extLst>
-              <a:ext uri="{FF2B5EF4-FFF2-40B4-BE49-F238E27FC236}">
-                <a16:creationId xmlns:a16="http://schemas.microsoft.com/office/drawing/2014/main" id="{8DD6721F-40C6-CA91-F8C7-CD8A2163DD7F}"/>
-              </a:ext>
-            </a:extLst>
-          </p:cNvPr>
-          <p:cNvPicPr>
-            <a:picLocks noChangeAspect="1"/>
-          </p:cNvPicPr>
-          <p:nvPr/>
-        </p:nvPicPr>
-        <p:blipFill rotWithShape="1">
-          <a:blip r:embed="rId4">
-            <a:extLst>
-              <a:ext uri="{28A0092B-C50C-407E-A947-70E740481C1C}">
-                <a14:useLocalDpi xmlns:a14="http://schemas.microsoft.com/office/drawing/2010/main" val="0"/>
-              </a:ext>
-            </a:extLst>
-          </a:blip>
-          <a:srcRect l="13913" r="48264"/>
-          <a:stretch/>
-        </p:blipFill>
-        <p:spPr>
-          <a:xfrm>
-            <a:off x="3476625" y="4976183"/>
-            <a:ext cx="5363788" cy="1431537"/>
-          </a:xfrm>
-          <a:prstGeom prst="rect">
-            <a:avLst/>
-          </a:prstGeom>
-        </p:spPr>
-      </p:pic>
-      <p:pic>
-        <p:nvPicPr>
-          <p:cNvPr id="12" name="Imagem 11" descr="Desenho de uma árvore&#10;&#10;Descrição gerada automaticamente com confiança baixa">
-            <a:extLst>
-              <a:ext uri="{FF2B5EF4-FFF2-40B4-BE49-F238E27FC236}">
-                <a16:creationId xmlns:a16="http://schemas.microsoft.com/office/drawing/2014/main" id="{4AEF4CDB-1A90-4F02-A3DB-49C86114CD85}"/>
-              </a:ext>
-            </a:extLst>
-          </p:cNvPr>
-          <p:cNvPicPr>
-            <a:picLocks noChangeAspect="1"/>
-          </p:cNvPicPr>
-          <p:nvPr/>
-        </p:nvPicPr>
-        <p:blipFill rotWithShape="1">
-          <a:blip r:embed="rId5">
-            <a:extLst>
-              <a:ext uri="{28A0092B-C50C-407E-A947-70E740481C1C}">
-                <a14:useLocalDpi xmlns:a14="http://schemas.microsoft.com/office/drawing/2010/main" val="0"/>
-              </a:ext>
-            </a:extLst>
-          </a:blip>
-          <a:srcRect t="28190" r="74962" b="27410"/>
-          <a:stretch/>
-        </p:blipFill>
-        <p:spPr>
-          <a:xfrm>
-            <a:off x="7881830" y="5282472"/>
-            <a:ext cx="564372" cy="1000800"/>
-          </a:xfrm>
-          <a:prstGeom prst="rect">
-            <a:avLst/>
-          </a:prstGeom>
-        </p:spPr>
-      </p:pic>
-      <p:pic>
-        <p:nvPicPr>
-          <p:cNvPr id="13" name="Imagem 12" descr="Desenho de uma árvore&#10;&#10;Descrição gerada automaticamente com confiança baixa">
-            <a:extLst>
-              <a:ext uri="{FF2B5EF4-FFF2-40B4-BE49-F238E27FC236}">
-                <a16:creationId xmlns:a16="http://schemas.microsoft.com/office/drawing/2014/main" id="{2F7B8BF0-EFE7-156C-6521-85A190E24A3D}"/>
-              </a:ext>
-            </a:extLst>
-          </p:cNvPr>
-          <p:cNvPicPr>
-            <a:picLocks noChangeAspect="1"/>
-          </p:cNvPicPr>
-          <p:nvPr/>
-        </p:nvPicPr>
-        <p:blipFill rotWithShape="1">
-          <a:blip r:embed="rId5">
-            <a:extLst>
-              <a:ext uri="{28A0092B-C50C-407E-A947-70E740481C1C}">
-                <a14:useLocalDpi xmlns:a14="http://schemas.microsoft.com/office/drawing/2010/main" val="0"/>
-              </a:ext>
-            </a:extLst>
-          </a:blip>
-          <a:srcRect l="25400" t="28190" r="49562" b="27410"/>
-          <a:stretch/>
-        </p:blipFill>
-        <p:spPr>
-          <a:xfrm>
-            <a:off x="6543697" y="5282472"/>
-            <a:ext cx="564372" cy="1000800"/>
-          </a:xfrm>
-          <a:prstGeom prst="rect">
-            <a:avLst/>
-          </a:prstGeom>
-        </p:spPr>
-      </p:pic>
-      <p:pic>
-        <p:nvPicPr>
-          <p:cNvPr id="14" name="Imagem 13" descr="Desenho de uma árvore&#10;&#10;Descrição gerada automaticamente com confiança baixa">
-            <a:extLst>
-              <a:ext uri="{FF2B5EF4-FFF2-40B4-BE49-F238E27FC236}">
-                <a16:creationId xmlns:a16="http://schemas.microsoft.com/office/drawing/2014/main" id="{1931D4EE-573E-8385-9909-D750690913D7}"/>
-              </a:ext>
-            </a:extLst>
-          </p:cNvPr>
-          <p:cNvPicPr>
-            <a:picLocks noChangeAspect="1"/>
-          </p:cNvPicPr>
-          <p:nvPr/>
-        </p:nvPicPr>
-        <p:blipFill rotWithShape="1">
-          <a:blip r:embed="rId5">
-            <a:extLst>
-              <a:ext uri="{28A0092B-C50C-407E-A947-70E740481C1C}">
-                <a14:useLocalDpi xmlns:a14="http://schemas.microsoft.com/office/drawing/2010/main" val="0"/>
-              </a:ext>
-            </a:extLst>
-          </a:blip>
-          <a:srcRect l="50200" t="27790" r="24762" b="27810"/>
-          <a:stretch/>
-        </p:blipFill>
-        <p:spPr>
-          <a:xfrm>
-            <a:off x="3867151" y="5263422"/>
-            <a:ext cx="564652" cy="1001296"/>
-          </a:xfrm>
-          <a:prstGeom prst="rect">
-            <a:avLst/>
-          </a:prstGeom>
-        </p:spPr>
-      </p:pic>
-      <p:pic>
-        <p:nvPicPr>
-          <p:cNvPr id="15" name="Imagem 14" descr="Desenho de uma árvore&#10;&#10;Descrição gerada automaticamente com confiança baixa">
-            <a:extLst>
-              <a:ext uri="{FF2B5EF4-FFF2-40B4-BE49-F238E27FC236}">
-                <a16:creationId xmlns:a16="http://schemas.microsoft.com/office/drawing/2014/main" id="{5F8A9FB8-2A7B-A0EA-3DCD-45D235C1CF05}"/>
-              </a:ext>
-            </a:extLst>
-          </p:cNvPr>
-          <p:cNvPicPr>
-            <a:picLocks noChangeAspect="1"/>
-          </p:cNvPicPr>
-          <p:nvPr/>
-        </p:nvPicPr>
-        <p:blipFill rotWithShape="1">
-          <a:blip r:embed="rId5">
-            <a:extLst>
-              <a:ext uri="{28A0092B-C50C-407E-A947-70E740481C1C}">
-                <a14:useLocalDpi xmlns:a14="http://schemas.microsoft.com/office/drawing/2010/main" val="0"/>
-              </a:ext>
-            </a:extLst>
-          </a:blip>
-          <a:srcRect l="74962" t="27800" b="27800"/>
-          <a:stretch/>
-        </p:blipFill>
-        <p:spPr>
-          <a:xfrm>
-            <a:off x="5205564" y="5263422"/>
-            <a:ext cx="564372" cy="1000800"/>
-          </a:xfrm>
-          <a:prstGeom prst="rect">
-            <a:avLst/>
-          </a:prstGeom>
-        </p:spPr>
-      </p:pic>
-      <p:sp>
-        <p:nvSpPr>
-          <p:cNvPr id="18" name="CaixaDeTexto 17">
-            <a:extLst>
-              <a:ext uri="{FF2B5EF4-FFF2-40B4-BE49-F238E27FC236}">
-                <a16:creationId xmlns:a16="http://schemas.microsoft.com/office/drawing/2014/main" id="{0B05445D-5418-FF42-E122-747D20817A58}"/>
-              </a:ext>
-            </a:extLst>
-          </p:cNvPr>
-          <p:cNvSpPr txBox="1"/>
-          <p:nvPr/>
-        </p:nvSpPr>
-        <p:spPr>
-          <a:xfrm>
-            <a:off x="6283625" y="5184222"/>
-            <a:ext cx="1080000" cy="1080000"/>
-          </a:xfrm>
-          <a:prstGeom prst="rect">
-            <a:avLst/>
-          </a:prstGeom>
-          <a:solidFill>
-            <a:srgbClr val="DEEBF7">
-              <a:alpha val="28000"/>
-            </a:srgbClr>
-          </a:solidFill>
-          <a:ln>
-            <a:noFill/>
-          </a:ln>
-        </p:spPr>
-        <p:txBody>
-          <a:bodyPr wrap="square" rtlCol="0">
-            <a:spAutoFit/>
-          </a:bodyPr>
-          <a:lstStyle/>
-          <a:p>
-            <a:endParaRPr lang="pt-BR" dirty="0"/>
-          </a:p>
-        </p:txBody>
-      </p:sp>
-      <p:pic>
-        <p:nvPicPr>
-          <p:cNvPr id="17" name="Imagem 16" descr="Tela de jogo de vídeo game&#10;&#10;Descrição gerada automaticamente com confiança baixa">
-            <a:extLst>
-              <a:ext uri="{FF2B5EF4-FFF2-40B4-BE49-F238E27FC236}">
-                <a16:creationId xmlns:a16="http://schemas.microsoft.com/office/drawing/2014/main" id="{A13BE8C8-BB86-0594-A0DA-E05777BFB4E2}"/>
-              </a:ext>
-            </a:extLst>
-          </p:cNvPr>
-          <p:cNvPicPr>
-            <a:picLocks noChangeAspect="1"/>
-          </p:cNvPicPr>
-          <p:nvPr/>
-        </p:nvPicPr>
-        <p:blipFill rotWithShape="1">
-          <a:blip r:embed="rId6">
-            <a:extLst>
-              <a:ext uri="{28A0092B-C50C-407E-A947-70E740481C1C}">
-                <a14:useLocalDpi xmlns:a14="http://schemas.microsoft.com/office/drawing/2010/main" val="0"/>
-              </a:ext>
-            </a:extLst>
-          </a:blip>
-          <a:srcRect l="2538" t="50323" r="49957" b="2085"/>
-          <a:stretch/>
-        </p:blipFill>
-        <p:spPr>
-          <a:xfrm>
-            <a:off x="6156433" y="5070907"/>
-            <a:ext cx="1334384" cy="1336813"/>
-          </a:xfrm>
-          <a:prstGeom prst="rect">
-            <a:avLst/>
-          </a:prstGeom>
-        </p:spPr>
-      </p:pic>
-      <p:grpSp>
-        <p:nvGrpSpPr>
-          <p:cNvPr id="19" name="Agrupar 18">
-            <a:extLst>
-              <a:ext uri="{FF2B5EF4-FFF2-40B4-BE49-F238E27FC236}">
-                <a16:creationId xmlns:a16="http://schemas.microsoft.com/office/drawing/2014/main" id="{C0189603-1168-CDD3-29AA-EE755309B99A}"/>
-              </a:ext>
-            </a:extLst>
-          </p:cNvPr>
-          <p:cNvGrpSpPr/>
-          <p:nvPr/>
-        </p:nvGrpSpPr>
-        <p:grpSpPr>
-          <a:xfrm>
-            <a:off x="2668634" y="-3317425"/>
-            <a:ext cx="6979770" cy="1483656"/>
-            <a:chOff x="1941204" y="3033610"/>
-            <a:chExt cx="8878263" cy="2084995"/>
-          </a:xfrm>
-        </p:grpSpPr>
-        <p:pic>
-          <p:nvPicPr>
-            <p:cNvPr id="20" name="Imagem 19" descr="Texto&#10;&#10;Descrição gerada automaticamente">
-              <a:extLst>
-                <a:ext uri="{FF2B5EF4-FFF2-40B4-BE49-F238E27FC236}">
-                  <a16:creationId xmlns:a16="http://schemas.microsoft.com/office/drawing/2014/main" id="{029E2C4F-ACDA-CD55-CB5A-3DB8C42EE4A8}"/>
-                </a:ext>
-              </a:extLst>
-            </p:cNvPr>
-            <p:cNvPicPr>
-              <a:picLocks noChangeAspect="1"/>
-            </p:cNvPicPr>
-            <p:nvPr/>
-          </p:nvPicPr>
-          <p:blipFill>
-            <a:blip r:embed="rId7">
-              <a:extLst>
-                <a:ext uri="{28A0092B-C50C-407E-A947-70E740481C1C}">
-                  <a14:useLocalDpi xmlns:a14="http://schemas.microsoft.com/office/drawing/2010/main" val="0"/>
-                </a:ext>
-              </a:extLst>
-            </a:blip>
-            <a:stretch>
-              <a:fillRect/>
-            </a:stretch>
-          </p:blipFill>
-          <p:spPr>
-            <a:xfrm>
-              <a:off x="1941204" y="3033610"/>
-              <a:ext cx="8878263" cy="2084995"/>
-            </a:xfrm>
-            <a:prstGeom prst="rect">
-              <a:avLst/>
-            </a:prstGeom>
-          </p:spPr>
-        </p:pic>
-        <p:sp>
-          <p:nvSpPr>
-            <p:cNvPr id="21" name="CaixaDeTexto 20">
-              <a:extLst>
-                <a:ext uri="{FF2B5EF4-FFF2-40B4-BE49-F238E27FC236}">
-                  <a16:creationId xmlns:a16="http://schemas.microsoft.com/office/drawing/2014/main" id="{9BEDCF66-7B6F-3F65-861D-5D5B78FAF193}"/>
-                </a:ext>
-              </a:extLst>
-            </p:cNvPr>
-            <p:cNvSpPr txBox="1"/>
-            <p:nvPr/>
-          </p:nvSpPr>
-          <p:spPr>
-            <a:xfrm>
-              <a:off x="2786743" y="3425112"/>
-              <a:ext cx="7271657" cy="1075365"/>
-            </a:xfrm>
-            <a:prstGeom prst="rect">
-              <a:avLst/>
-            </a:prstGeom>
-            <a:solidFill>
-              <a:srgbClr val="F7B55E"/>
-            </a:solidFill>
-            <a:ln>
-              <a:noFill/>
-            </a:ln>
-          </p:spPr>
-          <p:txBody>
-            <a:bodyPr wrap="square" rtlCol="0">
-              <a:spAutoFit/>
-            </a:bodyPr>
-            <a:lstStyle/>
-            <a:p>
-              <a:endParaRPr lang="pt-BR" dirty="0"/>
-            </a:p>
-          </p:txBody>
-        </p:sp>
-      </p:grpSp>
-      <p:grpSp>
-        <p:nvGrpSpPr>
-          <p:cNvPr id="23" name="Agrupar 22">
-            <a:extLst>
-              <a:ext uri="{FF2B5EF4-FFF2-40B4-BE49-F238E27FC236}">
-                <a16:creationId xmlns:a16="http://schemas.microsoft.com/office/drawing/2014/main" id="{A73EC45B-25A6-098D-CEB5-249CAB6A0819}"/>
-              </a:ext>
-            </a:extLst>
-          </p:cNvPr>
-          <p:cNvGrpSpPr/>
-          <p:nvPr/>
-        </p:nvGrpSpPr>
-        <p:grpSpPr>
-          <a:xfrm>
-            <a:off x="2668634" y="2340425"/>
-            <a:ext cx="6979770" cy="1483656"/>
-            <a:chOff x="1941204" y="3033610"/>
-            <a:chExt cx="8878263" cy="2084995"/>
-          </a:xfrm>
-        </p:grpSpPr>
-        <p:pic>
-          <p:nvPicPr>
-            <p:cNvPr id="24" name="Imagem 23" descr="Texto&#10;&#10;Descrição gerada automaticamente">
-              <a:extLst>
-                <a:ext uri="{FF2B5EF4-FFF2-40B4-BE49-F238E27FC236}">
-                  <a16:creationId xmlns:a16="http://schemas.microsoft.com/office/drawing/2014/main" id="{9BB797BC-A716-83E5-3B25-323BA0F96793}"/>
-                </a:ext>
-              </a:extLst>
-            </p:cNvPr>
-            <p:cNvPicPr>
-              <a:picLocks noChangeAspect="1"/>
-            </p:cNvPicPr>
-            <p:nvPr/>
-          </p:nvPicPr>
-          <p:blipFill>
-            <a:blip r:embed="rId7">
-              <a:extLst>
-                <a:ext uri="{28A0092B-C50C-407E-A947-70E740481C1C}">
-                  <a14:useLocalDpi xmlns:a14="http://schemas.microsoft.com/office/drawing/2010/main" val="0"/>
-                </a:ext>
-              </a:extLst>
-            </a:blip>
-            <a:stretch>
-              <a:fillRect/>
-            </a:stretch>
-          </p:blipFill>
-          <p:spPr>
-            <a:xfrm>
-              <a:off x="1941204" y="3033610"/>
-              <a:ext cx="8878263" cy="2084995"/>
-            </a:xfrm>
-            <a:prstGeom prst="rect">
-              <a:avLst/>
-            </a:prstGeom>
-          </p:spPr>
-        </p:pic>
-        <p:sp>
-          <p:nvSpPr>
-            <p:cNvPr id="25" name="CaixaDeTexto 24">
-              <a:extLst>
-                <a:ext uri="{FF2B5EF4-FFF2-40B4-BE49-F238E27FC236}">
-                  <a16:creationId xmlns:a16="http://schemas.microsoft.com/office/drawing/2014/main" id="{F65A2C7E-8A68-93F1-3BB5-F79ECC97552C}"/>
-                </a:ext>
-              </a:extLst>
-            </p:cNvPr>
-            <p:cNvSpPr txBox="1"/>
-            <p:nvPr/>
-          </p:nvSpPr>
-          <p:spPr>
-            <a:xfrm>
-              <a:off x="2786743" y="3425112"/>
-              <a:ext cx="7271657" cy="1075365"/>
-            </a:xfrm>
-            <a:prstGeom prst="rect">
-              <a:avLst/>
-            </a:prstGeom>
-            <a:solidFill>
-              <a:srgbClr val="F7B55E"/>
-            </a:solidFill>
-            <a:ln>
-              <a:noFill/>
-            </a:ln>
-          </p:spPr>
-          <p:txBody>
-            <a:bodyPr wrap="square" rtlCol="0">
-              <a:spAutoFit/>
-            </a:bodyPr>
-            <a:lstStyle/>
-            <a:p>
-              <a:endParaRPr lang="pt-BR" dirty="0"/>
-            </a:p>
-          </p:txBody>
-        </p:sp>
-      </p:grpSp>
-      <p:grpSp>
-        <p:nvGrpSpPr>
-          <p:cNvPr id="27" name="Agrupar 26">
-            <a:extLst>
-              <a:ext uri="{FF2B5EF4-FFF2-40B4-BE49-F238E27FC236}">
-                <a16:creationId xmlns:a16="http://schemas.microsoft.com/office/drawing/2014/main" id="{2DDA752B-57C9-3583-4C52-B30B5947C464}"/>
-              </a:ext>
-            </a:extLst>
-          </p:cNvPr>
-          <p:cNvGrpSpPr/>
-          <p:nvPr/>
-        </p:nvGrpSpPr>
-        <p:grpSpPr>
-          <a:xfrm>
-            <a:off x="2687684" y="8360225"/>
-            <a:ext cx="6979770" cy="1483656"/>
-            <a:chOff x="1941204" y="3033610"/>
-            <a:chExt cx="8878263" cy="2084995"/>
-          </a:xfrm>
-        </p:grpSpPr>
-        <p:pic>
-          <p:nvPicPr>
-            <p:cNvPr id="28" name="Imagem 27" descr="Texto&#10;&#10;Descrição gerada automaticamente">
-              <a:extLst>
-                <a:ext uri="{FF2B5EF4-FFF2-40B4-BE49-F238E27FC236}">
-                  <a16:creationId xmlns:a16="http://schemas.microsoft.com/office/drawing/2014/main" id="{D055B1C6-E299-462B-C057-20A48C35E228}"/>
-                </a:ext>
-              </a:extLst>
-            </p:cNvPr>
-            <p:cNvPicPr>
-              <a:picLocks noChangeAspect="1"/>
-            </p:cNvPicPr>
-            <p:nvPr/>
-          </p:nvPicPr>
-          <p:blipFill>
-            <a:blip r:embed="rId7">
-              <a:extLst>
-                <a:ext uri="{28A0092B-C50C-407E-A947-70E740481C1C}">
-                  <a14:useLocalDpi xmlns:a14="http://schemas.microsoft.com/office/drawing/2010/main" val="0"/>
-                </a:ext>
-              </a:extLst>
-            </a:blip>
-            <a:stretch>
-              <a:fillRect/>
-            </a:stretch>
-          </p:blipFill>
-          <p:spPr>
-            <a:xfrm>
-              <a:off x="1941204" y="3033610"/>
-              <a:ext cx="8878263" cy="2084995"/>
-            </a:xfrm>
-            <a:prstGeom prst="rect">
-              <a:avLst/>
-            </a:prstGeom>
-          </p:spPr>
-        </p:pic>
-        <p:sp>
-          <p:nvSpPr>
-            <p:cNvPr id="29" name="CaixaDeTexto 28">
-              <a:extLst>
-                <a:ext uri="{FF2B5EF4-FFF2-40B4-BE49-F238E27FC236}">
-                  <a16:creationId xmlns:a16="http://schemas.microsoft.com/office/drawing/2014/main" id="{0D407692-34A5-BD07-4899-FE410C08AF86}"/>
-                </a:ext>
-              </a:extLst>
-            </p:cNvPr>
-            <p:cNvSpPr txBox="1"/>
-            <p:nvPr/>
-          </p:nvSpPr>
-          <p:spPr>
-            <a:xfrm>
-              <a:off x="2786743" y="3425112"/>
-              <a:ext cx="7271657" cy="1075365"/>
-            </a:xfrm>
-            <a:prstGeom prst="rect">
-              <a:avLst/>
-            </a:prstGeom>
-            <a:solidFill>
-              <a:srgbClr val="F7B55E"/>
-            </a:solidFill>
-            <a:ln>
-              <a:noFill/>
-            </a:ln>
-          </p:spPr>
-          <p:txBody>
-            <a:bodyPr wrap="square" rtlCol="0">
-              <a:spAutoFit/>
-            </a:bodyPr>
-            <a:lstStyle/>
-            <a:p>
-              <a:endParaRPr lang="pt-BR" dirty="0"/>
-            </a:p>
-          </p:txBody>
-        </p:sp>
-      </p:grpSp>
-      <p:pic>
-        <p:nvPicPr>
-          <p:cNvPr id="5" name="Imagem 4" descr="Desenho de rosto de pessoa visto de perto&#10;&#10;Descrição gerada automaticamente com confiança média">
-            <a:extLst>
-              <a:ext uri="{FF2B5EF4-FFF2-40B4-BE49-F238E27FC236}">
-                <a16:creationId xmlns:a16="http://schemas.microsoft.com/office/drawing/2014/main" id="{5BEBC63C-B413-63EF-FF3F-97F59243BE9F}"/>
-              </a:ext>
-            </a:extLst>
-          </p:cNvPr>
-          <p:cNvPicPr>
-            <a:picLocks noChangeAspect="1"/>
-          </p:cNvPicPr>
-          <p:nvPr/>
-        </p:nvPicPr>
-        <p:blipFill>
-          <a:blip r:embed="rId8">
-            <a:extLst>
-              <a:ext uri="{28A0092B-C50C-407E-A947-70E740481C1C}">
-                <a14:useLocalDpi xmlns:a14="http://schemas.microsoft.com/office/drawing/2010/main" val="0"/>
-              </a:ext>
-            </a:extLst>
-          </a:blip>
-          <a:stretch>
-            <a:fillRect/>
-          </a:stretch>
-        </p:blipFill>
-        <p:spPr>
-          <a:xfrm>
-            <a:off x="9304531" y="4899702"/>
-            <a:ext cx="1983724" cy="1983724"/>
-          </a:xfrm>
-          <a:prstGeom prst="rect">
-            <a:avLst/>
-          </a:prstGeom>
-        </p:spPr>
-      </p:pic>
-      <p:pic>
-        <p:nvPicPr>
-          <p:cNvPr id="7" name="Imagem 6" descr="Desenho de personagem de desenho animado&#10;&#10;Descrição gerada automaticamente com confiança média">
-            <a:extLst>
-              <a:ext uri="{FF2B5EF4-FFF2-40B4-BE49-F238E27FC236}">
-                <a16:creationId xmlns:a16="http://schemas.microsoft.com/office/drawing/2014/main" id="{01274FFD-8E78-B31F-D7A0-0E1D04205567}"/>
-              </a:ext>
-            </a:extLst>
-          </p:cNvPr>
-          <p:cNvPicPr>
-            <a:picLocks noChangeAspect="1"/>
-          </p:cNvPicPr>
-          <p:nvPr/>
-        </p:nvPicPr>
-        <p:blipFill>
-          <a:blip r:embed="rId9">
-            <a:extLst>
-              <a:ext uri="{28A0092B-C50C-407E-A947-70E740481C1C}">
-                <a14:useLocalDpi xmlns:a14="http://schemas.microsoft.com/office/drawing/2010/main" val="0"/>
-              </a:ext>
-            </a:extLst>
-          </a:blip>
-          <a:stretch>
-            <a:fillRect/>
-          </a:stretch>
-        </p:blipFill>
-        <p:spPr>
-          <a:xfrm>
-            <a:off x="971178" y="4874400"/>
-            <a:ext cx="1983600" cy="1983600"/>
-          </a:xfrm>
-          <a:prstGeom prst="rect">
-            <a:avLst/>
-          </a:prstGeom>
-        </p:spPr>
-      </p:pic>
-      <p:pic>
-        <p:nvPicPr>
-          <p:cNvPr id="8" name="Imagem 7" descr="Desenho de rosto de pessoa&#10;&#10;Descrição gerada automaticamente com confiança média">
-            <a:extLst>
-              <a:ext uri="{FF2B5EF4-FFF2-40B4-BE49-F238E27FC236}">
-                <a16:creationId xmlns:a16="http://schemas.microsoft.com/office/drawing/2014/main" id="{D8739FE2-2EFF-53D6-4766-F2C6015B6EB6}"/>
-              </a:ext>
-            </a:extLst>
-          </p:cNvPr>
-          <p:cNvPicPr>
-            <a:picLocks noChangeAspect="1"/>
-          </p:cNvPicPr>
-          <p:nvPr/>
-        </p:nvPicPr>
-        <p:blipFill>
-          <a:blip r:embed="rId10">
-            <a:extLst>
-              <a:ext uri="{28A0092B-C50C-407E-A947-70E740481C1C}">
-                <a14:useLocalDpi xmlns:a14="http://schemas.microsoft.com/office/drawing/2010/main" val="0"/>
-              </a:ext>
-            </a:extLst>
-          </a:blip>
-          <a:stretch>
-            <a:fillRect/>
-          </a:stretch>
-        </p:blipFill>
-        <p:spPr>
-          <a:xfrm>
-            <a:off x="793032" y="7528726"/>
-            <a:ext cx="1983600" cy="1983600"/>
-          </a:xfrm>
-          <a:prstGeom prst="rect">
-            <a:avLst/>
-          </a:prstGeom>
-        </p:spPr>
-      </p:pic>
-      <p:pic>
-        <p:nvPicPr>
-          <p:cNvPr id="9" name="Imagem 8">
-            <a:extLst>
-              <a:ext uri="{FF2B5EF4-FFF2-40B4-BE49-F238E27FC236}">
-                <a16:creationId xmlns:a16="http://schemas.microsoft.com/office/drawing/2014/main" id="{F2610D61-A8BD-4E2B-3C5F-A94DEE03536E}"/>
-              </a:ext>
-            </a:extLst>
-          </p:cNvPr>
-          <p:cNvPicPr>
-            <a:picLocks noChangeAspect="1"/>
-          </p:cNvPicPr>
-          <p:nvPr/>
-        </p:nvPicPr>
-        <p:blipFill>
-          <a:blip r:embed="rId11"/>
-          <a:stretch>
-            <a:fillRect/>
-          </a:stretch>
-        </p:blipFill>
-        <p:spPr>
-          <a:xfrm>
-            <a:off x="3668520" y="-3987194"/>
-            <a:ext cx="5084505" cy="1286367"/>
-          </a:xfrm>
-          <a:prstGeom prst="rect">
-            <a:avLst/>
-          </a:prstGeom>
-        </p:spPr>
-      </p:pic>
-      <p:pic>
-        <p:nvPicPr>
-          <p:cNvPr id="10" name="Imagem 9">
-            <a:extLst>
-              <a:ext uri="{FF2B5EF4-FFF2-40B4-BE49-F238E27FC236}">
-                <a16:creationId xmlns:a16="http://schemas.microsoft.com/office/drawing/2014/main" id="{A8729773-1F10-5446-934C-D53DD31988F3}"/>
-              </a:ext>
-            </a:extLst>
-          </p:cNvPr>
-          <p:cNvPicPr>
-            <a:picLocks noChangeAspect="1"/>
-          </p:cNvPicPr>
-          <p:nvPr/>
-        </p:nvPicPr>
-        <p:blipFill>
-          <a:blip r:embed="rId12"/>
-          <a:stretch>
-            <a:fillRect/>
-          </a:stretch>
-        </p:blipFill>
-        <p:spPr>
-          <a:xfrm>
-            <a:off x="3852305" y="2430153"/>
-            <a:ext cx="5456393" cy="1286367"/>
-          </a:xfrm>
-          <a:prstGeom prst="rect">
-            <a:avLst/>
-          </a:prstGeom>
-        </p:spPr>
-      </p:pic>
-      <p:pic>
-        <p:nvPicPr>
-          <p:cNvPr id="16" name="Imagem 15">
-            <a:extLst>
-              <a:ext uri="{FF2B5EF4-FFF2-40B4-BE49-F238E27FC236}">
-                <a16:creationId xmlns:a16="http://schemas.microsoft.com/office/drawing/2014/main" id="{4A0141CD-75D4-3D1F-002A-E80CF753BB13}"/>
-              </a:ext>
-            </a:extLst>
-          </p:cNvPr>
-          <p:cNvPicPr>
-            <a:picLocks noChangeAspect="1"/>
-          </p:cNvPicPr>
-          <p:nvPr/>
-        </p:nvPicPr>
-        <p:blipFill>
-          <a:blip r:embed="rId13"/>
-          <a:stretch>
-            <a:fillRect/>
-          </a:stretch>
-        </p:blipFill>
-        <p:spPr>
-          <a:xfrm>
-            <a:off x="4182717" y="10122469"/>
-            <a:ext cx="5456393" cy="1286367"/>
-          </a:xfrm>
-          <a:prstGeom prst="rect">
-            <a:avLst/>
-          </a:prstGeom>
-        </p:spPr>
-      </p:pic>
-    </p:spTree>
-    <p:extLst>
-      <p:ext uri="{BB962C8B-B14F-4D97-AF65-F5344CB8AC3E}">
-        <p14:creationId xmlns:p14="http://schemas.microsoft.com/office/powerpoint/2010/main" val="2731996659"/>
       </p:ext>
     </p:extLst>
   </p:cSld>
